--- a/figures.pptx
+++ b/figures.pptx
@@ -16,6 +16,9 @@
     <p:sldId id="264" r:id="rId11"/>
     <p:sldId id="266" r:id="rId12"/>
     <p:sldId id="273" r:id="rId13"/>
+    <p:sldId id="274" r:id="rId14"/>
+    <p:sldId id="275" r:id="rId15"/>
+    <p:sldId id="276" r:id="rId16"/>
   </p:sldIdLst>
   <p:sldSz cx="12192000" cy="6858000"/>
   <p:notesSz cx="6858000" cy="9144000"/>
@@ -694,6 +697,1280 @@
 </c:chartSpace>
 </file>
 
+<file path=ppt/charts/chart10.xml><?xml version="1.0" encoding="utf-8"?>
+<c:chartSpace xmlns:c="http://schemas.openxmlformats.org/drawingml/2006/chart" xmlns:a="http://schemas.openxmlformats.org/drawingml/2006/main" xmlns:r="http://schemas.openxmlformats.org/officeDocument/2006/relationships">
+  <c:date1904 val="0"/>
+  <c:lang val="zh-CN"/>
+  <c:roundedCorners val="0"/>
+  <mc:AlternateContent xmlns:mc="http://schemas.openxmlformats.org/markup-compatibility/2006">
+    <mc:Choice xmlns:c14="http://schemas.microsoft.com/office/drawing/2007/8/2/chart" Requires="c14">
+      <c14:style val="102"/>
+    </mc:Choice>
+    <mc:Fallback>
+      <c:style val="2"/>
+    </mc:Fallback>
+  </mc:AlternateContent>
+  <c:chart>
+    <c:autoTitleDeleted val="1"/>
+    <c:plotArea>
+      <c:layout>
+        <c:manualLayout>
+          <c:layoutTarget val="inner"/>
+          <c:xMode val="edge"/>
+          <c:yMode val="edge"/>
+          <c:x val="0.161222222222222"/>
+          <c:y val="0.15162037037037"/>
+          <c:w val="0.821833333333333"/>
+          <c:h val="0.534768518518518"/>
+        </c:manualLayout>
+      </c:layout>
+      <c:barChart>
+        <c:barDir val="col"/>
+        <c:grouping val="stacked"/>
+        <c:varyColors val="0"/>
+        <c:ser>
+          <c:idx val="0"/>
+          <c:order val="0"/>
+          <c:tx>
+            <c:strRef>
+              <c:f>'[sharing_results.xlsx]Classification Acces'!$A$4</c:f>
+              <c:strCache>
+                <c:ptCount val="1"/>
+                <c:pt idx="0">
+                  <c:v>RO Private</c:v>
+                </c:pt>
+              </c:strCache>
+            </c:strRef>
+          </c:tx>
+          <c:spPr>
+            <a:solidFill>
+              <a:srgbClr val="FF0000"/>
+            </a:solidFill>
+            <a:ln>
+              <a:solidFill>
+                <a:sysClr val="windowText" lastClr="000000"/>
+              </a:solidFill>
+            </a:ln>
+            <a:effectLst/>
+          </c:spPr>
+          <c:invertIfNegative val="0"/>
+          <c:cat>
+            <c:strRef>
+              <c:f>'[sharing_results.xlsx]Classification Acces'!$B$3:$I$3</c:f>
+              <c:strCache>
+                <c:ptCount val="8"/>
+                <c:pt idx="0">
+                  <c:v>adi</c:v>
+                </c:pt>
+                <c:pt idx="1">
+                  <c:v>deriche</c:v>
+                </c:pt>
+                <c:pt idx="2">
+                  <c:v>jacobi</c:v>
+                </c:pt>
+                <c:pt idx="3">
+                  <c:v>mat_mult</c:v>
+                </c:pt>
+                <c:pt idx="4">
+                  <c:v>max33</c:v>
+                </c:pt>
+                <c:pt idx="5">
+                  <c:v>median33</c:v>
+                </c:pt>
+                <c:pt idx="6">
+                  <c:v>rotate</c:v>
+                </c:pt>
+                <c:pt idx="7">
+                  <c:v>wodcam</c:v>
+                </c:pt>
+              </c:strCache>
+            </c:strRef>
+          </c:cat>
+          <c:val>
+            <c:numRef>
+              <c:f>'[sharing_results.xlsx]Classification Acces'!$B$4:$I$4</c:f>
+              <c:numCache>
+                <c:formatCode>General</c:formatCode>
+                <c:ptCount val="8"/>
+                <c:pt idx="0">
+                  <c:v>0</c:v>
+                </c:pt>
+                <c:pt idx="1">
+                  <c:v>2.82277</c:v>
+                </c:pt>
+                <c:pt idx="2">
+                  <c:v>21.8373</c:v>
+                </c:pt>
+                <c:pt idx="3">
+                  <c:v>0.577298</c:v>
+                </c:pt>
+                <c:pt idx="4">
+                  <c:v>68.3813</c:v>
+                </c:pt>
+                <c:pt idx="5">
+                  <c:v>22.875</c:v>
+                </c:pt>
+                <c:pt idx="6">
+                  <c:v>2.45538</c:v>
+                </c:pt>
+                <c:pt idx="7">
+                  <c:v>1.96883</c:v>
+                </c:pt>
+              </c:numCache>
+            </c:numRef>
+          </c:val>
+        </c:ser>
+        <c:ser>
+          <c:idx val="1"/>
+          <c:order val="1"/>
+          <c:tx>
+            <c:strRef>
+              <c:f>'[sharing_results.xlsx]Classification Acces'!$A$5</c:f>
+              <c:strCache>
+                <c:ptCount val="1"/>
+                <c:pt idx="0">
+                  <c:v>RO Shared</c:v>
+                </c:pt>
+              </c:strCache>
+            </c:strRef>
+          </c:tx>
+          <c:spPr>
+            <a:solidFill>
+              <a:srgbClr val="FFC1C1"/>
+            </a:solidFill>
+            <a:ln>
+              <a:solidFill>
+                <a:sysClr val="windowText" lastClr="000000"/>
+              </a:solidFill>
+            </a:ln>
+            <a:effectLst/>
+          </c:spPr>
+          <c:invertIfNegative val="0"/>
+          <c:cat>
+            <c:strRef>
+              <c:f>'[sharing_results.xlsx]Classification Acces'!$B$3:$I$3</c:f>
+              <c:strCache>
+                <c:ptCount val="8"/>
+                <c:pt idx="0">
+                  <c:v>adi</c:v>
+                </c:pt>
+                <c:pt idx="1">
+                  <c:v>deriche</c:v>
+                </c:pt>
+                <c:pt idx="2">
+                  <c:v>jacobi</c:v>
+                </c:pt>
+                <c:pt idx="3">
+                  <c:v>mat_mult</c:v>
+                </c:pt>
+                <c:pt idx="4">
+                  <c:v>max33</c:v>
+                </c:pt>
+                <c:pt idx="5">
+                  <c:v>median33</c:v>
+                </c:pt>
+                <c:pt idx="6">
+                  <c:v>rotate</c:v>
+                </c:pt>
+                <c:pt idx="7">
+                  <c:v>wodcam</c:v>
+                </c:pt>
+              </c:strCache>
+            </c:strRef>
+          </c:cat>
+          <c:val>
+            <c:numRef>
+              <c:f>'[sharing_results.xlsx]Classification Acces'!$B$5:$I$5</c:f>
+              <c:numCache>
+                <c:formatCode>General</c:formatCode>
+                <c:ptCount val="8"/>
+                <c:pt idx="0">
+                  <c:v>53.341</c:v>
+                </c:pt>
+                <c:pt idx="1">
+                  <c:v>25.7934</c:v>
+                </c:pt>
+                <c:pt idx="2">
+                  <c:v>9.90651</c:v>
+                </c:pt>
+                <c:pt idx="3">
+                  <c:v>36.4121</c:v>
+                </c:pt>
+                <c:pt idx="4">
+                  <c:v>0.404357</c:v>
+                </c:pt>
+                <c:pt idx="5">
+                  <c:v>0.135266</c:v>
+                </c:pt>
+                <c:pt idx="6">
+                  <c:v>8.31073</c:v>
+                </c:pt>
+                <c:pt idx="7">
+                  <c:v>12.6124</c:v>
+                </c:pt>
+              </c:numCache>
+            </c:numRef>
+          </c:val>
+        </c:ser>
+        <c:ser>
+          <c:idx val="2"/>
+          <c:order val="2"/>
+          <c:tx>
+            <c:strRef>
+              <c:f>'[sharing_results.xlsx]Classification Acces'!$A$6</c:f>
+              <c:strCache>
+                <c:ptCount val="1"/>
+                <c:pt idx="0">
+                  <c:v>RW Private</c:v>
+                </c:pt>
+              </c:strCache>
+            </c:strRef>
+          </c:tx>
+          <c:spPr>
+            <a:solidFill>
+              <a:schemeClr val="accent6">
+                <a:lumMod val="75000"/>
+              </a:schemeClr>
+            </a:solidFill>
+            <a:ln>
+              <a:solidFill>
+                <a:sysClr val="windowText" lastClr="000000"/>
+              </a:solidFill>
+            </a:ln>
+            <a:effectLst/>
+          </c:spPr>
+          <c:invertIfNegative val="0"/>
+          <c:cat>
+            <c:strRef>
+              <c:f>'[sharing_results.xlsx]Classification Acces'!$B$3:$I$3</c:f>
+              <c:strCache>
+                <c:ptCount val="8"/>
+                <c:pt idx="0">
+                  <c:v>adi</c:v>
+                </c:pt>
+                <c:pt idx="1">
+                  <c:v>deriche</c:v>
+                </c:pt>
+                <c:pt idx="2">
+                  <c:v>jacobi</c:v>
+                </c:pt>
+                <c:pt idx="3">
+                  <c:v>mat_mult</c:v>
+                </c:pt>
+                <c:pt idx="4">
+                  <c:v>max33</c:v>
+                </c:pt>
+                <c:pt idx="5">
+                  <c:v>median33</c:v>
+                </c:pt>
+                <c:pt idx="6">
+                  <c:v>rotate</c:v>
+                </c:pt>
+                <c:pt idx="7">
+                  <c:v>wodcam</c:v>
+                </c:pt>
+              </c:strCache>
+            </c:strRef>
+          </c:cat>
+          <c:val>
+            <c:numRef>
+              <c:f>'[sharing_results.xlsx]Classification Acces'!$B$6:$I$6</c:f>
+              <c:numCache>
+                <c:formatCode>General</c:formatCode>
+                <c:ptCount val="8"/>
+                <c:pt idx="0">
+                  <c:v>1.13405</c:v>
+                </c:pt>
+                <c:pt idx="1">
+                  <c:v>58.3809</c:v>
+                </c:pt>
+                <c:pt idx="2">
+                  <c:v>23.6239</c:v>
+                </c:pt>
+                <c:pt idx="3">
+                  <c:v>58.3862</c:v>
+                </c:pt>
+                <c:pt idx="4">
+                  <c:v>23.4949</c:v>
+                </c:pt>
+                <c:pt idx="5">
+                  <c:v>74.4054</c:v>
+                </c:pt>
+                <c:pt idx="6">
+                  <c:v>79.6569</c:v>
+                </c:pt>
+                <c:pt idx="7">
+                  <c:v>57.6378</c:v>
+                </c:pt>
+              </c:numCache>
+            </c:numRef>
+          </c:val>
+        </c:ser>
+        <c:ser>
+          <c:idx val="3"/>
+          <c:order val="3"/>
+          <c:tx>
+            <c:strRef>
+              <c:f>'[sharing_results.xlsx]Classification Acces'!$A$7</c:f>
+              <c:strCache>
+                <c:ptCount val="1"/>
+                <c:pt idx="0">
+                  <c:v>RW Shared</c:v>
+                </c:pt>
+              </c:strCache>
+            </c:strRef>
+          </c:tx>
+          <c:spPr>
+            <a:solidFill>
+              <a:schemeClr val="accent6">
+                <a:lumMod val="40000"/>
+                <a:lumOff val="60000"/>
+              </a:schemeClr>
+            </a:solidFill>
+            <a:ln>
+              <a:solidFill>
+                <a:sysClr val="windowText" lastClr="000000"/>
+              </a:solidFill>
+            </a:ln>
+            <a:effectLst/>
+          </c:spPr>
+          <c:invertIfNegative val="0"/>
+          <c:cat>
+            <c:strRef>
+              <c:f>'[sharing_results.xlsx]Classification Acces'!$B$3:$I$3</c:f>
+              <c:strCache>
+                <c:ptCount val="8"/>
+                <c:pt idx="0">
+                  <c:v>adi</c:v>
+                </c:pt>
+                <c:pt idx="1">
+                  <c:v>deriche</c:v>
+                </c:pt>
+                <c:pt idx="2">
+                  <c:v>jacobi</c:v>
+                </c:pt>
+                <c:pt idx="3">
+                  <c:v>mat_mult</c:v>
+                </c:pt>
+                <c:pt idx="4">
+                  <c:v>max33</c:v>
+                </c:pt>
+                <c:pt idx="5">
+                  <c:v>median33</c:v>
+                </c:pt>
+                <c:pt idx="6">
+                  <c:v>rotate</c:v>
+                </c:pt>
+                <c:pt idx="7">
+                  <c:v>wodcam</c:v>
+                </c:pt>
+              </c:strCache>
+            </c:strRef>
+          </c:cat>
+          <c:val>
+            <c:numRef>
+              <c:f>'[sharing_results.xlsx]Classification Acces'!$B$7:$I$7</c:f>
+              <c:numCache>
+                <c:formatCode>General</c:formatCode>
+                <c:ptCount val="8"/>
+                <c:pt idx="0">
+                  <c:v>45.5249</c:v>
+                </c:pt>
+                <c:pt idx="1">
+                  <c:v>13.0029</c:v>
+                </c:pt>
+                <c:pt idx="2">
+                  <c:v>44.6323</c:v>
+                </c:pt>
+                <c:pt idx="3">
+                  <c:v>4.6244</c:v>
+                </c:pt>
+                <c:pt idx="4">
+                  <c:v>7.71943</c:v>
+                </c:pt>
+                <c:pt idx="5">
+                  <c:v>2.58434</c:v>
+                </c:pt>
+                <c:pt idx="6">
+                  <c:v>9.57703</c:v>
+                </c:pt>
+                <c:pt idx="7">
+                  <c:v>27.781</c:v>
+                </c:pt>
+              </c:numCache>
+            </c:numRef>
+          </c:val>
+        </c:ser>
+        <c:dLbls>
+          <c:dLblPos val="ctr"/>
+          <c:showLegendKey val="0"/>
+          <c:showVal val="0"/>
+          <c:showCatName val="0"/>
+          <c:showSerName val="0"/>
+          <c:showPercent val="0"/>
+          <c:showBubbleSize val="0"/>
+        </c:dLbls>
+        <c:gapWidth val="150"/>
+        <c:overlap val="100"/>
+        <c:axId val="690770518"/>
+        <c:axId val="481728436"/>
+      </c:barChart>
+      <c:catAx>
+        <c:axId val="690770518"/>
+        <c:scaling>
+          <c:orientation val="minMax"/>
+        </c:scaling>
+        <c:delete val="0"/>
+        <c:axPos val="b"/>
+        <c:numFmt formatCode="General" sourceLinked="1"/>
+        <c:majorTickMark val="none"/>
+        <c:minorTickMark val="none"/>
+        <c:tickLblPos val="nextTo"/>
+        <c:spPr>
+          <a:noFill/>
+          <a:ln w="9525" cap="flat" cmpd="sng" algn="ctr">
+            <a:solidFill>
+              <a:schemeClr val="tx1">
+                <a:lumMod val="15000"/>
+                <a:lumOff val="85000"/>
+              </a:schemeClr>
+            </a:solidFill>
+            <a:round/>
+          </a:ln>
+          <a:effectLst/>
+        </c:spPr>
+        <c:txPr>
+          <a:bodyPr rot="-60000000" spcFirstLastPara="0" vertOverflow="ellipsis" horzOverflow="overflow" vert="horz" wrap="square" anchor="ctr" anchorCtr="1"/>
+          <a:lstStyle/>
+          <a:p>
+            <a:pPr>
+              <a:defRPr sz="1200" kern="1200">
+                <a:solidFill>
+                  <a:schemeClr val="tx1">
+                    <a:lumMod val="65000"/>
+                    <a:lumOff val="35000"/>
+                  </a:schemeClr>
+                </a:solidFill>
+                <a:latin typeface="+mn-lt"/>
+                <a:ea typeface="+mn-ea"/>
+                <a:cs typeface="+mn-cs"/>
+              </a:defRPr>
+            </a:pPr>
+          </a:p>
+        </c:txPr>
+        <c:crossAx val="481728436"/>
+        <c:crosses val="autoZero"/>
+        <c:auto val="1"/>
+        <c:lblAlgn val="ctr"/>
+        <c:lblOffset val="100"/>
+        <c:tickMarkSkip val="1"/>
+        <c:noMultiLvlLbl val="0"/>
+      </c:catAx>
+      <c:valAx>
+        <c:axId val="481728436"/>
+        <c:scaling>
+          <c:orientation val="minMax"/>
+          <c:max val="100"/>
+        </c:scaling>
+        <c:delete val="0"/>
+        <c:axPos val="l"/>
+        <c:majorGridlines>
+          <c:spPr>
+            <a:noFill/>
+            <a:ln w="9525" cap="flat" cmpd="sng" algn="ctr">
+              <a:solidFill>
+                <a:schemeClr val="tx1">
+                  <a:lumMod val="15000"/>
+                  <a:lumOff val="85000"/>
+                </a:schemeClr>
+              </a:solidFill>
+              <a:round/>
+            </a:ln>
+            <a:effectLst/>
+          </c:spPr>
+        </c:majorGridlines>
+        <c:title>
+          <c:tx>
+            <c:rich>
+              <a:bodyPr vertOverflow="ellipsis" anchor="ctr" anchorCtr="1"/>
+              <a:lstStyle/>
+              <a:p>
+                <a:pPr algn="ctr" defTabSz="914400">
+                  <a:defRPr sz="1200" kern="1200">
+                    <a:solidFill>
+                      <a:schemeClr val="tx1">
+                        <a:lumMod val="65000"/>
+                        <a:lumOff val="35000"/>
+                      </a:schemeClr>
+                    </a:solidFill>
+                    <a:latin typeface="+mn-lt"/>
+                    <a:ea typeface="+mn-ea"/>
+                    <a:cs typeface="+mn-cs"/>
+                  </a:defRPr>
+                </a:pPr>
+                <a:r>
+                  <a:rPr sz="1200" b="0" i="0" u="none" strike="noStrike" kern="1200" cap="none" normalizeH="0" baseline="0">
+                    <a:solidFill>
+                      <a:schemeClr val="tx1">
+                        <a:lumMod val="65000"/>
+                        <a:lumOff val="35000"/>
+                      </a:schemeClr>
+                    </a:solidFill>
+                    <a:effectLst/>
+                    <a:latin typeface="+mn-lt"/>
+                    <a:ea typeface="+mn-ea"/>
+                    <a:cs typeface="+mn-cs"/>
+                  </a:rPr>
+                  <a:t>% of total+memory  accesses</a:t>
+                </a:r>
+                <a:endParaRPr sz="1200" b="0" i="0" u="none" strike="noStrike" kern="1200" cap="none" normalizeH="0" baseline="0">
+                  <a:solidFill>
+                    <a:schemeClr val="tx1">
+                      <a:lumMod val="65000"/>
+                      <a:lumOff val="35000"/>
+                    </a:schemeClr>
+                  </a:solidFill>
+                  <a:effectLst/>
+                  <a:latin typeface="+mn-lt"/>
+                  <a:ea typeface="+mn-ea"/>
+                  <a:cs typeface="+mn-cs"/>
+                </a:endParaRPr>
+              </a:p>
+            </c:rich>
+          </c:tx>
+          <c:layout>
+            <c:manualLayout>
+              <c:xMode val="edge"/>
+              <c:yMode val="edge"/>
+              <c:x val="0.0041666666666667"/>
+              <c:y val="0.188520158938466"/>
+            </c:manualLayout>
+          </c:layout>
+          <c:overlay val="0"/>
+          <c:spPr>
+            <a:noFill/>
+            <a:ln>
+              <a:noFill/>
+            </a:ln>
+            <a:effectLst/>
+          </c:spPr>
+        </c:title>
+        <c:numFmt formatCode="General" sourceLinked="1"/>
+        <c:majorTickMark val="none"/>
+        <c:minorTickMark val="none"/>
+        <c:tickLblPos val="nextTo"/>
+        <c:spPr>
+          <a:noFill/>
+          <a:ln>
+            <a:noFill/>
+          </a:ln>
+          <a:effectLst/>
+        </c:spPr>
+        <c:txPr>
+          <a:bodyPr rot="-60000000" spcFirstLastPara="0" vertOverflow="ellipsis" horzOverflow="overflow" vert="horz" wrap="square" anchor="ctr" anchorCtr="1"/>
+          <a:lstStyle/>
+          <a:p>
+            <a:pPr>
+              <a:defRPr sz="1200" kern="1200">
+                <a:solidFill>
+                  <a:schemeClr val="tx1">
+                    <a:lumMod val="65000"/>
+                    <a:lumOff val="35000"/>
+                  </a:schemeClr>
+                </a:solidFill>
+                <a:latin typeface="+mn-lt"/>
+                <a:ea typeface="+mn-ea"/>
+                <a:cs typeface="+mn-cs"/>
+              </a:defRPr>
+            </a:pPr>
+          </a:p>
+        </c:txPr>
+        <c:crossAx val="690770518"/>
+        <c:crosses val="autoZero"/>
+        <c:crossBetween val="between"/>
+      </c:valAx>
+      <c:spPr>
+        <a:noFill/>
+        <a:ln>
+          <a:noFill/>
+        </a:ln>
+        <a:effectLst/>
+      </c:spPr>
+    </c:plotArea>
+    <c:legend>
+      <c:legendPos val="b"/>
+      <c:legendEntry>
+        <c:idx val="0"/>
+        <c:txPr>
+          <a:bodyPr rot="0" spcFirstLastPara="0" vertOverflow="ellipsis" horzOverflow="overflow" vert="horz" wrap="square" anchor="ctr" anchorCtr="1"/>
+          <a:lstStyle/>
+          <a:p>
+            <a:pPr>
+              <a:defRPr sz="1200"/>
+            </a:pPr>
+          </a:p>
+        </c:txPr>
+      </c:legendEntry>
+      <c:legendEntry>
+        <c:idx val="1"/>
+        <c:txPr>
+          <a:bodyPr rot="0" spcFirstLastPara="0" vertOverflow="ellipsis" horzOverflow="overflow" vert="horz" wrap="square" anchor="ctr" anchorCtr="1"/>
+          <a:lstStyle/>
+          <a:p>
+            <a:pPr>
+              <a:defRPr sz="1200"/>
+            </a:pPr>
+          </a:p>
+        </c:txPr>
+      </c:legendEntry>
+      <c:legendEntry>
+        <c:idx val="2"/>
+        <c:txPr>
+          <a:bodyPr rot="0" spcFirstLastPara="0" vertOverflow="ellipsis" horzOverflow="overflow" vert="horz" wrap="square" anchor="ctr" anchorCtr="1"/>
+          <a:lstStyle/>
+          <a:p>
+            <a:pPr>
+              <a:defRPr sz="1200"/>
+            </a:pPr>
+          </a:p>
+        </c:txPr>
+      </c:legendEntry>
+      <c:legendEntry>
+        <c:idx val="3"/>
+        <c:txPr>
+          <a:bodyPr rot="0" spcFirstLastPara="0" vertOverflow="ellipsis" horzOverflow="overflow" vert="horz" wrap="square" anchor="ctr" anchorCtr="1"/>
+          <a:lstStyle/>
+          <a:p>
+            <a:pPr>
+              <a:defRPr sz="1200"/>
+            </a:pPr>
+          </a:p>
+        </c:txPr>
+      </c:legendEntry>
+      <c:layout>
+        <c:manualLayout>
+          <c:xMode val="edge"/>
+          <c:yMode val="edge"/>
+          <c:x val="0.293888888888889"/>
+          <c:y val="0.00694444444444444"/>
+          <c:w val="0.523888888888889"/>
+          <c:h val="0.128472222222222"/>
+        </c:manualLayout>
+      </c:layout>
+      <c:overlay val="0"/>
+      <c:spPr>
+        <a:noFill/>
+        <a:ln>
+          <a:noFill/>
+        </a:ln>
+        <a:effectLst/>
+      </c:spPr>
+      <c:txPr>
+        <a:bodyPr rot="0" spcFirstLastPara="0" vertOverflow="ellipsis" horzOverflow="overflow" vert="horz" wrap="square" anchor="ctr" anchorCtr="1"/>
+        <a:lstStyle/>
+        <a:p>
+          <a:pPr>
+            <a:defRPr sz="1200" kern="1200">
+              <a:solidFill>
+                <a:schemeClr val="tx1">
+                  <a:lumMod val="65000"/>
+                  <a:lumOff val="35000"/>
+                </a:schemeClr>
+              </a:solidFill>
+              <a:latin typeface="+mn-lt"/>
+              <a:ea typeface="+mn-ea"/>
+              <a:cs typeface="+mn-cs"/>
+            </a:defRPr>
+          </a:pPr>
+        </a:p>
+      </c:txPr>
+    </c:legend>
+    <c:plotVisOnly val="1"/>
+    <c:dispBlanksAs val="gap"/>
+    <c:showDLblsOverMax val="0"/>
+  </c:chart>
+  <c:spPr>
+    <a:solidFill>
+      <a:schemeClr val="bg1"/>
+    </a:solidFill>
+    <a:ln w="9525" cap="flat" cmpd="sng" algn="ctr">
+      <a:noFill/>
+      <a:round/>
+    </a:ln>
+    <a:effectLst/>
+  </c:spPr>
+  <c:txPr>
+    <a:bodyPr rot="0" spcFirstLastPara="0" vertOverflow="ellipsis" horzOverflow="overflow" vert="horz" wrap="square" anchor="ctr" anchorCtr="1"/>
+    <a:lstStyle/>
+    <a:p>
+      <a:pPr>
+        <a:defRPr lang="fr-FR" sz="1200" kern="1200">
+          <a:solidFill>
+            <a:schemeClr val="tx1"/>
+          </a:solidFill>
+          <a:latin typeface="+mn-lt"/>
+          <a:ea typeface="+mn-ea"/>
+          <a:cs typeface="+mn-cs"/>
+        </a:defRPr>
+      </a:pPr>
+    </a:p>
+  </c:txPr>
+  <c:externalData r:id="rId1">
+    <c:autoUpdate val="0"/>
+  </c:externalData>
+</c:chartSpace>
+</file>
+
+<file path=ppt/charts/chart11.xml><?xml version="1.0" encoding="utf-8"?>
+<c:chartSpace xmlns:c="http://schemas.openxmlformats.org/drawingml/2006/chart" xmlns:a="http://schemas.openxmlformats.org/drawingml/2006/main" xmlns:r="http://schemas.openxmlformats.org/officeDocument/2006/relationships">
+  <c:date1904 val="0"/>
+  <c:lang val="zh-CN"/>
+  <c:roundedCorners val="0"/>
+  <mc:AlternateContent xmlns:mc="http://schemas.openxmlformats.org/markup-compatibility/2006">
+    <mc:Choice xmlns:c14="http://schemas.microsoft.com/office/drawing/2007/8/2/chart" Requires="c14">
+      <c14:style val="102"/>
+    </mc:Choice>
+    <mc:Fallback>
+      <c:style val="2"/>
+    </mc:Fallback>
+  </mc:AlternateContent>
+  <c:chart>
+    <c:autoTitleDeleted val="1"/>
+    <c:plotArea>
+      <c:layout>
+        <c:manualLayout>
+          <c:layoutTarget val="inner"/>
+          <c:xMode val="edge"/>
+          <c:yMode val="edge"/>
+          <c:x val="0.168583333333333"/>
+          <c:y val="0.212962962962963"/>
+          <c:w val="0.796694444444445"/>
+          <c:h val="0.473425925925926"/>
+        </c:manualLayout>
+      </c:layout>
+      <c:barChart>
+        <c:barDir val="col"/>
+        <c:grouping val="clustered"/>
+        <c:varyColors val="0"/>
+        <c:ser>
+          <c:idx val="0"/>
+          <c:order val="0"/>
+          <c:tx>
+            <c:strRef>
+              <c:f>[CASES.xlsx]Interference!$E$5</c:f>
+              <c:strCache>
+                <c:ptCount val="1"/>
+                <c:pt idx="0">
+                  <c:v>Avg RO Reuse Distance - Scenario A </c:v>
+                </c:pt>
+              </c:strCache>
+            </c:strRef>
+          </c:tx>
+          <c:spPr>
+            <a:solidFill>
+              <a:schemeClr val="accent1">
+                <a:lumMod val="60000"/>
+                <a:lumOff val="40000"/>
+              </a:schemeClr>
+            </a:solidFill>
+            <a:ln>
+              <a:solidFill>
+                <a:sysClr val="windowText" lastClr="000000"/>
+              </a:solidFill>
+            </a:ln>
+            <a:effectLst/>
+          </c:spPr>
+          <c:invertIfNegative val="0"/>
+          <c:cat>
+            <c:strRef>
+              <c:f>[CASES.xlsx]Interference!$A$6:$A$13</c:f>
+              <c:strCache>
+                <c:ptCount val="8"/>
+                <c:pt idx="0">
+                  <c:v>adi</c:v>
+                </c:pt>
+                <c:pt idx="1">
+                  <c:v>deriche</c:v>
+                </c:pt>
+                <c:pt idx="2">
+                  <c:v>jacobi</c:v>
+                </c:pt>
+                <c:pt idx="3">
+                  <c:v>mat_mult</c:v>
+                </c:pt>
+                <c:pt idx="4">
+                  <c:v>max33</c:v>
+                </c:pt>
+                <c:pt idx="5">
+                  <c:v>median33</c:v>
+                </c:pt>
+                <c:pt idx="6">
+                  <c:v>rotate</c:v>
+                </c:pt>
+                <c:pt idx="7">
+                  <c:v>wodcam</c:v>
+                </c:pt>
+              </c:strCache>
+            </c:strRef>
+          </c:cat>
+          <c:val>
+            <c:numRef>
+              <c:f>[CASES.xlsx]Interference!$E$6:$E$13</c:f>
+              <c:numCache>
+                <c:formatCode>General</c:formatCode>
+                <c:ptCount val="8"/>
+                <c:pt idx="0">
+                  <c:v>1</c:v>
+                </c:pt>
+                <c:pt idx="1">
+                  <c:v>1</c:v>
+                </c:pt>
+                <c:pt idx="2">
+                  <c:v>1</c:v>
+                </c:pt>
+                <c:pt idx="3">
+                  <c:v>1</c:v>
+                </c:pt>
+                <c:pt idx="4">
+                  <c:v>1</c:v>
+                </c:pt>
+                <c:pt idx="5">
+                  <c:v>1</c:v>
+                </c:pt>
+                <c:pt idx="6">
+                  <c:v>1</c:v>
+                </c:pt>
+                <c:pt idx="7">
+                  <c:v>1</c:v>
+                </c:pt>
+              </c:numCache>
+            </c:numRef>
+          </c:val>
+        </c:ser>
+        <c:ser>
+          <c:idx val="1"/>
+          <c:order val="1"/>
+          <c:tx>
+            <c:strRef>
+              <c:f>[CASES.xlsx]Interference!$F$5</c:f>
+              <c:strCache>
+                <c:ptCount val="1"/>
+                <c:pt idx="0">
+                  <c:v>Avg RO Reuse Distance - Scenario B</c:v>
+                </c:pt>
+              </c:strCache>
+            </c:strRef>
+          </c:tx>
+          <c:spPr>
+            <a:solidFill>
+              <a:schemeClr val="accent6">
+                <a:lumMod val="60000"/>
+                <a:lumOff val="40000"/>
+              </a:schemeClr>
+            </a:solidFill>
+            <a:ln>
+              <a:solidFill>
+                <a:sysClr val="windowText" lastClr="000000"/>
+              </a:solidFill>
+            </a:ln>
+            <a:effectLst/>
+          </c:spPr>
+          <c:invertIfNegative val="0"/>
+          <c:cat>
+            <c:strRef>
+              <c:f>[CASES.xlsx]Interference!$A$6:$A$13</c:f>
+              <c:strCache>
+                <c:ptCount val="8"/>
+                <c:pt idx="0">
+                  <c:v>adi</c:v>
+                </c:pt>
+                <c:pt idx="1">
+                  <c:v>deriche</c:v>
+                </c:pt>
+                <c:pt idx="2">
+                  <c:v>jacobi</c:v>
+                </c:pt>
+                <c:pt idx="3">
+                  <c:v>mat_mult</c:v>
+                </c:pt>
+                <c:pt idx="4">
+                  <c:v>max33</c:v>
+                </c:pt>
+                <c:pt idx="5">
+                  <c:v>median33</c:v>
+                </c:pt>
+                <c:pt idx="6">
+                  <c:v>rotate</c:v>
+                </c:pt>
+                <c:pt idx="7">
+                  <c:v>wodcam</c:v>
+                </c:pt>
+              </c:strCache>
+            </c:strRef>
+          </c:cat>
+          <c:val>
+            <c:numRef>
+              <c:f>[CASES.xlsx]Interference!$F$6:$F$13</c:f>
+              <c:numCache>
+                <c:formatCode>General</c:formatCode>
+                <c:ptCount val="8"/>
+                <c:pt idx="0">
+                  <c:v>0.817251249422217</c:v>
+                </c:pt>
+                <c:pt idx="1">
+                  <c:v>0.792431198184875</c:v>
+                </c:pt>
+                <c:pt idx="2">
+                  <c:v>1.01134047645223</c:v>
+                </c:pt>
+                <c:pt idx="3">
+                  <c:v>0.698663586461374</c:v>
+                </c:pt>
+                <c:pt idx="4">
+                  <c:v>1.17986863739775</c:v>
+                </c:pt>
+                <c:pt idx="5">
+                  <c:v>1.43325049267986</c:v>
+                </c:pt>
+                <c:pt idx="6">
+                  <c:v>1.28393163497272</c:v>
+                </c:pt>
+                <c:pt idx="7">
+                  <c:v>0.312726688335905</c:v>
+                </c:pt>
+              </c:numCache>
+            </c:numRef>
+          </c:val>
+        </c:ser>
+        <c:dLbls>
+          <c:dLblPos val="outEnd"/>
+          <c:showLegendKey val="0"/>
+          <c:showVal val="0"/>
+          <c:showCatName val="0"/>
+          <c:showSerName val="0"/>
+          <c:showPercent val="0"/>
+          <c:showBubbleSize val="0"/>
+        </c:dLbls>
+        <c:gapWidth val="219"/>
+        <c:overlap val="0"/>
+        <c:axId val="200127815"/>
+        <c:axId val="363199016"/>
+      </c:barChart>
+      <c:catAx>
+        <c:axId val="200127815"/>
+        <c:scaling>
+          <c:orientation val="minMax"/>
+        </c:scaling>
+        <c:delete val="0"/>
+        <c:axPos val="b"/>
+        <c:numFmt formatCode="General" sourceLinked="1"/>
+        <c:majorTickMark val="none"/>
+        <c:minorTickMark val="none"/>
+        <c:tickLblPos val="nextTo"/>
+        <c:spPr>
+          <a:noFill/>
+          <a:ln w="9525" cap="flat" cmpd="sng" algn="ctr">
+            <a:solidFill>
+              <a:schemeClr val="tx1">
+                <a:lumMod val="15000"/>
+                <a:lumOff val="85000"/>
+              </a:schemeClr>
+            </a:solidFill>
+            <a:round/>
+          </a:ln>
+          <a:effectLst/>
+        </c:spPr>
+        <c:txPr>
+          <a:bodyPr rot="-60000000" spcFirstLastPara="0" vertOverflow="ellipsis" horzOverflow="overflow" vert="horz" wrap="square" anchor="ctr" anchorCtr="1"/>
+          <a:lstStyle/>
+          <a:p>
+            <a:pPr>
+              <a:defRPr sz="1200" kern="1200">
+                <a:solidFill>
+                  <a:schemeClr val="tx1">
+                    <a:lumMod val="65000"/>
+                    <a:lumOff val="35000"/>
+                  </a:schemeClr>
+                </a:solidFill>
+                <a:latin typeface="+mn-lt"/>
+                <a:ea typeface="+mn-ea"/>
+                <a:cs typeface="+mn-cs"/>
+              </a:defRPr>
+            </a:pPr>
+          </a:p>
+        </c:txPr>
+        <c:crossAx val="363199016"/>
+        <c:crosses val="autoZero"/>
+        <c:auto val="1"/>
+        <c:lblAlgn val="ctr"/>
+        <c:lblOffset val="100"/>
+        <c:tickMarkSkip val="1"/>
+        <c:noMultiLvlLbl val="0"/>
+      </c:catAx>
+      <c:valAx>
+        <c:axId val="363199016"/>
+        <c:scaling>
+          <c:orientation val="minMax"/>
+        </c:scaling>
+        <c:delete val="0"/>
+        <c:axPos val="l"/>
+        <c:majorGridlines>
+          <c:spPr>
+            <a:noFill/>
+            <a:ln w="9525" cap="flat" cmpd="sng" algn="ctr">
+              <a:solidFill>
+                <a:schemeClr val="tx1">
+                  <a:lumMod val="15000"/>
+                  <a:lumOff val="85000"/>
+                </a:schemeClr>
+              </a:solidFill>
+              <a:round/>
+            </a:ln>
+            <a:effectLst/>
+          </c:spPr>
+        </c:majorGridlines>
+        <c:title>
+          <c:tx>
+            <c:rich>
+              <a:bodyPr vertOverflow="ellipsis" anchor="ctr" anchorCtr="1"/>
+              <a:lstStyle/>
+              <a:p>
+                <a:pPr algn="ctr" defTabSz="914400">
+                  <a:defRPr sz="1200" kern="1200">
+                    <a:solidFill>
+                      <a:schemeClr val="tx1">
+                        <a:lumMod val="65000"/>
+                        <a:lumOff val="35000"/>
+                      </a:schemeClr>
+                    </a:solidFill>
+                    <a:latin typeface="+mn-lt"/>
+                    <a:ea typeface="+mn-ea"/>
+                    <a:cs typeface="+mn-cs"/>
+                  </a:defRPr>
+                </a:pPr>
+                <a:r>
+                  <a:rPr lang="x-none" altLang="fr-FR" sz="1200" b="0" i="0" u="none" strike="noStrike" kern="1200" cap="none" normalizeH="0" baseline="0">
+                    <a:solidFill>
+                      <a:schemeClr val="tx1">
+                        <a:lumMod val="65000"/>
+                        <a:lumOff val="35000"/>
+                      </a:schemeClr>
+                    </a:solidFill>
+                    <a:effectLst/>
+                    <a:latin typeface="+mn-lt"/>
+                    <a:ea typeface="+mn-ea"/>
+                    <a:cs typeface="+mn-cs"/>
+                  </a:rPr>
+                  <a:t>Normalized Average </a:t>
+                </a:r>
+                <a:endParaRPr lang="x-none" altLang="fr-FR" sz="1200" b="0" i="0" u="none" strike="noStrike" kern="1200" cap="none" normalizeH="0" baseline="0">
+                  <a:solidFill>
+                    <a:schemeClr val="tx1">
+                      <a:lumMod val="65000"/>
+                      <a:lumOff val="35000"/>
+                    </a:schemeClr>
+                  </a:solidFill>
+                  <a:effectLst/>
+                  <a:latin typeface="+mn-lt"/>
+                  <a:ea typeface="+mn-ea"/>
+                  <a:cs typeface="+mn-cs"/>
+                </a:endParaRPr>
+              </a:p>
+              <a:p>
+                <a:pPr algn="ctr" defTabSz="914400">
+                  <a:defRPr sz="1200" kern="1200">
+                    <a:solidFill>
+                      <a:schemeClr val="tx1">
+                        <a:lumMod val="65000"/>
+                        <a:lumOff val="35000"/>
+                      </a:schemeClr>
+                    </a:solidFill>
+                    <a:latin typeface="+mn-lt"/>
+                    <a:ea typeface="+mn-ea"/>
+                    <a:cs typeface="+mn-cs"/>
+                  </a:defRPr>
+                </a:pPr>
+                <a:r>
+                  <a:rPr lang="x-none" altLang="fr-FR" sz="1200" b="0" i="0" u="none" strike="noStrike" kern="1200" cap="none" normalizeH="0" baseline="0">
+                    <a:solidFill>
+                      <a:schemeClr val="tx1">
+                        <a:lumMod val="65000"/>
+                        <a:lumOff val="35000"/>
+                      </a:schemeClr>
+                    </a:solidFill>
+                    <a:effectLst/>
+                    <a:latin typeface="+mn-lt"/>
+                    <a:ea typeface="+mn-ea"/>
+                    <a:cs typeface="+mn-cs"/>
+                  </a:rPr>
+                  <a:t>Reuse Distance</a:t>
+                </a:r>
+                <a:endParaRPr lang="x-none" altLang="fr-FR" sz="1200" b="0" i="0" u="none" strike="noStrike" kern="1200" cap="none" normalizeH="0" baseline="0">
+                  <a:solidFill>
+                    <a:schemeClr val="tx1">
+                      <a:lumMod val="65000"/>
+                      <a:lumOff val="35000"/>
+                    </a:schemeClr>
+                  </a:solidFill>
+                  <a:effectLst/>
+                  <a:latin typeface="+mn-lt"/>
+                  <a:ea typeface="+mn-ea"/>
+                  <a:cs typeface="+mn-cs"/>
+                </a:endParaRPr>
+              </a:p>
+            </c:rich>
+          </c:tx>
+          <c:layout/>
+          <c:overlay val="0"/>
+          <c:spPr>
+            <a:noFill/>
+            <a:ln>
+              <a:noFill/>
+            </a:ln>
+            <a:effectLst/>
+          </c:spPr>
+        </c:title>
+        <c:numFmt formatCode="General" sourceLinked="1"/>
+        <c:majorTickMark val="none"/>
+        <c:minorTickMark val="none"/>
+        <c:tickLblPos val="nextTo"/>
+        <c:spPr>
+          <a:noFill/>
+          <a:ln>
+            <a:noFill/>
+          </a:ln>
+          <a:effectLst/>
+        </c:spPr>
+        <c:txPr>
+          <a:bodyPr rot="-60000000" spcFirstLastPara="0" vertOverflow="ellipsis" horzOverflow="overflow" vert="horz" wrap="square" anchor="ctr" anchorCtr="1"/>
+          <a:lstStyle/>
+          <a:p>
+            <a:pPr>
+              <a:defRPr sz="1200" kern="1200">
+                <a:solidFill>
+                  <a:schemeClr val="tx1">
+                    <a:lumMod val="65000"/>
+                    <a:lumOff val="35000"/>
+                  </a:schemeClr>
+                </a:solidFill>
+                <a:latin typeface="+mn-lt"/>
+                <a:ea typeface="+mn-ea"/>
+                <a:cs typeface="+mn-cs"/>
+              </a:defRPr>
+            </a:pPr>
+          </a:p>
+        </c:txPr>
+        <c:crossAx val="200127815"/>
+        <c:crosses val="autoZero"/>
+        <c:crossBetween val="between"/>
+      </c:valAx>
+      <c:spPr>
+        <a:noFill/>
+        <a:ln>
+          <a:noFill/>
+        </a:ln>
+        <a:effectLst/>
+      </c:spPr>
+    </c:plotArea>
+    <c:legend>
+      <c:legendPos val="b"/>
+      <c:legendEntry>
+        <c:idx val="0"/>
+        <c:txPr>
+          <a:bodyPr rot="0" spcFirstLastPara="0" vertOverflow="ellipsis" horzOverflow="overflow" vert="horz" wrap="square" anchor="ctr" anchorCtr="1"/>
+          <a:lstStyle/>
+          <a:p>
+            <a:pPr>
+              <a:defRPr sz="1200"/>
+            </a:pPr>
+          </a:p>
+        </c:txPr>
+      </c:legendEntry>
+      <c:legendEntry>
+        <c:idx val="1"/>
+        <c:txPr>
+          <a:bodyPr rot="0" spcFirstLastPara="0" vertOverflow="ellipsis" horzOverflow="overflow" vert="horz" wrap="square" anchor="ctr" anchorCtr="1"/>
+          <a:lstStyle/>
+          <a:p>
+            <a:pPr>
+              <a:defRPr sz="1200"/>
+            </a:pPr>
+          </a:p>
+        </c:txPr>
+      </c:legendEntry>
+      <c:layout>
+        <c:manualLayout>
+          <c:xMode val="edge"/>
+          <c:yMode val="edge"/>
+          <c:x val="0.215277777777778"/>
+          <c:y val="0.00694444444444444"/>
+        </c:manualLayout>
+      </c:layout>
+      <c:overlay val="0"/>
+      <c:spPr>
+        <a:noFill/>
+        <a:ln>
+          <a:noFill/>
+        </a:ln>
+        <a:effectLst/>
+      </c:spPr>
+      <c:txPr>
+        <a:bodyPr rot="0" spcFirstLastPara="0" vertOverflow="ellipsis" horzOverflow="overflow" vert="horz" wrap="square" anchor="ctr" anchorCtr="1"/>
+        <a:lstStyle/>
+        <a:p>
+          <a:pPr>
+            <a:defRPr sz="1200" kern="1200">
+              <a:solidFill>
+                <a:schemeClr val="tx1">
+                  <a:lumMod val="65000"/>
+                  <a:lumOff val="35000"/>
+                </a:schemeClr>
+              </a:solidFill>
+              <a:latin typeface="+mn-lt"/>
+              <a:ea typeface="+mn-ea"/>
+              <a:cs typeface="+mn-cs"/>
+            </a:defRPr>
+          </a:pPr>
+        </a:p>
+      </c:txPr>
+    </c:legend>
+    <c:plotVisOnly val="1"/>
+    <c:dispBlanksAs val="gap"/>
+    <c:showDLblsOverMax val="0"/>
+  </c:chart>
+  <c:spPr>
+    <a:solidFill>
+      <a:schemeClr val="bg1"/>
+    </a:solidFill>
+    <a:ln w="9525" cap="flat" cmpd="sng" algn="ctr">
+      <a:noFill/>
+      <a:round/>
+    </a:ln>
+    <a:effectLst/>
+  </c:spPr>
+  <c:txPr>
+    <a:bodyPr rot="0" spcFirstLastPara="0" vertOverflow="ellipsis" horzOverflow="overflow" vert="horz" wrap="square" anchor="ctr" anchorCtr="1"/>
+    <a:lstStyle/>
+    <a:p>
+      <a:pPr>
+        <a:defRPr lang="fr-FR" sz="1200" kern="1200">
+          <a:solidFill>
+            <a:schemeClr val="tx1"/>
+          </a:solidFill>
+          <a:latin typeface="+mn-lt"/>
+          <a:ea typeface="+mn-ea"/>
+          <a:cs typeface="+mn-cs"/>
+        </a:defRPr>
+      </a:pPr>
+    </a:p>
+  </c:txPr>
+  <c:externalData r:id="rId1">
+    <c:autoUpdate val="0"/>
+  </c:externalData>
+</c:chartSpace>
+</file>
+
 <file path=ppt/charts/chart2.xml><?xml version="1.0" encoding="utf-8"?>
 <c:chartSpace xmlns:c="http://schemas.openxmlformats.org/drawingml/2006/chart" xmlns:a="http://schemas.openxmlformats.org/drawingml/2006/main" xmlns:r="http://schemas.openxmlformats.org/officeDocument/2006/relationships">
   <c:date1904 val="0"/>
@@ -5795,6 +7072,86 @@
 </file>
 
 <file path=ppt/charts/colors1.xml><?xml version="1.0" encoding="utf-8"?>
+<cs:colorStyle xmlns:cs="http://schemas.microsoft.com/office/drawing/2012/chartStyle" xmlns:a="http://schemas.openxmlformats.org/drawingml/2006/main" meth="cycle" id="10">
+  <a:schemeClr val="accent1"/>
+  <a:schemeClr val="accent2"/>
+  <a:schemeClr val="accent3"/>
+  <a:schemeClr val="accent4"/>
+  <a:schemeClr val="accent5"/>
+  <a:schemeClr val="accent6"/>
+  <cs:variation/>
+  <cs:variation>
+    <a:lumMod val="60000"/>
+  </cs:variation>
+  <cs:variation>
+    <a:lumMod val="80000"/>
+    <a:lumOff val="20000"/>
+  </cs:variation>
+  <cs:variation>
+    <a:lumMod val="80000"/>
+  </cs:variation>
+  <cs:variation>
+    <a:lumMod val="60000"/>
+    <a:lumOff val="40000"/>
+  </cs:variation>
+  <cs:variation>
+    <a:lumMod val="50000"/>
+  </cs:variation>
+  <cs:variation>
+    <a:lumMod val="70000"/>
+    <a:lumOff val="30000"/>
+  </cs:variation>
+  <cs:variation>
+    <a:lumMod val="70000"/>
+  </cs:variation>
+  <cs:variation>
+    <a:lumMod val="50000"/>
+    <a:lumOff val="50000"/>
+  </cs:variation>
+</cs:colorStyle>
+</file>
+
+<file path=ppt/charts/colors10.xml><?xml version="1.0" encoding="utf-8"?>
+<cs:colorStyle xmlns:cs="http://schemas.microsoft.com/office/drawing/2012/chartStyle" xmlns:a="http://schemas.openxmlformats.org/drawingml/2006/main" meth="cycle" id="10">
+  <a:schemeClr val="accent1"/>
+  <a:schemeClr val="accent2"/>
+  <a:schemeClr val="accent3"/>
+  <a:schemeClr val="accent4"/>
+  <a:schemeClr val="accent5"/>
+  <a:schemeClr val="accent6"/>
+  <cs:variation/>
+  <cs:variation>
+    <a:lumMod val="60000"/>
+  </cs:variation>
+  <cs:variation>
+    <a:lumMod val="80000"/>
+    <a:lumOff val="20000"/>
+  </cs:variation>
+  <cs:variation>
+    <a:lumMod val="80000"/>
+  </cs:variation>
+  <cs:variation>
+    <a:lumMod val="60000"/>
+    <a:lumOff val="40000"/>
+  </cs:variation>
+  <cs:variation>
+    <a:lumMod val="50000"/>
+  </cs:variation>
+  <cs:variation>
+    <a:lumMod val="70000"/>
+    <a:lumOff val="30000"/>
+  </cs:variation>
+  <cs:variation>
+    <a:lumMod val="70000"/>
+  </cs:variation>
+  <cs:variation>
+    <a:lumMod val="50000"/>
+    <a:lumOff val="50000"/>
+  </cs:variation>
+</cs:colorStyle>
+</file>
+
+<file path=ppt/charts/colors11.xml><?xml version="1.0" encoding="utf-8"?>
 <cs:colorStyle xmlns:cs="http://schemas.microsoft.com/office/drawing/2012/chartStyle" xmlns:a="http://schemas.openxmlformats.org/drawingml/2006/main" meth="cycle" id="10">
   <a:schemeClr val="accent1"/>
   <a:schemeClr val="accent2"/>
@@ -6155,6 +7512,1014 @@
 </file>
 
 <file path=ppt/charts/style1.xml><?xml version="1.0" encoding="utf-8"?>
+<cs:chartStyle xmlns:cs="http://schemas.microsoft.com/office/drawing/2012/chartStyle" xmlns:a="http://schemas.openxmlformats.org/drawingml/2006/main" id="201">
+  <cs:axisTitle>
+    <cs:lnRef idx="0"/>
+    <cs:fillRef idx="0"/>
+    <cs:effectRef idx="0"/>
+    <cs:fontRef idx="minor">
+      <a:schemeClr val="tx1">
+        <a:lumMod val="65000"/>
+        <a:lumOff val="35000"/>
+      </a:schemeClr>
+    </cs:fontRef>
+    <cs:defRPr sz="1000" kern="1200"/>
+  </cs:axisTitle>
+  <cs:categoryAxis>
+    <cs:lnRef idx="0"/>
+    <cs:fillRef idx="0"/>
+    <cs:effectRef idx="0"/>
+    <cs:fontRef idx="minor">
+      <a:schemeClr val="tx1">
+        <a:lumMod val="65000"/>
+        <a:lumOff val="35000"/>
+      </a:schemeClr>
+    </cs:fontRef>
+    <cs:spPr>
+      <a:ln w="9525" cap="flat" cmpd="sng" algn="ctr">
+        <a:solidFill>
+          <a:schemeClr val="tx1">
+            <a:lumMod val="15000"/>
+            <a:lumOff val="85000"/>
+          </a:schemeClr>
+        </a:solidFill>
+        <a:round/>
+      </a:ln>
+    </cs:spPr>
+    <cs:defRPr sz="900" kern="1200"/>
+  </cs:categoryAxis>
+  <cs:chartArea mods="allowNoFillOverride allowNoLineOverride">
+    <cs:lnRef idx="0"/>
+    <cs:fillRef idx="0"/>
+    <cs:effectRef idx="0"/>
+    <cs:fontRef idx="minor">
+      <a:schemeClr val="tx1"/>
+    </cs:fontRef>
+    <cs:spPr>
+      <a:solidFill>
+        <a:schemeClr val="bg1"/>
+      </a:solidFill>
+      <a:ln w="9525" cap="flat" cmpd="sng" algn="ctr">
+        <a:solidFill>
+          <a:schemeClr val="tx1">
+            <a:lumMod val="15000"/>
+            <a:lumOff val="85000"/>
+          </a:schemeClr>
+        </a:solidFill>
+        <a:round/>
+      </a:ln>
+    </cs:spPr>
+    <cs:defRPr sz="1000" kern="1200"/>
+  </cs:chartArea>
+  <cs:dataLabel>
+    <cs:lnRef idx="0"/>
+    <cs:fillRef idx="0"/>
+    <cs:effectRef idx="0"/>
+    <cs:fontRef idx="minor">
+      <a:schemeClr val="tx1">
+        <a:lumMod val="75000"/>
+        <a:lumOff val="25000"/>
+      </a:schemeClr>
+    </cs:fontRef>
+    <cs:defRPr sz="900" kern="1200"/>
+  </cs:dataLabel>
+  <cs:dataLabelCallout>
+    <cs:lnRef idx="0"/>
+    <cs:fillRef idx="0"/>
+    <cs:effectRef idx="0"/>
+    <cs:fontRef idx="minor">
+      <a:schemeClr val="dk1">
+        <a:lumMod val="65000"/>
+        <a:lumOff val="35000"/>
+      </a:schemeClr>
+    </cs:fontRef>
+    <cs:spPr>
+      <a:solidFill>
+        <a:schemeClr val="lt1"/>
+      </a:solidFill>
+      <a:ln>
+        <a:solidFill>
+          <a:schemeClr val="dk1">
+            <a:lumMod val="25000"/>
+            <a:lumOff val="75000"/>
+          </a:schemeClr>
+        </a:solidFill>
+      </a:ln>
+    </cs:spPr>
+    <cs:defRPr sz="900" kern="1200"/>
+    <cs:bodyPr rot="0" spcFirstLastPara="1" vertOverflow="clip" horzOverflow="clip" vert="horz" wrap="square" lIns="36576" tIns="18288" rIns="36576" bIns="18288" anchor="ctr" anchorCtr="1">
+      <a:spAutoFit/>
+    </cs:bodyPr>
+  </cs:dataLabelCallout>
+  <cs:dataPoint>
+    <cs:lnRef idx="0"/>
+    <cs:fillRef idx="1">
+      <cs:styleClr val="auto"/>
+    </cs:fillRef>
+    <cs:effectRef idx="0"/>
+    <cs:fontRef idx="minor">
+      <a:schemeClr val="tx1"/>
+    </cs:fontRef>
+  </cs:dataPoint>
+  <cs:dataPoint3D>
+    <cs:lnRef idx="0"/>
+    <cs:fillRef idx="1">
+      <cs:styleClr val="auto"/>
+    </cs:fillRef>
+    <cs:effectRef idx="0"/>
+    <cs:fontRef idx="minor">
+      <a:schemeClr val="tx1"/>
+    </cs:fontRef>
+  </cs:dataPoint3D>
+  <cs:dataPointLine>
+    <cs:lnRef idx="0">
+      <cs:styleClr val="auto"/>
+    </cs:lnRef>
+    <cs:fillRef idx="1"/>
+    <cs:effectRef idx="0"/>
+    <cs:fontRef idx="minor">
+      <a:schemeClr val="tx1"/>
+    </cs:fontRef>
+    <cs:spPr>
+      <a:ln w="28575" cap="rnd">
+        <a:solidFill>
+          <a:schemeClr val="phClr"/>
+        </a:solidFill>
+        <a:round/>
+      </a:ln>
+    </cs:spPr>
+  </cs:dataPointLine>
+  <cs:dataPointMarker>
+    <cs:lnRef idx="0">
+      <cs:styleClr val="auto"/>
+    </cs:lnRef>
+    <cs:fillRef idx="1">
+      <cs:styleClr val="auto"/>
+    </cs:fillRef>
+    <cs:effectRef idx="0"/>
+    <cs:fontRef idx="minor">
+      <a:schemeClr val="tx1"/>
+    </cs:fontRef>
+    <cs:spPr>
+      <a:ln w="9525">
+        <a:solidFill>
+          <a:schemeClr val="phClr"/>
+        </a:solidFill>
+      </a:ln>
+    </cs:spPr>
+  </cs:dataPointMarker>
+  <cs:dataPointMarkerLayout symbol="circle" size="5"/>
+  <cs:dataPointWireframe>
+    <cs:lnRef idx="0">
+      <cs:styleClr val="auto"/>
+    </cs:lnRef>
+    <cs:fillRef idx="1"/>
+    <cs:effectRef idx="0"/>
+    <cs:fontRef idx="minor">
+      <a:schemeClr val="tx1"/>
+    </cs:fontRef>
+    <cs:spPr>
+      <a:ln w="9525" cap="rnd">
+        <a:solidFill>
+          <a:schemeClr val="phClr"/>
+        </a:solidFill>
+        <a:round/>
+      </a:ln>
+    </cs:spPr>
+  </cs:dataPointWireframe>
+  <cs:dataTable>
+    <cs:lnRef idx="0"/>
+    <cs:fillRef idx="0"/>
+    <cs:effectRef idx="0"/>
+    <cs:fontRef idx="minor">
+      <a:schemeClr val="tx1">
+        <a:lumMod val="65000"/>
+        <a:lumOff val="35000"/>
+      </a:schemeClr>
+    </cs:fontRef>
+    <cs:spPr>
+      <a:noFill/>
+      <a:ln w="9525" cap="flat" cmpd="sng" algn="ctr">
+        <a:solidFill>
+          <a:schemeClr val="tx1">
+            <a:lumMod val="15000"/>
+            <a:lumOff val="85000"/>
+          </a:schemeClr>
+        </a:solidFill>
+        <a:round/>
+      </a:ln>
+    </cs:spPr>
+    <cs:defRPr sz="900" kern="1200"/>
+  </cs:dataTable>
+  <cs:downBar>
+    <cs:lnRef idx="0"/>
+    <cs:fillRef idx="0"/>
+    <cs:effectRef idx="0"/>
+    <cs:fontRef idx="minor">
+      <a:schemeClr val="dk1"/>
+    </cs:fontRef>
+    <cs:spPr>
+      <a:solidFill>
+        <a:schemeClr val="dk1">
+          <a:lumMod val="65000"/>
+          <a:lumOff val="35000"/>
+        </a:schemeClr>
+      </a:solidFill>
+      <a:ln w="9525">
+        <a:solidFill>
+          <a:schemeClr val="tx1">
+            <a:lumMod val="65000"/>
+            <a:lumOff val="35000"/>
+          </a:schemeClr>
+        </a:solidFill>
+      </a:ln>
+    </cs:spPr>
+  </cs:downBar>
+  <cs:dropLine>
+    <cs:lnRef idx="0"/>
+    <cs:fillRef idx="0"/>
+    <cs:effectRef idx="0"/>
+    <cs:fontRef idx="minor">
+      <a:schemeClr val="tx1"/>
+    </cs:fontRef>
+    <cs:spPr>
+      <a:ln w="9525" cap="flat" cmpd="sng" algn="ctr">
+        <a:solidFill>
+          <a:schemeClr val="tx1">
+            <a:lumMod val="35000"/>
+            <a:lumOff val="65000"/>
+          </a:schemeClr>
+        </a:solidFill>
+        <a:round/>
+      </a:ln>
+    </cs:spPr>
+  </cs:dropLine>
+  <cs:errorBar>
+    <cs:lnRef idx="0"/>
+    <cs:fillRef idx="0"/>
+    <cs:effectRef idx="0"/>
+    <cs:fontRef idx="minor">
+      <a:schemeClr val="tx1"/>
+    </cs:fontRef>
+    <cs:spPr>
+      <a:ln w="9525" cap="flat" cmpd="sng" algn="ctr">
+        <a:solidFill>
+          <a:schemeClr val="tx1">
+            <a:lumMod val="65000"/>
+            <a:lumOff val="35000"/>
+          </a:schemeClr>
+        </a:solidFill>
+        <a:round/>
+      </a:ln>
+    </cs:spPr>
+  </cs:errorBar>
+  <cs:floor>
+    <cs:lnRef idx="0"/>
+    <cs:fillRef idx="0"/>
+    <cs:effectRef idx="0"/>
+    <cs:fontRef idx="minor">
+      <a:schemeClr val="tx1"/>
+    </cs:fontRef>
+    <cs:spPr>
+      <a:noFill/>
+      <a:ln>
+        <a:noFill/>
+      </a:ln>
+    </cs:spPr>
+  </cs:floor>
+  <cs:gridlineMajor>
+    <cs:lnRef idx="0"/>
+    <cs:fillRef idx="0"/>
+    <cs:effectRef idx="0"/>
+    <cs:fontRef idx="minor">
+      <a:schemeClr val="tx1"/>
+    </cs:fontRef>
+    <cs:spPr>
+      <a:ln w="9525" cap="flat" cmpd="sng" algn="ctr">
+        <a:solidFill>
+          <a:schemeClr val="tx1">
+            <a:lumMod val="15000"/>
+            <a:lumOff val="85000"/>
+          </a:schemeClr>
+        </a:solidFill>
+        <a:round/>
+      </a:ln>
+    </cs:spPr>
+  </cs:gridlineMajor>
+  <cs:gridlineMinor>
+    <cs:lnRef idx="0"/>
+    <cs:fillRef idx="0"/>
+    <cs:effectRef idx="0"/>
+    <cs:fontRef idx="minor">
+      <a:schemeClr val="tx1"/>
+    </cs:fontRef>
+    <cs:spPr>
+      <a:ln w="9525" cap="flat" cmpd="sng" algn="ctr">
+        <a:solidFill>
+          <a:schemeClr val="tx1">
+            <a:lumMod val="5000"/>
+            <a:lumOff val="95000"/>
+          </a:schemeClr>
+        </a:solidFill>
+        <a:round/>
+      </a:ln>
+    </cs:spPr>
+  </cs:gridlineMinor>
+  <cs:hiLoLine>
+    <cs:lnRef idx="0"/>
+    <cs:fillRef idx="0"/>
+    <cs:effectRef idx="0"/>
+    <cs:fontRef idx="minor">
+      <a:schemeClr val="tx1"/>
+    </cs:fontRef>
+    <cs:spPr>
+      <a:ln w="9525" cap="flat" cmpd="sng" algn="ctr">
+        <a:solidFill>
+          <a:schemeClr val="tx1">
+            <a:lumMod val="75000"/>
+            <a:lumOff val="25000"/>
+          </a:schemeClr>
+        </a:solidFill>
+        <a:round/>
+      </a:ln>
+    </cs:spPr>
+  </cs:hiLoLine>
+  <cs:leaderLine>
+    <cs:lnRef idx="0"/>
+    <cs:fillRef idx="0"/>
+    <cs:effectRef idx="0"/>
+    <cs:fontRef idx="minor">
+      <a:schemeClr val="tx1"/>
+    </cs:fontRef>
+    <cs:spPr>
+      <a:ln w="9525" cap="flat" cmpd="sng" algn="ctr">
+        <a:solidFill>
+          <a:schemeClr val="tx1">
+            <a:lumMod val="35000"/>
+            <a:lumOff val="65000"/>
+          </a:schemeClr>
+        </a:solidFill>
+        <a:round/>
+      </a:ln>
+    </cs:spPr>
+  </cs:leaderLine>
+  <cs:legend>
+    <cs:lnRef idx="0"/>
+    <cs:fillRef idx="0"/>
+    <cs:effectRef idx="0"/>
+    <cs:fontRef idx="minor">
+      <a:schemeClr val="tx1">
+        <a:lumMod val="65000"/>
+        <a:lumOff val="35000"/>
+      </a:schemeClr>
+    </cs:fontRef>
+    <cs:defRPr sz="900" kern="1200"/>
+  </cs:legend>
+  <cs:plotArea mods="allowNoFillOverride allowNoLineOverride">
+    <cs:lnRef idx="0"/>
+    <cs:fillRef idx="0"/>
+    <cs:effectRef idx="0"/>
+    <cs:fontRef idx="minor">
+      <a:schemeClr val="tx1"/>
+    </cs:fontRef>
+  </cs:plotArea>
+  <cs:plotArea3D mods="allowNoFillOverride allowNoLineOverride">
+    <cs:lnRef idx="0"/>
+    <cs:fillRef idx="0"/>
+    <cs:effectRef idx="0"/>
+    <cs:fontRef idx="minor">
+      <a:schemeClr val="tx1"/>
+    </cs:fontRef>
+  </cs:plotArea3D>
+  <cs:seriesAxis>
+    <cs:lnRef idx="0"/>
+    <cs:fillRef idx="0"/>
+    <cs:effectRef idx="0"/>
+    <cs:fontRef idx="minor">
+      <a:schemeClr val="tx1">
+        <a:lumMod val="65000"/>
+        <a:lumOff val="35000"/>
+      </a:schemeClr>
+    </cs:fontRef>
+    <cs:defRPr sz="900" kern="1200"/>
+  </cs:seriesAxis>
+  <cs:seriesLine>
+    <cs:lnRef idx="0"/>
+    <cs:fillRef idx="0"/>
+    <cs:effectRef idx="0"/>
+    <cs:fontRef idx="minor">
+      <a:schemeClr val="tx1"/>
+    </cs:fontRef>
+    <cs:spPr>
+      <a:ln w="9525" cap="flat" cmpd="sng" algn="ctr">
+        <a:solidFill>
+          <a:schemeClr val="tx1">
+            <a:lumMod val="35000"/>
+            <a:lumOff val="65000"/>
+          </a:schemeClr>
+        </a:solidFill>
+        <a:round/>
+      </a:ln>
+    </cs:spPr>
+  </cs:seriesLine>
+  <cs:title>
+    <cs:lnRef idx="0"/>
+    <cs:fillRef idx="0"/>
+    <cs:effectRef idx="0"/>
+    <cs:fontRef idx="minor">
+      <a:schemeClr val="tx1">
+        <a:lumMod val="65000"/>
+        <a:lumOff val="35000"/>
+      </a:schemeClr>
+    </cs:fontRef>
+    <cs:defRPr sz="1400" b="0" kern="1200" spc="0" baseline="0"/>
+  </cs:title>
+  <cs:trendline>
+    <cs:lnRef idx="0">
+      <cs:styleClr val="auto"/>
+    </cs:lnRef>
+    <cs:fillRef idx="0"/>
+    <cs:effectRef idx="0"/>
+    <cs:fontRef idx="minor">
+      <a:schemeClr val="tx1"/>
+    </cs:fontRef>
+    <cs:spPr>
+      <a:ln w="19050" cap="rnd">
+        <a:solidFill>
+          <a:schemeClr val="phClr"/>
+        </a:solidFill>
+        <a:prstDash val="sysDot"/>
+      </a:ln>
+    </cs:spPr>
+  </cs:trendline>
+  <cs:trendlineLabel>
+    <cs:lnRef idx="0"/>
+    <cs:fillRef idx="0"/>
+    <cs:effectRef idx="0"/>
+    <cs:fontRef idx="minor">
+      <a:schemeClr val="tx1">
+        <a:lumMod val="65000"/>
+        <a:lumOff val="35000"/>
+      </a:schemeClr>
+    </cs:fontRef>
+    <cs:defRPr sz="900" kern="1200"/>
+  </cs:trendlineLabel>
+  <cs:upBar>
+    <cs:lnRef idx="0"/>
+    <cs:fillRef idx="0"/>
+    <cs:effectRef idx="0"/>
+    <cs:fontRef idx="minor">
+      <a:schemeClr val="dk1"/>
+    </cs:fontRef>
+    <cs:spPr>
+      <a:solidFill>
+        <a:schemeClr val="lt1"/>
+      </a:solidFill>
+      <a:ln w="9525">
+        <a:solidFill>
+          <a:schemeClr val="tx1">
+            <a:lumMod val="15000"/>
+            <a:lumOff val="85000"/>
+          </a:schemeClr>
+        </a:solidFill>
+      </a:ln>
+    </cs:spPr>
+  </cs:upBar>
+  <cs:valueAxis>
+    <cs:lnRef idx="0"/>
+    <cs:fillRef idx="0"/>
+    <cs:effectRef idx="0"/>
+    <cs:fontRef idx="minor">
+      <a:schemeClr val="tx1">
+        <a:lumMod val="65000"/>
+        <a:lumOff val="35000"/>
+      </a:schemeClr>
+    </cs:fontRef>
+    <cs:defRPr sz="900" kern="1200"/>
+  </cs:valueAxis>
+  <cs:wall>
+    <cs:lnRef idx="0"/>
+    <cs:fillRef idx="0"/>
+    <cs:effectRef idx="0"/>
+    <cs:fontRef idx="minor">
+      <a:schemeClr val="tx1"/>
+    </cs:fontRef>
+    <cs:spPr>
+      <a:noFill/>
+      <a:ln>
+        <a:noFill/>
+      </a:ln>
+    </cs:spPr>
+  </cs:wall>
+</cs:chartStyle>
+</file>
+
+<file path=ppt/charts/style10.xml><?xml version="1.0" encoding="utf-8"?>
+<cs:chartStyle xmlns:cs="http://schemas.microsoft.com/office/drawing/2012/chartStyle" xmlns:a="http://schemas.openxmlformats.org/drawingml/2006/main" id="297">
+  <cs:axisTitle>
+    <cs:lnRef idx="0"/>
+    <cs:fillRef idx="0"/>
+    <cs:effectRef idx="0"/>
+    <cs:fontRef idx="minor">
+      <a:schemeClr val="tx1">
+        <a:lumMod val="65000"/>
+        <a:lumOff val="35000"/>
+      </a:schemeClr>
+    </cs:fontRef>
+    <cs:defRPr sz="1000" kern="1200"/>
+  </cs:axisTitle>
+  <cs:categoryAxis>
+    <cs:lnRef idx="0"/>
+    <cs:fillRef idx="0"/>
+    <cs:effectRef idx="0"/>
+    <cs:fontRef idx="minor">
+      <a:schemeClr val="tx1">
+        <a:lumMod val="65000"/>
+        <a:lumOff val="35000"/>
+      </a:schemeClr>
+    </cs:fontRef>
+    <cs:spPr>
+      <a:ln w="9525" cap="flat" cmpd="sng" algn="ctr">
+        <a:solidFill>
+          <a:schemeClr val="tx1">
+            <a:lumMod val="15000"/>
+            <a:lumOff val="85000"/>
+          </a:schemeClr>
+        </a:solidFill>
+        <a:round/>
+      </a:ln>
+    </cs:spPr>
+    <cs:defRPr sz="900" kern="1200"/>
+  </cs:categoryAxis>
+  <cs:chartArea mods="allowNoFillOverride allowNoLineOverride">
+    <cs:lnRef idx="0"/>
+    <cs:fillRef idx="0"/>
+    <cs:effectRef idx="0"/>
+    <cs:fontRef idx="minor">
+      <a:schemeClr val="tx1"/>
+    </cs:fontRef>
+    <cs:spPr>
+      <a:solidFill>
+        <a:schemeClr val="bg1"/>
+      </a:solidFill>
+      <a:ln w="9525" cap="flat" cmpd="sng" algn="ctr">
+        <a:solidFill>
+          <a:schemeClr val="tx1">
+            <a:lumMod val="15000"/>
+            <a:lumOff val="85000"/>
+          </a:schemeClr>
+        </a:solidFill>
+        <a:round/>
+      </a:ln>
+    </cs:spPr>
+    <cs:defRPr sz="1000" kern="1200"/>
+  </cs:chartArea>
+  <cs:dataLabel>
+    <cs:lnRef idx="0"/>
+    <cs:fillRef idx="0"/>
+    <cs:effectRef idx="0"/>
+    <cs:fontRef idx="minor">
+      <a:schemeClr val="tx1">
+        <a:lumMod val="75000"/>
+        <a:lumOff val="25000"/>
+      </a:schemeClr>
+    </cs:fontRef>
+    <cs:defRPr sz="900" kern="1200"/>
+  </cs:dataLabel>
+  <cs:dataLabelCallout>
+    <cs:lnRef idx="0"/>
+    <cs:fillRef idx="0"/>
+    <cs:effectRef idx="0"/>
+    <cs:fontRef idx="minor">
+      <a:schemeClr val="dk1">
+        <a:lumMod val="65000"/>
+        <a:lumOff val="35000"/>
+      </a:schemeClr>
+    </cs:fontRef>
+    <cs:spPr>
+      <a:solidFill>
+        <a:schemeClr val="lt1"/>
+      </a:solidFill>
+      <a:ln>
+        <a:solidFill>
+          <a:schemeClr val="dk1">
+            <a:lumMod val="25000"/>
+            <a:lumOff val="75000"/>
+          </a:schemeClr>
+        </a:solidFill>
+      </a:ln>
+    </cs:spPr>
+    <cs:defRPr sz="900" kern="1200"/>
+    <cs:bodyPr rot="0" spcFirstLastPara="1" vertOverflow="clip" horzOverflow="clip" vert="horz" wrap="square" lIns="36576" tIns="18288" rIns="36576" bIns="18288" anchor="ctr" anchorCtr="1">
+      <a:spAutoFit/>
+    </cs:bodyPr>
+  </cs:dataLabelCallout>
+  <cs:dataPoint>
+    <cs:lnRef idx="0"/>
+    <cs:fillRef idx="1">
+      <cs:styleClr val="auto"/>
+    </cs:fillRef>
+    <cs:effectRef idx="0"/>
+    <cs:fontRef idx="minor">
+      <a:schemeClr val="tx1"/>
+    </cs:fontRef>
+  </cs:dataPoint>
+  <cs:dataPoint3D>
+    <cs:lnRef idx="0"/>
+    <cs:fillRef idx="1">
+      <cs:styleClr val="auto"/>
+    </cs:fillRef>
+    <cs:effectRef idx="0"/>
+    <cs:fontRef idx="minor">
+      <a:schemeClr val="tx1"/>
+    </cs:fontRef>
+  </cs:dataPoint3D>
+  <cs:dataPointLine>
+    <cs:lnRef idx="0">
+      <cs:styleClr val="auto"/>
+    </cs:lnRef>
+    <cs:fillRef idx="1"/>
+    <cs:effectRef idx="0"/>
+    <cs:fontRef idx="minor">
+      <a:schemeClr val="tx1"/>
+    </cs:fontRef>
+    <cs:spPr>
+      <a:ln w="28575" cap="rnd">
+        <a:solidFill>
+          <a:schemeClr val="phClr"/>
+        </a:solidFill>
+        <a:round/>
+      </a:ln>
+    </cs:spPr>
+  </cs:dataPointLine>
+  <cs:dataPointMarker>
+    <cs:lnRef idx="0">
+      <cs:styleClr val="auto"/>
+    </cs:lnRef>
+    <cs:fillRef idx="1">
+      <cs:styleClr val="auto"/>
+    </cs:fillRef>
+    <cs:effectRef idx="0"/>
+    <cs:fontRef idx="minor">
+      <a:schemeClr val="tx1"/>
+    </cs:fontRef>
+    <cs:spPr>
+      <a:ln w="9525">
+        <a:solidFill>
+          <a:schemeClr val="phClr"/>
+        </a:solidFill>
+      </a:ln>
+    </cs:spPr>
+  </cs:dataPointMarker>
+  <cs:dataPointMarkerLayout symbol="circle" size="5"/>
+  <cs:dataPointWireframe>
+    <cs:lnRef idx="0">
+      <cs:styleClr val="auto"/>
+    </cs:lnRef>
+    <cs:fillRef idx="1"/>
+    <cs:effectRef idx="0"/>
+    <cs:fontRef idx="minor">
+      <a:schemeClr val="tx1"/>
+    </cs:fontRef>
+    <cs:spPr>
+      <a:ln w="9525" cap="rnd">
+        <a:solidFill>
+          <a:schemeClr val="phClr"/>
+        </a:solidFill>
+        <a:round/>
+      </a:ln>
+    </cs:spPr>
+  </cs:dataPointWireframe>
+  <cs:dataTable>
+    <cs:lnRef idx="0"/>
+    <cs:fillRef idx="0"/>
+    <cs:effectRef idx="0"/>
+    <cs:fontRef idx="minor">
+      <a:schemeClr val="tx1">
+        <a:lumMod val="65000"/>
+        <a:lumOff val="35000"/>
+      </a:schemeClr>
+    </cs:fontRef>
+    <cs:spPr>
+      <a:noFill/>
+      <a:ln w="9525" cap="flat" cmpd="sng" algn="ctr">
+        <a:solidFill>
+          <a:schemeClr val="tx1">
+            <a:lumMod val="15000"/>
+            <a:lumOff val="85000"/>
+          </a:schemeClr>
+        </a:solidFill>
+        <a:round/>
+      </a:ln>
+    </cs:spPr>
+    <cs:defRPr sz="900" kern="1200"/>
+  </cs:dataTable>
+  <cs:downBar>
+    <cs:lnRef idx="0"/>
+    <cs:fillRef idx="0"/>
+    <cs:effectRef idx="0"/>
+    <cs:fontRef idx="minor">
+      <a:schemeClr val="tx1"/>
+    </cs:fontRef>
+    <cs:spPr>
+      <a:solidFill>
+        <a:schemeClr val="dk1">
+          <a:lumMod val="75000"/>
+          <a:lumOff val="25000"/>
+        </a:schemeClr>
+      </a:solidFill>
+      <a:ln w="9525" cap="flat" cmpd="sng" algn="ctr">
+        <a:solidFill>
+          <a:schemeClr val="tx1">
+            <a:lumMod val="65000"/>
+            <a:lumOff val="35000"/>
+          </a:schemeClr>
+        </a:solidFill>
+        <a:round/>
+      </a:ln>
+    </cs:spPr>
+  </cs:downBar>
+  <cs:dropLine>
+    <cs:lnRef idx="0"/>
+    <cs:fillRef idx="0"/>
+    <cs:effectRef idx="0"/>
+    <cs:fontRef idx="minor">
+      <a:schemeClr val="tx1"/>
+    </cs:fontRef>
+    <cs:spPr>
+      <a:ln w="9525" cap="flat" cmpd="sng" algn="ctr">
+        <a:solidFill>
+          <a:schemeClr val="tx1">
+            <a:lumMod val="35000"/>
+            <a:lumOff val="65000"/>
+          </a:schemeClr>
+        </a:solidFill>
+        <a:round/>
+      </a:ln>
+    </cs:spPr>
+  </cs:dropLine>
+  <cs:errorBar>
+    <cs:lnRef idx="0"/>
+    <cs:fillRef idx="0"/>
+    <cs:effectRef idx="0"/>
+    <cs:fontRef idx="minor">
+      <a:schemeClr val="tx1"/>
+    </cs:fontRef>
+    <cs:spPr>
+      <a:ln w="9525" cap="flat" cmpd="sng" algn="ctr">
+        <a:solidFill>
+          <a:schemeClr val="tx1">
+            <a:lumMod val="65000"/>
+            <a:lumOff val="35000"/>
+          </a:schemeClr>
+        </a:solidFill>
+        <a:round/>
+      </a:ln>
+    </cs:spPr>
+  </cs:errorBar>
+  <cs:floor>
+    <cs:lnRef idx="0"/>
+    <cs:fillRef idx="0"/>
+    <cs:effectRef idx="0"/>
+    <cs:fontRef idx="minor">
+      <a:schemeClr val="tx1"/>
+    </cs:fontRef>
+    <cs:spPr>
+      <a:noFill/>
+      <a:ln>
+        <a:noFill/>
+      </a:ln>
+    </cs:spPr>
+  </cs:floor>
+  <cs:gridlineMajor>
+    <cs:lnRef idx="0"/>
+    <cs:fillRef idx="0"/>
+    <cs:effectRef idx="0"/>
+    <cs:fontRef idx="minor">
+      <a:schemeClr val="tx1"/>
+    </cs:fontRef>
+    <cs:spPr>
+      <a:ln w="9525" cap="flat" cmpd="sng" algn="ctr">
+        <a:solidFill>
+          <a:schemeClr val="tx1">
+            <a:lumMod val="15000"/>
+            <a:lumOff val="85000"/>
+          </a:schemeClr>
+        </a:solidFill>
+        <a:round/>
+      </a:ln>
+    </cs:spPr>
+  </cs:gridlineMajor>
+  <cs:gridlineMinor>
+    <cs:lnRef idx="0"/>
+    <cs:fillRef idx="0"/>
+    <cs:effectRef idx="0"/>
+    <cs:fontRef idx="minor">
+      <a:schemeClr val="tx1"/>
+    </cs:fontRef>
+    <cs:spPr>
+      <a:ln w="9525" cap="flat" cmpd="sng" algn="ctr">
+        <a:solidFill>
+          <a:schemeClr val="tx1">
+            <a:lumMod val="5000"/>
+            <a:lumOff val="95000"/>
+          </a:schemeClr>
+        </a:solidFill>
+        <a:round/>
+      </a:ln>
+    </cs:spPr>
+  </cs:gridlineMinor>
+  <cs:hiLoLine>
+    <cs:lnRef idx="0"/>
+    <cs:fillRef idx="0"/>
+    <cs:effectRef idx="0"/>
+    <cs:fontRef idx="minor">
+      <a:schemeClr val="tx1"/>
+    </cs:fontRef>
+    <cs:spPr>
+      <a:ln w="9525" cap="flat" cmpd="sng" algn="ctr">
+        <a:solidFill>
+          <a:schemeClr val="tx1">
+            <a:lumMod val="50000"/>
+            <a:lumOff val="50000"/>
+          </a:schemeClr>
+        </a:solidFill>
+        <a:round/>
+      </a:ln>
+    </cs:spPr>
+  </cs:hiLoLine>
+  <cs:leaderLine>
+    <cs:lnRef idx="0"/>
+    <cs:fillRef idx="0"/>
+    <cs:effectRef idx="0"/>
+    <cs:fontRef idx="minor">
+      <a:schemeClr val="tx1"/>
+    </cs:fontRef>
+    <cs:spPr>
+      <a:ln w="9525" cap="flat" cmpd="sng" algn="ctr">
+        <a:solidFill>
+          <a:schemeClr val="tx1">
+            <a:lumMod val="35000"/>
+            <a:lumOff val="65000"/>
+          </a:schemeClr>
+        </a:solidFill>
+        <a:round/>
+      </a:ln>
+    </cs:spPr>
+  </cs:leaderLine>
+  <cs:legend>
+    <cs:lnRef idx="0"/>
+    <cs:fillRef idx="0"/>
+    <cs:effectRef idx="0"/>
+    <cs:fontRef idx="minor">
+      <a:schemeClr val="tx1">
+        <a:lumMod val="65000"/>
+        <a:lumOff val="35000"/>
+      </a:schemeClr>
+    </cs:fontRef>
+    <cs:defRPr sz="900" kern="1200"/>
+  </cs:legend>
+  <cs:plotArea mods="allowNoFillOverride allowNoLineOverride">
+    <cs:lnRef idx="0"/>
+    <cs:fillRef idx="0"/>
+    <cs:effectRef idx="0"/>
+    <cs:fontRef idx="minor">
+      <a:schemeClr val="tx1"/>
+    </cs:fontRef>
+  </cs:plotArea>
+  <cs:plotArea3D mods="allowNoFillOverride allowNoLineOverride">
+    <cs:lnRef idx="0"/>
+    <cs:fillRef idx="0"/>
+    <cs:effectRef idx="0"/>
+    <cs:fontRef idx="minor">
+      <a:schemeClr val="tx1"/>
+    </cs:fontRef>
+  </cs:plotArea3D>
+  <cs:seriesAxis>
+    <cs:lnRef idx="0"/>
+    <cs:fillRef idx="0"/>
+    <cs:effectRef idx="0"/>
+    <cs:fontRef idx="minor">
+      <a:schemeClr val="tx1">
+        <a:lumMod val="65000"/>
+        <a:lumOff val="35000"/>
+      </a:schemeClr>
+    </cs:fontRef>
+    <cs:defRPr sz="900" kern="1200"/>
+  </cs:seriesAxis>
+  <cs:seriesLine>
+    <cs:lnRef idx="0"/>
+    <cs:fillRef idx="0"/>
+    <cs:effectRef idx="0"/>
+    <cs:fontRef idx="minor">
+      <a:schemeClr val="tx1"/>
+    </cs:fontRef>
+    <cs:spPr>
+      <a:ln w="9525" cap="flat" cmpd="sng" algn="ctr">
+        <a:solidFill>
+          <a:schemeClr val="tx1">
+            <a:lumMod val="35000"/>
+            <a:lumOff val="65000"/>
+          </a:schemeClr>
+        </a:solidFill>
+        <a:round/>
+      </a:ln>
+    </cs:spPr>
+  </cs:seriesLine>
+  <cs:title>
+    <cs:lnRef idx="0"/>
+    <cs:fillRef idx="0"/>
+    <cs:effectRef idx="0"/>
+    <cs:fontRef idx="minor">
+      <a:schemeClr val="tx1">
+        <a:lumMod val="65000"/>
+        <a:lumOff val="35000"/>
+      </a:schemeClr>
+    </cs:fontRef>
+    <cs:defRPr sz="1400" b="0" kern="1200" spc="0" baseline="0"/>
+  </cs:title>
+  <cs:trendline>
+    <cs:lnRef idx="0">
+      <cs:styleClr val="auto"/>
+    </cs:lnRef>
+    <cs:fillRef idx="0"/>
+    <cs:effectRef idx="0"/>
+    <cs:fontRef idx="minor">
+      <a:schemeClr val="tx1"/>
+    </cs:fontRef>
+    <cs:spPr>
+      <a:ln w="19050" cap="rnd">
+        <a:solidFill>
+          <a:schemeClr val="phClr"/>
+        </a:solidFill>
+        <a:prstDash val="sysDot"/>
+      </a:ln>
+    </cs:spPr>
+  </cs:trendline>
+  <cs:trendlineLabel>
+    <cs:lnRef idx="0"/>
+    <cs:fillRef idx="0"/>
+    <cs:effectRef idx="0"/>
+    <cs:fontRef idx="minor">
+      <a:schemeClr val="tx1">
+        <a:lumMod val="65000"/>
+        <a:lumOff val="35000"/>
+      </a:schemeClr>
+    </cs:fontRef>
+    <cs:defRPr sz="900" kern="1200"/>
+  </cs:trendlineLabel>
+  <cs:upBar>
+    <cs:lnRef idx="0"/>
+    <cs:fillRef idx="0"/>
+    <cs:effectRef idx="0"/>
+    <cs:fontRef idx="minor">
+      <a:schemeClr val="tx1"/>
+    </cs:fontRef>
+    <cs:spPr>
+      <a:solidFill>
+        <a:schemeClr val="lt1"/>
+      </a:solidFill>
+      <a:ln w="9525" cap="flat" cmpd="sng" algn="ctr">
+        <a:solidFill>
+          <a:schemeClr val="tx1">
+            <a:lumMod val="65000"/>
+            <a:lumOff val="35000"/>
+          </a:schemeClr>
+        </a:solidFill>
+        <a:round/>
+      </a:ln>
+    </cs:spPr>
+  </cs:upBar>
+  <cs:valueAxis>
+    <cs:lnRef idx="0"/>
+    <cs:fillRef idx="0"/>
+    <cs:effectRef idx="0"/>
+    <cs:fontRef idx="minor">
+      <a:schemeClr val="tx1">
+        <a:lumMod val="65000"/>
+        <a:lumOff val="35000"/>
+      </a:schemeClr>
+    </cs:fontRef>
+    <cs:defRPr sz="900" kern="1200"/>
+  </cs:valueAxis>
+  <cs:wall>
+    <cs:lnRef idx="0"/>
+    <cs:fillRef idx="0"/>
+    <cs:effectRef idx="0"/>
+    <cs:fontRef idx="minor">
+      <a:schemeClr val="tx1"/>
+    </cs:fontRef>
+    <cs:spPr>
+      <a:noFill/>
+      <a:ln>
+        <a:noFill/>
+      </a:ln>
+    </cs:spPr>
+  </cs:wall>
+</cs:chartStyle>
+</file>
+
+<file path=ppt/charts/style11.xml><?xml version="1.0" encoding="utf-8"?>
 <cs:chartStyle xmlns:cs="http://schemas.microsoft.com/office/drawing/2012/chartStyle" xmlns:a="http://schemas.openxmlformats.org/drawingml/2006/main" id="201">
   <cs:axisTitle>
     <cs:lnRef idx="0"/>
@@ -13695,6 +16060,921 @@
         <p:nvPr/>
       </p:nvGrpSpPr>
       <p:grpSpPr/>
+      <p:pic>
+        <p:nvPicPr>
+          <p:cNvPr id="11" name="Picture 10"/>
+          <p:cNvPicPr>
+            <a:picLocks noChangeAspect="1"/>
+          </p:cNvPicPr>
+          <p:nvPr/>
+        </p:nvPicPr>
+        <p:blipFill>
+          <a:blip r:embed="rId1"/>
+          <a:stretch>
+            <a:fillRect/>
+          </a:stretch>
+        </p:blipFill>
+        <p:spPr>
+          <a:xfrm>
+            <a:off x="1699895" y="971550"/>
+            <a:ext cx="6276340" cy="4058920"/>
+          </a:xfrm>
+          <a:prstGeom prst="rect">
+            <a:avLst/>
+          </a:prstGeom>
+        </p:spPr>
+      </p:pic>
+      <p:pic>
+        <p:nvPicPr>
+          <p:cNvPr id="12" name="Picture 11"/>
+          <p:cNvPicPr>
+            <a:picLocks noChangeAspect="1"/>
+          </p:cNvPicPr>
+          <p:nvPr/>
+        </p:nvPicPr>
+        <p:blipFill>
+          <a:blip r:embed="rId2"/>
+          <a:srcRect l="22496" t="29331" r="15311" b="11835"/>
+          <a:stretch>
+            <a:fillRect/>
+          </a:stretch>
+        </p:blipFill>
+        <p:spPr>
+          <a:xfrm>
+            <a:off x="1258570" y="381635"/>
+            <a:ext cx="9518015" cy="5678805"/>
+          </a:xfrm>
+          <a:prstGeom prst="rect">
+            <a:avLst/>
+          </a:prstGeom>
+        </p:spPr>
+      </p:pic>
+      <p:sp>
+        <p:nvSpPr>
+          <p:cNvPr id="13" name="TextBox 12"/>
+          <p:cNvSpPr txBox="1"/>
+          <p:nvPr/>
+        </p:nvSpPr>
+        <p:spPr>
+          <a:xfrm rot="16200000">
+            <a:off x="-1316990" y="2367280"/>
+            <a:ext cx="4282440" cy="822960"/>
+          </a:xfrm>
+          <a:prstGeom prst="rect">
+            <a:avLst/>
+          </a:prstGeom>
+          <a:noFill/>
+        </p:spPr>
+        <p:txBody>
+          <a:bodyPr wrap="square" rtlCol="0">
+            <a:spAutoFit/>
+          </a:bodyPr>
+          <a:p>
+            <a:pPr algn="ctr"/>
+            <a:r>
+              <a:rPr lang="x-none" altLang="fr-FR" sz="2400">
+                <a:solidFill>
+                  <a:schemeClr val="bg1">
+                    <a:lumMod val="50000"/>
+                  </a:schemeClr>
+                </a:solidFill>
+                <a:latin typeface="Calibri"/>
+              </a:rPr>
+              <a:t>Normalized AMAT </a:t>
+            </a:r>
+            <a:endParaRPr lang="x-none" altLang="fr-FR" sz="2400">
+              <a:solidFill>
+                <a:schemeClr val="bg1">
+                  <a:lumMod val="50000"/>
+                </a:schemeClr>
+              </a:solidFill>
+              <a:latin typeface="Calibri"/>
+            </a:endParaRPr>
+          </a:p>
+          <a:p>
+            <a:pPr algn="ctr"/>
+            <a:r>
+              <a:rPr lang="x-none" altLang="fr-FR" sz="2400">
+                <a:solidFill>
+                  <a:schemeClr val="bg1">
+                    <a:lumMod val="50000"/>
+                  </a:schemeClr>
+                </a:solidFill>
+                <a:latin typeface="Calibri"/>
+              </a:rPr>
+              <a:t>relatively to Baseline </a:t>
+            </a:r>
+            <a:endParaRPr lang="x-none" altLang="fr-FR" sz="2400">
+              <a:solidFill>
+                <a:schemeClr val="bg1">
+                  <a:lumMod val="50000"/>
+                </a:schemeClr>
+              </a:solidFill>
+              <a:latin typeface="Calibri"/>
+            </a:endParaRPr>
+          </a:p>
+        </p:txBody>
+      </p:sp>
+    </p:spTree>
+  </p:cSld>
+  <p:clrMapOvr>
+    <a:masterClrMapping/>
+  </p:clrMapOvr>
+</p:sld>
+</file>
+
+<file path=ppt/slides/slide12.xml><?xml version="1.0" encoding="utf-8"?>
+<p:sld xmlns:a="http://schemas.openxmlformats.org/drawingml/2006/main" xmlns:r="http://schemas.openxmlformats.org/officeDocument/2006/relationships" xmlns:p="http://schemas.openxmlformats.org/presentationml/2006/main">
+  <p:cSld>
+    <p:spTree>
+      <p:nvGrpSpPr>
+        <p:cNvPr id="1" name=""/>
+        <p:cNvGrpSpPr/>
+        <p:nvPr/>
+      </p:nvGrpSpPr>
+      <p:grpSpPr/>
+      <p:sp>
+        <p:nvSpPr>
+          <p:cNvPr id="4" name="Rounded Rectangle 3"/>
+          <p:cNvSpPr/>
+          <p:nvPr/>
+        </p:nvSpPr>
+        <p:spPr>
+          <a:xfrm>
+            <a:off x="2627630" y="516255"/>
+            <a:ext cx="2023745" cy="650875"/>
+          </a:xfrm>
+          <a:prstGeom prst="roundRect">
+            <a:avLst/>
+          </a:prstGeom>
+        </p:spPr>
+        <p:style>
+          <a:lnRef idx="2">
+            <a:schemeClr val="dk1">
+              <a:shade val="50000"/>
+            </a:schemeClr>
+          </a:lnRef>
+          <a:fillRef idx="1">
+            <a:schemeClr val="dk1"/>
+          </a:fillRef>
+          <a:effectRef idx="0">
+            <a:schemeClr val="dk1"/>
+          </a:effectRef>
+          <a:fontRef idx="minor">
+            <a:schemeClr val="lt1"/>
+          </a:fontRef>
+        </p:style>
+        <p:txBody>
+          <a:bodyPr rtlCol="0" anchor="ctr"/>
+          <a:p>
+            <a:pPr algn="ctr"/>
+            <a:r>
+              <a:rPr lang="x-none" altLang="fr-FR"/>
+              <a:t>Pintools Instrumentation</a:t>
+            </a:r>
+            <a:endParaRPr lang="x-none" altLang="fr-FR"/>
+          </a:p>
+        </p:txBody>
+      </p:sp>
+      <p:sp>
+        <p:nvSpPr>
+          <p:cNvPr id="5" name="Folded Corner 4"/>
+          <p:cNvSpPr/>
+          <p:nvPr/>
+        </p:nvSpPr>
+        <p:spPr>
+          <a:xfrm>
+            <a:off x="2345690" y="1408430"/>
+            <a:ext cx="2585085" cy="421640"/>
+          </a:xfrm>
+          <a:prstGeom prst="foldedCorner">
+            <a:avLst>
+              <a:gd name="adj" fmla="val 20253"/>
+            </a:avLst>
+          </a:prstGeom>
+        </p:spPr>
+        <p:style>
+          <a:lnRef idx="1">
+            <a:schemeClr val="accent3"/>
+          </a:lnRef>
+          <a:fillRef idx="2">
+            <a:schemeClr val="accent3"/>
+          </a:fillRef>
+          <a:effectRef idx="1">
+            <a:schemeClr val="accent3"/>
+          </a:effectRef>
+          <a:fontRef idx="minor">
+            <a:schemeClr val="dk1"/>
+          </a:fontRef>
+        </p:style>
+        <p:txBody>
+          <a:bodyPr rtlCol="0" anchor="ctr"/>
+          <a:p>
+            <a:pPr algn="ctr"/>
+            <a:r>
+              <a:rPr lang="x-none" altLang="fr-FR"/>
+              <a:t>Full Memory Trace</a:t>
+            </a:r>
+            <a:endParaRPr lang="x-none" altLang="fr-FR"/>
+          </a:p>
+        </p:txBody>
+      </p:sp>
+      <p:sp>
+        <p:nvSpPr>
+          <p:cNvPr id="7" name="Rounded Rectangle 6"/>
+          <p:cNvSpPr/>
+          <p:nvPr/>
+        </p:nvSpPr>
+        <p:spPr>
+          <a:xfrm>
+            <a:off x="2505075" y="2048510"/>
+            <a:ext cx="2273935" cy="650875"/>
+          </a:xfrm>
+          <a:prstGeom prst="roundRect">
+            <a:avLst/>
+          </a:prstGeom>
+        </p:spPr>
+        <p:style>
+          <a:lnRef idx="2">
+            <a:schemeClr val="dk1">
+              <a:shade val="50000"/>
+            </a:schemeClr>
+          </a:lnRef>
+          <a:fillRef idx="1">
+            <a:schemeClr val="dk1"/>
+          </a:fillRef>
+          <a:effectRef idx="0">
+            <a:schemeClr val="dk1"/>
+          </a:effectRef>
+          <a:fontRef idx="minor">
+            <a:schemeClr val="lt1"/>
+          </a:fontRef>
+        </p:style>
+        <p:txBody>
+          <a:bodyPr rtlCol="0" anchor="ctr"/>
+          <a:p>
+            <a:pPr algn="ctr"/>
+            <a:r>
+              <a:rPr lang="x-none" altLang="fr-FR"/>
+              <a:t>RO Data detection algorithm</a:t>
+            </a:r>
+            <a:endParaRPr lang="x-none" altLang="fr-FR"/>
+          </a:p>
+        </p:txBody>
+      </p:sp>
+      <p:sp>
+        <p:nvSpPr>
+          <p:cNvPr id="9" name="Folded Corner 8"/>
+          <p:cNvSpPr/>
+          <p:nvPr/>
+        </p:nvSpPr>
+        <p:spPr>
+          <a:xfrm>
+            <a:off x="1831340" y="2926715"/>
+            <a:ext cx="1663065" cy="421640"/>
+          </a:xfrm>
+          <a:prstGeom prst="foldedCorner">
+            <a:avLst>
+              <a:gd name="adj" fmla="val 20253"/>
+            </a:avLst>
+          </a:prstGeom>
+        </p:spPr>
+        <p:style>
+          <a:lnRef idx="1">
+            <a:schemeClr val="accent3"/>
+          </a:lnRef>
+          <a:fillRef idx="2">
+            <a:schemeClr val="accent3"/>
+          </a:fillRef>
+          <a:effectRef idx="1">
+            <a:schemeClr val="accent3"/>
+          </a:effectRef>
+          <a:fontRef idx="minor">
+            <a:schemeClr val="dk1"/>
+          </a:fontRef>
+        </p:style>
+        <p:txBody>
+          <a:bodyPr rtlCol="0" anchor="ctr"/>
+          <a:p>
+            <a:pPr algn="ctr"/>
+            <a:r>
+              <a:rPr lang="x-none" altLang="fr-FR"/>
+              <a:t>RO Trace</a:t>
+            </a:r>
+            <a:endParaRPr lang="x-none" altLang="fr-FR"/>
+          </a:p>
+        </p:txBody>
+      </p:sp>
+      <p:sp>
+        <p:nvSpPr>
+          <p:cNvPr id="10" name="Folded Corner 9"/>
+          <p:cNvSpPr/>
+          <p:nvPr/>
+        </p:nvSpPr>
+        <p:spPr>
+          <a:xfrm>
+            <a:off x="3782695" y="2923540"/>
+            <a:ext cx="1663065" cy="421640"/>
+          </a:xfrm>
+          <a:prstGeom prst="foldedCorner">
+            <a:avLst>
+              <a:gd name="adj" fmla="val 20253"/>
+            </a:avLst>
+          </a:prstGeom>
+        </p:spPr>
+        <p:style>
+          <a:lnRef idx="1">
+            <a:schemeClr val="accent3"/>
+          </a:lnRef>
+          <a:fillRef idx="2">
+            <a:schemeClr val="accent3"/>
+          </a:fillRef>
+          <a:effectRef idx="1">
+            <a:schemeClr val="accent3"/>
+          </a:effectRef>
+          <a:fontRef idx="minor">
+            <a:schemeClr val="dk1"/>
+          </a:fontRef>
+        </p:style>
+        <p:txBody>
+          <a:bodyPr rtlCol="0" anchor="ctr"/>
+          <a:p>
+            <a:pPr algn="ctr"/>
+            <a:r>
+              <a:rPr lang="x-none" altLang="fr-FR"/>
+              <a:t>RW Trace</a:t>
+            </a:r>
+            <a:endParaRPr lang="x-none" altLang="fr-FR"/>
+          </a:p>
+        </p:txBody>
+      </p:sp>
+      <p:cxnSp>
+        <p:nvCxnSpPr>
+          <p:cNvPr id="11" name="Straight Arrow Connector 10"/>
+          <p:cNvCxnSpPr>
+            <a:stCxn id="4" idx="2"/>
+            <a:endCxn id="5" idx="0"/>
+          </p:cNvCxnSpPr>
+          <p:nvPr/>
+        </p:nvCxnSpPr>
+        <p:spPr>
+          <a:xfrm flipH="1">
+            <a:off x="3638550" y="1167130"/>
+            <a:ext cx="1270" cy="241300"/>
+          </a:xfrm>
+          <a:prstGeom prst="straightConnector1">
+            <a:avLst/>
+          </a:prstGeom>
+          <a:ln>
+            <a:tailEnd type="arrow" w="med" len="med"/>
+          </a:ln>
+        </p:spPr>
+        <p:style>
+          <a:lnRef idx="1">
+            <a:schemeClr val="dk1"/>
+          </a:lnRef>
+          <a:fillRef idx="0">
+            <a:schemeClr val="dk1"/>
+          </a:fillRef>
+          <a:effectRef idx="0">
+            <a:schemeClr val="dk1"/>
+          </a:effectRef>
+          <a:fontRef idx="minor">
+            <a:schemeClr val="tx1"/>
+          </a:fontRef>
+        </p:style>
+      </p:cxnSp>
+      <p:cxnSp>
+        <p:nvCxnSpPr>
+          <p:cNvPr id="12" name="Straight Arrow Connector 11"/>
+          <p:cNvCxnSpPr>
+            <a:stCxn id="5" idx="2"/>
+            <a:endCxn id="7" idx="0"/>
+          </p:cNvCxnSpPr>
+          <p:nvPr/>
+        </p:nvCxnSpPr>
+        <p:spPr>
+          <a:xfrm>
+            <a:off x="3638550" y="1830070"/>
+            <a:ext cx="3810" cy="218440"/>
+          </a:xfrm>
+          <a:prstGeom prst="straightConnector1">
+            <a:avLst/>
+          </a:prstGeom>
+          <a:ln>
+            <a:tailEnd type="arrow" w="med" len="med"/>
+          </a:ln>
+        </p:spPr>
+        <p:style>
+          <a:lnRef idx="1">
+            <a:schemeClr val="dk1"/>
+          </a:lnRef>
+          <a:fillRef idx="0">
+            <a:schemeClr val="dk1"/>
+          </a:fillRef>
+          <a:effectRef idx="0">
+            <a:schemeClr val="dk1"/>
+          </a:effectRef>
+          <a:fontRef idx="minor">
+            <a:schemeClr val="tx1"/>
+          </a:fontRef>
+        </p:style>
+      </p:cxnSp>
+      <p:sp>
+        <p:nvSpPr>
+          <p:cNvPr id="13" name="Rounded Rectangle 12"/>
+          <p:cNvSpPr/>
+          <p:nvPr/>
+        </p:nvSpPr>
+        <p:spPr>
+          <a:xfrm>
+            <a:off x="2221865" y="3541395"/>
+            <a:ext cx="2798445" cy="353695"/>
+          </a:xfrm>
+          <a:prstGeom prst="roundRect">
+            <a:avLst/>
+          </a:prstGeom>
+        </p:spPr>
+        <p:style>
+          <a:lnRef idx="2">
+            <a:schemeClr val="dk1">
+              <a:shade val="50000"/>
+            </a:schemeClr>
+          </a:lnRef>
+          <a:fillRef idx="1">
+            <a:schemeClr val="dk1"/>
+          </a:fillRef>
+          <a:effectRef idx="0">
+            <a:schemeClr val="dk1"/>
+          </a:effectRef>
+          <a:fontRef idx="minor">
+            <a:schemeClr val="lt1"/>
+          </a:fontRef>
+        </p:style>
+        <p:txBody>
+          <a:bodyPr rtlCol="0" anchor="ctr"/>
+          <a:p>
+            <a:pPr algn="ctr"/>
+            <a:r>
+              <a:rPr lang="x-none" altLang="fr-FR"/>
+              <a:t>Reuse distance analysis</a:t>
+            </a:r>
+            <a:endParaRPr lang="x-none" altLang="fr-FR"/>
+          </a:p>
+        </p:txBody>
+      </p:sp>
+      <p:cxnSp>
+        <p:nvCxnSpPr>
+          <p:cNvPr id="14" name="Straight Arrow Connector 13"/>
+          <p:cNvCxnSpPr/>
+          <p:nvPr/>
+        </p:nvCxnSpPr>
+        <p:spPr>
+          <a:xfrm>
+            <a:off x="2995930" y="2719070"/>
+            <a:ext cx="3810" cy="218440"/>
+          </a:xfrm>
+          <a:prstGeom prst="straightConnector1">
+            <a:avLst/>
+          </a:prstGeom>
+          <a:ln>
+            <a:tailEnd type="arrow" w="med" len="med"/>
+          </a:ln>
+        </p:spPr>
+        <p:style>
+          <a:lnRef idx="1">
+            <a:schemeClr val="dk1"/>
+          </a:lnRef>
+          <a:fillRef idx="0">
+            <a:schemeClr val="dk1"/>
+          </a:fillRef>
+          <a:effectRef idx="0">
+            <a:schemeClr val="dk1"/>
+          </a:effectRef>
+          <a:fontRef idx="minor">
+            <a:schemeClr val="tx1"/>
+          </a:fontRef>
+        </p:style>
+      </p:cxnSp>
+      <p:cxnSp>
+        <p:nvCxnSpPr>
+          <p:cNvPr id="15" name="Straight Arrow Connector 14"/>
+          <p:cNvCxnSpPr/>
+          <p:nvPr/>
+        </p:nvCxnSpPr>
+        <p:spPr>
+          <a:xfrm>
+            <a:off x="4189730" y="2708910"/>
+            <a:ext cx="3810" cy="218440"/>
+          </a:xfrm>
+          <a:prstGeom prst="straightConnector1">
+            <a:avLst/>
+          </a:prstGeom>
+          <a:ln w="19050">
+            <a:tailEnd type="arrow" w="med" len="med"/>
+          </a:ln>
+        </p:spPr>
+        <p:style>
+          <a:lnRef idx="1">
+            <a:schemeClr val="dk1"/>
+          </a:lnRef>
+          <a:fillRef idx="0">
+            <a:schemeClr val="dk1"/>
+          </a:fillRef>
+          <a:effectRef idx="0">
+            <a:schemeClr val="dk1"/>
+          </a:effectRef>
+          <a:fontRef idx="minor">
+            <a:schemeClr val="tx1"/>
+          </a:fontRef>
+        </p:style>
+      </p:cxnSp>
+      <p:cxnSp>
+        <p:nvCxnSpPr>
+          <p:cNvPr id="16" name="Straight Arrow Connector 15"/>
+          <p:cNvCxnSpPr/>
+          <p:nvPr/>
+        </p:nvCxnSpPr>
+        <p:spPr>
+          <a:xfrm>
+            <a:off x="2978150" y="3348990"/>
+            <a:ext cx="3810" cy="218440"/>
+          </a:xfrm>
+          <a:prstGeom prst="straightConnector1">
+            <a:avLst/>
+          </a:prstGeom>
+          <a:ln>
+            <a:tailEnd type="arrow" w="med" len="med"/>
+          </a:ln>
+        </p:spPr>
+        <p:style>
+          <a:lnRef idx="1">
+            <a:schemeClr val="dk1"/>
+          </a:lnRef>
+          <a:fillRef idx="0">
+            <a:schemeClr val="dk1"/>
+          </a:fillRef>
+          <a:effectRef idx="0">
+            <a:schemeClr val="dk1"/>
+          </a:effectRef>
+          <a:fontRef idx="minor">
+            <a:schemeClr val="tx1"/>
+          </a:fontRef>
+        </p:style>
+      </p:cxnSp>
+      <p:cxnSp>
+        <p:nvCxnSpPr>
+          <p:cNvPr id="17" name="Straight Arrow Connector 16"/>
+          <p:cNvCxnSpPr/>
+          <p:nvPr/>
+        </p:nvCxnSpPr>
+        <p:spPr>
+          <a:xfrm>
+            <a:off x="4212590" y="3333750"/>
+            <a:ext cx="3810" cy="218440"/>
+          </a:xfrm>
+          <a:prstGeom prst="straightConnector1">
+            <a:avLst/>
+          </a:prstGeom>
+          <a:ln>
+            <a:tailEnd type="arrow" w="med" len="med"/>
+          </a:ln>
+        </p:spPr>
+        <p:style>
+          <a:lnRef idx="1">
+            <a:schemeClr val="dk1"/>
+          </a:lnRef>
+          <a:fillRef idx="0">
+            <a:schemeClr val="dk1"/>
+          </a:fillRef>
+          <a:effectRef idx="0">
+            <a:schemeClr val="dk1"/>
+          </a:effectRef>
+          <a:fontRef idx="minor">
+            <a:schemeClr val="tx1"/>
+          </a:fontRef>
+        </p:style>
+      </p:cxnSp>
+      <p:sp>
+        <p:nvSpPr>
+          <p:cNvPr id="18" name="TextBox 17"/>
+          <p:cNvSpPr txBox="1"/>
+          <p:nvPr/>
+        </p:nvSpPr>
+        <p:spPr>
+          <a:xfrm>
+            <a:off x="5006975" y="1866900"/>
+            <a:ext cx="3344545" cy="927735"/>
+          </a:xfrm>
+          <a:prstGeom prst="rect">
+            <a:avLst/>
+          </a:prstGeom>
+          <a:noFill/>
+        </p:spPr>
+        <p:txBody>
+          <a:bodyPr wrap="square" rtlCol="0">
+            <a:spAutoFit/>
+          </a:bodyPr>
+          <a:p>
+            <a:r>
+              <a:rPr lang="x-none" altLang="fr-FR"/>
+              <a:t>Detection of: </a:t>
+            </a:r>
+            <a:endParaRPr lang="x-none" altLang="fr-FR"/>
+          </a:p>
+          <a:p>
+            <a:r>
+              <a:rPr lang="x-none" altLang="fr-FR"/>
+              <a:t>- Strictly Read-only data </a:t>
+            </a:r>
+            <a:endParaRPr lang="x-none" altLang="fr-FR"/>
+          </a:p>
+          <a:p>
+            <a:r>
+              <a:rPr lang="x-none" altLang="fr-FR"/>
+              <a:t>- Important read-only phases</a:t>
+            </a:r>
+            <a:endParaRPr lang="x-none" altLang="fr-FR"/>
+          </a:p>
+        </p:txBody>
+      </p:sp>
+      <p:sp>
+        <p:nvSpPr>
+          <p:cNvPr id="19" name="Right Arrow 18"/>
+          <p:cNvSpPr/>
+          <p:nvPr/>
+        </p:nvSpPr>
+        <p:spPr>
+          <a:xfrm>
+            <a:off x="4808220" y="2236470"/>
+            <a:ext cx="198120" cy="182880"/>
+          </a:xfrm>
+          <a:prstGeom prst="rightArrow">
+            <a:avLst/>
+          </a:prstGeom>
+          <a:ln>
+            <a:solidFill>
+              <a:schemeClr val="tx1"/>
+            </a:solidFill>
+          </a:ln>
+        </p:spPr>
+        <p:style>
+          <a:lnRef idx="2">
+            <a:schemeClr val="accent3">
+              <a:shade val="50000"/>
+            </a:schemeClr>
+          </a:lnRef>
+          <a:fillRef idx="1">
+            <a:schemeClr val="accent3"/>
+          </a:fillRef>
+          <a:effectRef idx="0">
+            <a:schemeClr val="accent3"/>
+          </a:effectRef>
+          <a:fontRef idx="minor">
+            <a:schemeClr val="lt1"/>
+          </a:fontRef>
+        </p:style>
+        <p:txBody>
+          <a:bodyPr rtlCol="0" anchor="ctr"/>
+          <a:p>
+            <a:pPr algn="ctr"/>
+            <a:endParaRPr lang="fr-FR" altLang="en-US"/>
+          </a:p>
+        </p:txBody>
+      </p:sp>
+      <p:cxnSp>
+        <p:nvCxnSpPr>
+          <p:cNvPr id="20" name="Straight Arrow Connector 19"/>
+          <p:cNvCxnSpPr/>
+          <p:nvPr/>
+        </p:nvCxnSpPr>
+        <p:spPr>
+          <a:xfrm flipH="1">
+            <a:off x="3638550" y="1174750"/>
+            <a:ext cx="1270" cy="241300"/>
+          </a:xfrm>
+          <a:prstGeom prst="straightConnector1">
+            <a:avLst/>
+          </a:prstGeom>
+          <a:ln w="19050">
+            <a:tailEnd type="arrow" w="med" len="med"/>
+          </a:ln>
+        </p:spPr>
+        <p:style>
+          <a:lnRef idx="1">
+            <a:schemeClr val="dk1"/>
+          </a:lnRef>
+          <a:fillRef idx="0">
+            <a:schemeClr val="dk1"/>
+          </a:fillRef>
+          <a:effectRef idx="0">
+            <a:schemeClr val="dk1"/>
+          </a:effectRef>
+          <a:fontRef idx="minor">
+            <a:schemeClr val="tx1"/>
+          </a:fontRef>
+        </p:style>
+      </p:cxnSp>
+      <p:cxnSp>
+        <p:nvCxnSpPr>
+          <p:cNvPr id="21" name="Straight Arrow Connector 20"/>
+          <p:cNvCxnSpPr/>
+          <p:nvPr/>
+        </p:nvCxnSpPr>
+        <p:spPr>
+          <a:xfrm>
+            <a:off x="3638550" y="1837690"/>
+            <a:ext cx="3810" cy="218440"/>
+          </a:xfrm>
+          <a:prstGeom prst="straightConnector1">
+            <a:avLst/>
+          </a:prstGeom>
+          <a:ln w="19050">
+            <a:tailEnd type="arrow" w="med" len="med"/>
+          </a:ln>
+        </p:spPr>
+        <p:style>
+          <a:lnRef idx="1">
+            <a:schemeClr val="dk1"/>
+          </a:lnRef>
+          <a:fillRef idx="0">
+            <a:schemeClr val="dk1"/>
+          </a:fillRef>
+          <a:effectRef idx="0">
+            <a:schemeClr val="dk1"/>
+          </a:effectRef>
+          <a:fontRef idx="minor">
+            <a:schemeClr val="tx1"/>
+          </a:fontRef>
+        </p:style>
+      </p:cxnSp>
+      <p:cxnSp>
+        <p:nvCxnSpPr>
+          <p:cNvPr id="22" name="Straight Arrow Connector 21"/>
+          <p:cNvCxnSpPr/>
+          <p:nvPr/>
+        </p:nvCxnSpPr>
+        <p:spPr>
+          <a:xfrm>
+            <a:off x="2995930" y="2726690"/>
+            <a:ext cx="3810" cy="218440"/>
+          </a:xfrm>
+          <a:prstGeom prst="straightConnector1">
+            <a:avLst/>
+          </a:prstGeom>
+          <a:ln w="19050">
+            <a:tailEnd type="arrow" w="med" len="med"/>
+          </a:ln>
+        </p:spPr>
+        <p:style>
+          <a:lnRef idx="1">
+            <a:schemeClr val="dk1"/>
+          </a:lnRef>
+          <a:fillRef idx="0">
+            <a:schemeClr val="dk1"/>
+          </a:fillRef>
+          <a:effectRef idx="0">
+            <a:schemeClr val="dk1"/>
+          </a:effectRef>
+          <a:fontRef idx="minor">
+            <a:schemeClr val="tx1"/>
+          </a:fontRef>
+        </p:style>
+      </p:cxnSp>
+      <p:cxnSp>
+        <p:nvCxnSpPr>
+          <p:cNvPr id="23" name="Straight Arrow Connector 22"/>
+          <p:cNvCxnSpPr/>
+          <p:nvPr/>
+        </p:nvCxnSpPr>
+        <p:spPr>
+          <a:xfrm>
+            <a:off x="2978150" y="3356610"/>
+            <a:ext cx="3810" cy="218440"/>
+          </a:xfrm>
+          <a:prstGeom prst="straightConnector1">
+            <a:avLst/>
+          </a:prstGeom>
+          <a:ln w="19050">
+            <a:tailEnd type="arrow" w="med" len="med"/>
+          </a:ln>
+        </p:spPr>
+        <p:style>
+          <a:lnRef idx="1">
+            <a:schemeClr val="dk1"/>
+          </a:lnRef>
+          <a:fillRef idx="0">
+            <a:schemeClr val="dk1"/>
+          </a:fillRef>
+          <a:effectRef idx="0">
+            <a:schemeClr val="dk1"/>
+          </a:effectRef>
+          <a:fontRef idx="minor">
+            <a:schemeClr val="tx1"/>
+          </a:fontRef>
+        </p:style>
+      </p:cxnSp>
+      <p:cxnSp>
+        <p:nvCxnSpPr>
+          <p:cNvPr id="24" name="Straight Arrow Connector 23"/>
+          <p:cNvCxnSpPr/>
+          <p:nvPr/>
+        </p:nvCxnSpPr>
+        <p:spPr>
+          <a:xfrm>
+            <a:off x="4212590" y="3341370"/>
+            <a:ext cx="3810" cy="218440"/>
+          </a:xfrm>
+          <a:prstGeom prst="straightConnector1">
+            <a:avLst/>
+          </a:prstGeom>
+          <a:ln w="19050">
+            <a:tailEnd type="arrow" w="med" len="med"/>
+          </a:ln>
+        </p:spPr>
+        <p:style>
+          <a:lnRef idx="1">
+            <a:schemeClr val="dk1"/>
+          </a:lnRef>
+          <a:fillRef idx="0">
+            <a:schemeClr val="dk1"/>
+          </a:fillRef>
+          <a:effectRef idx="0">
+            <a:schemeClr val="dk1"/>
+          </a:effectRef>
+          <a:fontRef idx="minor">
+            <a:schemeClr val="tx1"/>
+          </a:fontRef>
+        </p:style>
+      </p:cxnSp>
+    </p:spTree>
+  </p:cSld>
+  <p:clrMapOvr>
+    <a:masterClrMapping/>
+  </p:clrMapOvr>
+</p:sld>
+</file>
+
+<file path=ppt/slides/slide13.xml><?xml version="1.0" encoding="utf-8"?>
+<p:sld xmlns:a="http://schemas.openxmlformats.org/drawingml/2006/main" xmlns:r="http://schemas.openxmlformats.org/officeDocument/2006/relationships" xmlns:p="http://schemas.openxmlformats.org/presentationml/2006/main">
+  <p:cSld>
+    <p:spTree>
+      <p:nvGrpSpPr>
+        <p:cNvPr id="1" name=""/>
+        <p:cNvGrpSpPr/>
+        <p:nvPr/>
+      </p:nvGrpSpPr>
+      <p:grpSpPr/>
+      <p:graphicFrame>
+        <p:nvGraphicFramePr>
+          <p:cNvPr id="8" name="Chart 7"/>
+          <p:cNvGraphicFramePr/>
+          <p:nvPr/>
+        </p:nvGraphicFramePr>
+        <p:xfrm>
+          <a:off x="2510790" y="1760220"/>
+          <a:ext cx="4572000" cy="2743200"/>
+        </p:xfrm>
+        <a:graphic>
+          <a:graphicData uri="http://schemas.openxmlformats.org/drawingml/2006/chart">
+            <c:chart xmlns:c="http://schemas.openxmlformats.org/drawingml/2006/chart" xmlns:r="http://schemas.openxmlformats.org/officeDocument/2006/relationships" r:id="rId1"/>
+          </a:graphicData>
+        </a:graphic>
+      </p:graphicFrame>
+    </p:spTree>
+  </p:cSld>
+  <p:clrMapOvr>
+    <a:masterClrMapping/>
+  </p:clrMapOvr>
+</p:sld>
+</file>
+
+<file path=ppt/slides/slide14.xml><?xml version="1.0" encoding="utf-8"?>
+<p:sld xmlns:a="http://schemas.openxmlformats.org/drawingml/2006/main" xmlns:r="http://schemas.openxmlformats.org/officeDocument/2006/relationships" xmlns:p="http://schemas.openxmlformats.org/presentationml/2006/main">
+  <p:cSld>
+    <p:spTree>
+      <p:nvGrpSpPr>
+        <p:cNvPr id="1" name=""/>
+        <p:cNvGrpSpPr/>
+        <p:nvPr/>
+      </p:nvGrpSpPr>
+      <p:grpSpPr/>
+      <p:graphicFrame>
+        <p:nvGraphicFramePr>
+          <p:cNvPr id="5" name="Chart 4"/>
+          <p:cNvGraphicFramePr/>
+          <p:nvPr/>
+        </p:nvGraphicFramePr>
+        <p:xfrm>
+          <a:off x="3819525" y="2047875"/>
+          <a:ext cx="4572000" cy="2743200"/>
+        </p:xfrm>
+        <a:graphic>
+          <a:graphicData uri="http://schemas.openxmlformats.org/drawingml/2006/chart">
+            <c:chart xmlns:c="http://schemas.openxmlformats.org/drawingml/2006/chart" xmlns:r="http://schemas.openxmlformats.org/officeDocument/2006/relationships" r:id="rId1"/>
+          </a:graphicData>
+        </a:graphic>
+      </p:graphicFrame>
     </p:spTree>
   </p:cSld>
   <p:clrMapOvr>
@@ -17600,64 +20880,6 @@
       </p:sp>
       <p:cxnSp>
         <p:nvCxnSpPr>
-          <p:cNvPr id="96" name="Connecteur droit 95"/>
-          <p:cNvCxnSpPr/>
-          <p:nvPr/>
-        </p:nvCxnSpPr>
-        <p:spPr>
-          <a:xfrm>
-            <a:off x="5867762" y="620513"/>
-            <a:ext cx="0" cy="5816055"/>
-          </a:xfrm>
-          <a:prstGeom prst="line">
-            <a:avLst/>
-          </a:prstGeom>
-          <a:noFill/>
-          <a:ln w="19050" cap="flat" cmpd="sng" algn="ctr">
-            <a:solidFill>
-              <a:sysClr val="windowText" lastClr="000000">
-                <a:shade val="95000"/>
-                <a:satMod val="105000"/>
-              </a:sysClr>
-            </a:solidFill>
-            <a:prstDash val="dash"/>
-            <a:headEnd type="none" w="med" len="med"/>
-            <a:tailEnd type="none" w="med" len="med"/>
-          </a:ln>
-          <a:effectLst/>
-        </p:spPr>
-      </p:cxnSp>
-      <p:cxnSp>
-        <p:nvCxnSpPr>
-          <p:cNvPr id="97" name="Connecteur droit 96"/>
-          <p:cNvCxnSpPr/>
-          <p:nvPr/>
-        </p:nvCxnSpPr>
-        <p:spPr>
-          <a:xfrm>
-            <a:off x="1622293" y="3455212"/>
-            <a:ext cx="8478339" cy="0"/>
-          </a:xfrm>
-          <a:prstGeom prst="line">
-            <a:avLst/>
-          </a:prstGeom>
-          <a:noFill/>
-          <a:ln w="19050" cap="flat" cmpd="sng" algn="ctr">
-            <a:solidFill>
-              <a:sysClr val="windowText" lastClr="000000">
-                <a:shade val="95000"/>
-                <a:satMod val="105000"/>
-              </a:sysClr>
-            </a:solidFill>
-            <a:prstDash val="dash"/>
-            <a:headEnd type="none" w="med" len="med"/>
-            <a:tailEnd type="none" w="med" len="med"/>
-          </a:ln>
-          <a:effectLst/>
-        </p:spPr>
-      </p:cxnSp>
-      <p:cxnSp>
-        <p:nvCxnSpPr>
           <p:cNvPr id="98" name="Connecteur en angle 97"/>
           <p:cNvCxnSpPr/>
           <p:nvPr/>
@@ -18038,1109 +21260,6 @@
       </p:sp>
       <p:sp>
         <p:nvSpPr>
-          <p:cNvPr id="102" name="Rectangle 101"/>
-          <p:cNvSpPr/>
-          <p:nvPr/>
-        </p:nvSpPr>
-        <p:spPr>
-          <a:xfrm>
-            <a:off x="6808627" y="4049534"/>
-            <a:ext cx="899437" cy="506195"/>
-          </a:xfrm>
-          <a:prstGeom prst="rect">
-            <a:avLst/>
-          </a:prstGeom>
-          <a:solidFill>
-            <a:sysClr val="window" lastClr="FFFFFF">
-              <a:lumMod val="75000"/>
-            </a:sysClr>
-          </a:solidFill>
-          <a:ln w="25400" cap="flat" cmpd="sng" algn="ctr">
-            <a:solidFill>
-              <a:sysClr val="windowText" lastClr="000000"/>
-            </a:solidFill>
-            <a:prstDash val="solid"/>
-          </a:ln>
-          <a:effectLst/>
-        </p:spPr>
-        <p:txBody>
-          <a:bodyPr rtlCol="0" anchor="ctr"/>
-          <a:lstStyle>
-            <a:defPPr>
-              <a:defRPr lang="fr-FR"/>
-            </a:defPPr>
-            <a:lvl1pPr marL="0" algn="l" defTabSz="914400" rtl="0" eaLnBrk="1" latinLnBrk="0" hangingPunct="1">
-              <a:defRPr sz="1800" kern="1200">
-                <a:solidFill>
-                  <a:schemeClr val="lt1"/>
-                </a:solidFill>
-                <a:latin typeface="+mn-lt"/>
-                <a:ea typeface="+mn-ea"/>
-                <a:cs typeface="+mn-cs"/>
-              </a:defRPr>
-            </a:lvl1pPr>
-            <a:lvl2pPr marL="457200" algn="l" defTabSz="914400" rtl="0" eaLnBrk="1" latinLnBrk="0" hangingPunct="1">
-              <a:defRPr sz="1800" kern="1200">
-                <a:solidFill>
-                  <a:schemeClr val="lt1"/>
-                </a:solidFill>
-                <a:latin typeface="+mn-lt"/>
-                <a:ea typeface="+mn-ea"/>
-                <a:cs typeface="+mn-cs"/>
-              </a:defRPr>
-            </a:lvl2pPr>
-            <a:lvl3pPr marL="914400" algn="l" defTabSz="914400" rtl="0" eaLnBrk="1" latinLnBrk="0" hangingPunct="1">
-              <a:defRPr sz="1800" kern="1200">
-                <a:solidFill>
-                  <a:schemeClr val="lt1"/>
-                </a:solidFill>
-                <a:latin typeface="+mn-lt"/>
-                <a:ea typeface="+mn-ea"/>
-                <a:cs typeface="+mn-cs"/>
-              </a:defRPr>
-            </a:lvl3pPr>
-            <a:lvl4pPr marL="1371600" algn="l" defTabSz="914400" rtl="0" eaLnBrk="1" latinLnBrk="0" hangingPunct="1">
-              <a:defRPr sz="1800" kern="1200">
-                <a:solidFill>
-                  <a:schemeClr val="lt1"/>
-                </a:solidFill>
-                <a:latin typeface="+mn-lt"/>
-                <a:ea typeface="+mn-ea"/>
-                <a:cs typeface="+mn-cs"/>
-              </a:defRPr>
-            </a:lvl4pPr>
-            <a:lvl5pPr marL="1828800" algn="l" defTabSz="914400" rtl="0" eaLnBrk="1" latinLnBrk="0" hangingPunct="1">
-              <a:defRPr sz="1800" kern="1200">
-                <a:solidFill>
-                  <a:schemeClr val="lt1"/>
-                </a:solidFill>
-                <a:latin typeface="+mn-lt"/>
-                <a:ea typeface="+mn-ea"/>
-                <a:cs typeface="+mn-cs"/>
-              </a:defRPr>
-            </a:lvl5pPr>
-            <a:lvl6pPr marL="2286000" algn="l" defTabSz="914400" rtl="0" eaLnBrk="1" latinLnBrk="0" hangingPunct="1">
-              <a:defRPr sz="1800" kern="1200">
-                <a:solidFill>
-                  <a:schemeClr val="lt1"/>
-                </a:solidFill>
-                <a:latin typeface="+mn-lt"/>
-                <a:ea typeface="+mn-ea"/>
-                <a:cs typeface="+mn-cs"/>
-              </a:defRPr>
-            </a:lvl6pPr>
-            <a:lvl7pPr marL="2743200" algn="l" defTabSz="914400" rtl="0" eaLnBrk="1" latinLnBrk="0" hangingPunct="1">
-              <a:defRPr sz="1800" kern="1200">
-                <a:solidFill>
-                  <a:schemeClr val="lt1"/>
-                </a:solidFill>
-                <a:latin typeface="+mn-lt"/>
-                <a:ea typeface="+mn-ea"/>
-                <a:cs typeface="+mn-cs"/>
-              </a:defRPr>
-            </a:lvl7pPr>
-            <a:lvl8pPr marL="3200400" algn="l" defTabSz="914400" rtl="0" eaLnBrk="1" latinLnBrk="0" hangingPunct="1">
-              <a:defRPr sz="1800" kern="1200">
-                <a:solidFill>
-                  <a:schemeClr val="lt1"/>
-                </a:solidFill>
-                <a:latin typeface="+mn-lt"/>
-                <a:ea typeface="+mn-ea"/>
-                <a:cs typeface="+mn-cs"/>
-              </a:defRPr>
-            </a:lvl8pPr>
-            <a:lvl9pPr marL="3657600" algn="l" defTabSz="914400" rtl="0" eaLnBrk="1" latinLnBrk="0" hangingPunct="1">
-              <a:defRPr sz="1800" kern="1200">
-                <a:solidFill>
-                  <a:schemeClr val="lt1"/>
-                </a:solidFill>
-                <a:latin typeface="+mn-lt"/>
-                <a:ea typeface="+mn-ea"/>
-                <a:cs typeface="+mn-cs"/>
-              </a:defRPr>
-            </a:lvl9pPr>
-          </a:lstStyle>
-          <a:p>
-            <a:pPr marL="0" marR="0" lvl="0" indent="0" algn="ctr" defTabSz="914400" rtl="0" eaLnBrk="1" fontAlgn="base" latinLnBrk="0" hangingPunct="1">
-              <a:lnSpc>
-                <a:spcPct val="100000"/>
-              </a:lnSpc>
-              <a:spcBef>
-                <a:spcPct val="0"/>
-              </a:spcBef>
-              <a:spcAft>
-                <a:spcPct val="0"/>
-              </a:spcAft>
-              <a:buClrTx/>
-              <a:buSzTx/>
-              <a:buFontTx/>
-              <a:buNone/>
-              <a:defRPr/>
-            </a:pPr>
-            <a:r>
-              <a:rPr kumimoji="0" lang="fr-FR" sz="2400" b="1" i="0" u="none" strike="noStrike" kern="1200" cap="none" spc="0" normalizeH="0" baseline="0" noProof="0" dirty="0">
-                <a:ln>
-                  <a:noFill/>
-                </a:ln>
-                <a:solidFill>
-                  <a:prstClr val="black"/>
-                </a:solidFill>
-                <a:effectLst/>
-                <a:uLnTx/>
-                <a:uFillTx/>
-                <a:latin typeface="Calibri"/>
-                <a:ea typeface="+mn-ea"/>
-                <a:cs typeface="+mn-cs"/>
-              </a:rPr>
-              <a:t>L1D</a:t>
-            </a:r>
-          </a:p>
-        </p:txBody>
-      </p:sp>
-      <p:sp>
-        <p:nvSpPr>
-          <p:cNvPr id="103" name="Rectangle 102"/>
-          <p:cNvSpPr/>
-          <p:nvPr/>
-        </p:nvSpPr>
-        <p:spPr>
-          <a:xfrm>
-            <a:off x="8149806" y="4049534"/>
-            <a:ext cx="899437" cy="506195"/>
-          </a:xfrm>
-          <a:prstGeom prst="rect">
-            <a:avLst/>
-          </a:prstGeom>
-          <a:solidFill>
-            <a:sysClr val="window" lastClr="FFFFFF">
-              <a:lumMod val="75000"/>
-            </a:sysClr>
-          </a:solidFill>
-          <a:ln w="25400" cap="flat" cmpd="sng" algn="ctr">
-            <a:solidFill>
-              <a:sysClr val="windowText" lastClr="000000"/>
-            </a:solidFill>
-            <a:prstDash val="solid"/>
-          </a:ln>
-          <a:effectLst/>
-        </p:spPr>
-        <p:txBody>
-          <a:bodyPr rtlCol="0" anchor="ctr"/>
-          <a:lstStyle>
-            <a:defPPr>
-              <a:defRPr lang="fr-FR"/>
-            </a:defPPr>
-            <a:lvl1pPr marL="0" algn="l" defTabSz="914400" rtl="0" eaLnBrk="1" latinLnBrk="0" hangingPunct="1">
-              <a:defRPr sz="1800" kern="1200">
-                <a:solidFill>
-                  <a:schemeClr val="lt1"/>
-                </a:solidFill>
-                <a:latin typeface="+mn-lt"/>
-                <a:ea typeface="+mn-ea"/>
-                <a:cs typeface="+mn-cs"/>
-              </a:defRPr>
-            </a:lvl1pPr>
-            <a:lvl2pPr marL="457200" algn="l" defTabSz="914400" rtl="0" eaLnBrk="1" latinLnBrk="0" hangingPunct="1">
-              <a:defRPr sz="1800" kern="1200">
-                <a:solidFill>
-                  <a:schemeClr val="lt1"/>
-                </a:solidFill>
-                <a:latin typeface="+mn-lt"/>
-                <a:ea typeface="+mn-ea"/>
-                <a:cs typeface="+mn-cs"/>
-              </a:defRPr>
-            </a:lvl2pPr>
-            <a:lvl3pPr marL="914400" algn="l" defTabSz="914400" rtl="0" eaLnBrk="1" latinLnBrk="0" hangingPunct="1">
-              <a:defRPr sz="1800" kern="1200">
-                <a:solidFill>
-                  <a:schemeClr val="lt1"/>
-                </a:solidFill>
-                <a:latin typeface="+mn-lt"/>
-                <a:ea typeface="+mn-ea"/>
-                <a:cs typeface="+mn-cs"/>
-              </a:defRPr>
-            </a:lvl3pPr>
-            <a:lvl4pPr marL="1371600" algn="l" defTabSz="914400" rtl="0" eaLnBrk="1" latinLnBrk="0" hangingPunct="1">
-              <a:defRPr sz="1800" kern="1200">
-                <a:solidFill>
-                  <a:schemeClr val="lt1"/>
-                </a:solidFill>
-                <a:latin typeface="+mn-lt"/>
-                <a:ea typeface="+mn-ea"/>
-                <a:cs typeface="+mn-cs"/>
-              </a:defRPr>
-            </a:lvl4pPr>
-            <a:lvl5pPr marL="1828800" algn="l" defTabSz="914400" rtl="0" eaLnBrk="1" latinLnBrk="0" hangingPunct="1">
-              <a:defRPr sz="1800" kern="1200">
-                <a:solidFill>
-                  <a:schemeClr val="lt1"/>
-                </a:solidFill>
-                <a:latin typeface="+mn-lt"/>
-                <a:ea typeface="+mn-ea"/>
-                <a:cs typeface="+mn-cs"/>
-              </a:defRPr>
-            </a:lvl5pPr>
-            <a:lvl6pPr marL="2286000" algn="l" defTabSz="914400" rtl="0" eaLnBrk="1" latinLnBrk="0" hangingPunct="1">
-              <a:defRPr sz="1800" kern="1200">
-                <a:solidFill>
-                  <a:schemeClr val="lt1"/>
-                </a:solidFill>
-                <a:latin typeface="+mn-lt"/>
-                <a:ea typeface="+mn-ea"/>
-                <a:cs typeface="+mn-cs"/>
-              </a:defRPr>
-            </a:lvl6pPr>
-            <a:lvl7pPr marL="2743200" algn="l" defTabSz="914400" rtl="0" eaLnBrk="1" latinLnBrk="0" hangingPunct="1">
-              <a:defRPr sz="1800" kern="1200">
-                <a:solidFill>
-                  <a:schemeClr val="lt1"/>
-                </a:solidFill>
-                <a:latin typeface="+mn-lt"/>
-                <a:ea typeface="+mn-ea"/>
-                <a:cs typeface="+mn-cs"/>
-              </a:defRPr>
-            </a:lvl7pPr>
-            <a:lvl8pPr marL="3200400" algn="l" defTabSz="914400" rtl="0" eaLnBrk="1" latinLnBrk="0" hangingPunct="1">
-              <a:defRPr sz="1800" kern="1200">
-                <a:solidFill>
-                  <a:schemeClr val="lt1"/>
-                </a:solidFill>
-                <a:latin typeface="+mn-lt"/>
-                <a:ea typeface="+mn-ea"/>
-                <a:cs typeface="+mn-cs"/>
-              </a:defRPr>
-            </a:lvl8pPr>
-            <a:lvl9pPr marL="3657600" algn="l" defTabSz="914400" rtl="0" eaLnBrk="1" latinLnBrk="0" hangingPunct="1">
-              <a:defRPr sz="1800" kern="1200">
-                <a:solidFill>
-                  <a:schemeClr val="lt1"/>
-                </a:solidFill>
-                <a:latin typeface="+mn-lt"/>
-                <a:ea typeface="+mn-ea"/>
-                <a:cs typeface="+mn-cs"/>
-              </a:defRPr>
-            </a:lvl9pPr>
-          </a:lstStyle>
-          <a:p>
-            <a:pPr marL="0" marR="0" lvl="0" indent="0" algn="ctr" defTabSz="914400" rtl="0" eaLnBrk="1" fontAlgn="base" latinLnBrk="0" hangingPunct="1">
-              <a:lnSpc>
-                <a:spcPct val="100000"/>
-              </a:lnSpc>
-              <a:spcBef>
-                <a:spcPct val="0"/>
-              </a:spcBef>
-              <a:spcAft>
-                <a:spcPct val="0"/>
-              </a:spcAft>
-              <a:buClrTx/>
-              <a:buSzTx/>
-              <a:buFontTx/>
-              <a:buNone/>
-              <a:defRPr/>
-            </a:pPr>
-            <a:r>
-              <a:rPr kumimoji="0" lang="fr-FR" sz="2400" b="1" i="0" u="none" strike="noStrike" kern="1200" cap="none" spc="0" normalizeH="0" baseline="0" noProof="0" dirty="0">
-                <a:ln>
-                  <a:noFill/>
-                </a:ln>
-                <a:solidFill>
-                  <a:prstClr val="black"/>
-                </a:solidFill>
-                <a:effectLst/>
-                <a:uLnTx/>
-                <a:uFillTx/>
-                <a:latin typeface="Calibri"/>
-                <a:ea typeface="+mn-ea"/>
-                <a:cs typeface="+mn-cs"/>
-              </a:rPr>
-              <a:t>L1D</a:t>
-            </a:r>
-          </a:p>
-        </p:txBody>
-      </p:sp>
-      <p:cxnSp>
-        <p:nvCxnSpPr>
-          <p:cNvPr id="104" name="Connecteur droit 103"/>
-          <p:cNvCxnSpPr>
-            <a:stCxn id="102" idx="2"/>
-          </p:cNvCxnSpPr>
-          <p:nvPr/>
-        </p:nvCxnSpPr>
-        <p:spPr>
-          <a:xfrm>
-            <a:off x="7258346" y="4555729"/>
-            <a:ext cx="0" cy="282090"/>
-          </a:xfrm>
-          <a:prstGeom prst="line">
-            <a:avLst/>
-          </a:prstGeom>
-          <a:noFill/>
-          <a:ln w="38100" cap="flat" cmpd="sng" algn="ctr">
-            <a:solidFill>
-              <a:sysClr val="windowText" lastClr="000000"/>
-            </a:solidFill>
-            <a:prstDash val="solid"/>
-          </a:ln>
-          <a:effectLst/>
-        </p:spPr>
-      </p:cxnSp>
-      <p:cxnSp>
-        <p:nvCxnSpPr>
-          <p:cNvPr id="105" name="Connecteur droit 104"/>
-          <p:cNvCxnSpPr/>
-          <p:nvPr/>
-        </p:nvCxnSpPr>
-        <p:spPr>
-          <a:xfrm>
-            <a:off x="8599524" y="4560777"/>
-            <a:ext cx="0" cy="282090"/>
-          </a:xfrm>
-          <a:prstGeom prst="line">
-            <a:avLst/>
-          </a:prstGeom>
-          <a:noFill/>
-          <a:ln w="38100" cap="flat" cmpd="sng" algn="ctr">
-            <a:solidFill>
-              <a:sysClr val="windowText" lastClr="000000"/>
-            </a:solidFill>
-            <a:prstDash val="solid"/>
-          </a:ln>
-          <a:effectLst/>
-        </p:spPr>
-      </p:cxnSp>
-      <p:cxnSp>
-        <p:nvCxnSpPr>
-          <p:cNvPr id="106" name="Connecteur droit 105"/>
-          <p:cNvCxnSpPr/>
-          <p:nvPr/>
-        </p:nvCxnSpPr>
-        <p:spPr>
-          <a:xfrm>
-            <a:off x="7406698" y="5095583"/>
-            <a:ext cx="0" cy="212217"/>
-          </a:xfrm>
-          <a:prstGeom prst="line">
-            <a:avLst/>
-          </a:prstGeom>
-          <a:noFill/>
-          <a:ln w="38100" cap="flat" cmpd="sng" algn="ctr">
-            <a:solidFill>
-              <a:sysClr val="windowText" lastClr="000000"/>
-            </a:solidFill>
-            <a:prstDash val="solid"/>
-          </a:ln>
-          <a:effectLst/>
-        </p:spPr>
-      </p:cxnSp>
-      <p:sp>
-        <p:nvSpPr>
-          <p:cNvPr id="107" name="Rectangle 106"/>
-          <p:cNvSpPr/>
-          <p:nvPr/>
-        </p:nvSpPr>
-        <p:spPr>
-          <a:xfrm>
-            <a:off x="6136626" y="4796189"/>
-            <a:ext cx="3509811" cy="299394"/>
-          </a:xfrm>
-          <a:prstGeom prst="rect">
-            <a:avLst/>
-          </a:prstGeom>
-          <a:solidFill>
-            <a:sysClr val="windowText" lastClr="000000"/>
-          </a:solidFill>
-          <a:ln w="9525" cap="flat" cmpd="sng" algn="ctr">
-            <a:solidFill>
-              <a:sysClr val="windowText" lastClr="000000"/>
-            </a:solidFill>
-            <a:prstDash val="solid"/>
-          </a:ln>
-          <a:effectLst>
-            <a:outerShdw blurRad="40000" dist="23000" dir="5400000" rotWithShape="0">
-              <a:srgbClr val="000000">
-                <a:alpha val="35000"/>
-              </a:srgbClr>
-            </a:outerShdw>
-          </a:effectLst>
-        </p:spPr>
-        <p:txBody>
-          <a:bodyPr rtlCol="0" anchor="ctr"/>
-          <a:lstStyle/>
-          <a:p>
-            <a:pPr lvl="0" algn="ctr" fontAlgn="base">
-              <a:spcBef>
-                <a:spcPct val="0"/>
-              </a:spcBef>
-              <a:spcAft>
-                <a:spcPct val="0"/>
-              </a:spcAft>
-            </a:pPr>
-            <a:r>
-              <a:rPr lang="fr-FR" kern="0" dirty="0" err="1">
-                <a:solidFill>
-                  <a:prstClr val="white"/>
-                </a:solidFill>
-              </a:rPr>
-              <a:t>Interconnection</a:t>
-            </a:r>
-            <a:r>
-              <a:rPr lang="fr-FR" kern="0" dirty="0">
-                <a:solidFill>
-                  <a:prstClr val="white"/>
-                </a:solidFill>
-              </a:rPr>
-              <a:t> </a:t>
-            </a:r>
-            <a:r>
-              <a:rPr kumimoji="0" lang="fr-FR" sz="1800" b="0" i="0" u="none" strike="noStrike" kern="0" cap="none" spc="0" normalizeH="0" baseline="0" noProof="0" dirty="0" smtClean="0">
-                <a:ln>
-                  <a:noFill/>
-                </a:ln>
-                <a:solidFill>
-                  <a:prstClr val="white"/>
-                </a:solidFill>
-                <a:effectLst/>
-                <a:uLnTx/>
-                <a:uFillTx/>
-                <a:latin typeface="Calibri"/>
-                <a:ea typeface="+mn-ea"/>
-                <a:cs typeface="+mn-cs"/>
-              </a:rPr>
-              <a:t>network</a:t>
-            </a:r>
-          </a:p>
-        </p:txBody>
-      </p:sp>
-      <p:sp>
-        <p:nvSpPr>
-          <p:cNvPr id="108" name="Rectangle à coins arrondis 107"/>
-          <p:cNvSpPr/>
-          <p:nvPr/>
-        </p:nvSpPr>
-        <p:spPr>
-          <a:xfrm>
-            <a:off x="6133643" y="5337236"/>
-            <a:ext cx="2063693" cy="729496"/>
-          </a:xfrm>
-          <a:prstGeom prst="roundRect">
-            <a:avLst/>
-          </a:prstGeom>
-          <a:solidFill>
-            <a:sysClr val="window" lastClr="FFFFFF">
-              <a:lumMod val="50000"/>
-            </a:sysClr>
-          </a:solidFill>
-          <a:ln w="25400" cap="flat" cmpd="sng" algn="ctr">
-            <a:solidFill>
-              <a:sysClr val="windowText" lastClr="000000"/>
-            </a:solidFill>
-            <a:prstDash val="dash"/>
-          </a:ln>
-          <a:effectLst/>
-        </p:spPr>
-        <p:txBody>
-          <a:bodyPr rtlCol="0" anchor="ctr"/>
-          <a:lstStyle>
-            <a:defPPr>
-              <a:defRPr lang="fr-FR"/>
-            </a:defPPr>
-            <a:lvl1pPr marL="0" algn="l" defTabSz="914400" rtl="0" eaLnBrk="1" latinLnBrk="0" hangingPunct="1">
-              <a:defRPr sz="1800" kern="1200">
-                <a:solidFill>
-                  <a:schemeClr val="lt1"/>
-                </a:solidFill>
-                <a:latin typeface="+mn-lt"/>
-                <a:ea typeface="+mn-ea"/>
-                <a:cs typeface="+mn-cs"/>
-              </a:defRPr>
-            </a:lvl1pPr>
-            <a:lvl2pPr marL="457200" algn="l" defTabSz="914400" rtl="0" eaLnBrk="1" latinLnBrk="0" hangingPunct="1">
-              <a:defRPr sz="1800" kern="1200">
-                <a:solidFill>
-                  <a:schemeClr val="lt1"/>
-                </a:solidFill>
-                <a:latin typeface="+mn-lt"/>
-                <a:ea typeface="+mn-ea"/>
-                <a:cs typeface="+mn-cs"/>
-              </a:defRPr>
-            </a:lvl2pPr>
-            <a:lvl3pPr marL="914400" algn="l" defTabSz="914400" rtl="0" eaLnBrk="1" latinLnBrk="0" hangingPunct="1">
-              <a:defRPr sz="1800" kern="1200">
-                <a:solidFill>
-                  <a:schemeClr val="lt1"/>
-                </a:solidFill>
-                <a:latin typeface="+mn-lt"/>
-                <a:ea typeface="+mn-ea"/>
-                <a:cs typeface="+mn-cs"/>
-              </a:defRPr>
-            </a:lvl3pPr>
-            <a:lvl4pPr marL="1371600" algn="l" defTabSz="914400" rtl="0" eaLnBrk="1" latinLnBrk="0" hangingPunct="1">
-              <a:defRPr sz="1800" kern="1200">
-                <a:solidFill>
-                  <a:schemeClr val="lt1"/>
-                </a:solidFill>
-                <a:latin typeface="+mn-lt"/>
-                <a:ea typeface="+mn-ea"/>
-                <a:cs typeface="+mn-cs"/>
-              </a:defRPr>
-            </a:lvl4pPr>
-            <a:lvl5pPr marL="1828800" algn="l" defTabSz="914400" rtl="0" eaLnBrk="1" latinLnBrk="0" hangingPunct="1">
-              <a:defRPr sz="1800" kern="1200">
-                <a:solidFill>
-                  <a:schemeClr val="lt1"/>
-                </a:solidFill>
-                <a:latin typeface="+mn-lt"/>
-                <a:ea typeface="+mn-ea"/>
-                <a:cs typeface="+mn-cs"/>
-              </a:defRPr>
-            </a:lvl5pPr>
-            <a:lvl6pPr marL="2286000" algn="l" defTabSz="914400" rtl="0" eaLnBrk="1" latinLnBrk="0" hangingPunct="1">
-              <a:defRPr sz="1800" kern="1200">
-                <a:solidFill>
-                  <a:schemeClr val="lt1"/>
-                </a:solidFill>
-                <a:latin typeface="+mn-lt"/>
-                <a:ea typeface="+mn-ea"/>
-                <a:cs typeface="+mn-cs"/>
-              </a:defRPr>
-            </a:lvl6pPr>
-            <a:lvl7pPr marL="2743200" algn="l" defTabSz="914400" rtl="0" eaLnBrk="1" latinLnBrk="0" hangingPunct="1">
-              <a:defRPr sz="1800" kern="1200">
-                <a:solidFill>
-                  <a:schemeClr val="lt1"/>
-                </a:solidFill>
-                <a:latin typeface="+mn-lt"/>
-                <a:ea typeface="+mn-ea"/>
-                <a:cs typeface="+mn-cs"/>
-              </a:defRPr>
-            </a:lvl7pPr>
-            <a:lvl8pPr marL="3200400" algn="l" defTabSz="914400" rtl="0" eaLnBrk="1" latinLnBrk="0" hangingPunct="1">
-              <a:defRPr sz="1800" kern="1200">
-                <a:solidFill>
-                  <a:schemeClr val="lt1"/>
-                </a:solidFill>
-                <a:latin typeface="+mn-lt"/>
-                <a:ea typeface="+mn-ea"/>
-                <a:cs typeface="+mn-cs"/>
-              </a:defRPr>
-            </a:lvl8pPr>
-            <a:lvl9pPr marL="3657600" algn="l" defTabSz="914400" rtl="0" eaLnBrk="1" latinLnBrk="0" hangingPunct="1">
-              <a:defRPr sz="1800" kern="1200">
-                <a:solidFill>
-                  <a:schemeClr val="lt1"/>
-                </a:solidFill>
-                <a:latin typeface="+mn-lt"/>
-                <a:ea typeface="+mn-ea"/>
-                <a:cs typeface="+mn-cs"/>
-              </a:defRPr>
-            </a:lvl9pPr>
-          </a:lstStyle>
-          <a:p>
-            <a:pPr marL="0" marR="0" lvl="0" indent="0" algn="ctr" defTabSz="914400" rtl="0" eaLnBrk="1" fontAlgn="base" latinLnBrk="0" hangingPunct="1">
-              <a:lnSpc>
-                <a:spcPct val="100000"/>
-              </a:lnSpc>
-              <a:spcBef>
-                <a:spcPct val="0"/>
-              </a:spcBef>
-              <a:spcAft>
-                <a:spcPct val="0"/>
-              </a:spcAft>
-              <a:buClrTx/>
-              <a:buSzTx/>
-              <a:buFontTx/>
-              <a:buNone/>
-              <a:defRPr/>
-            </a:pPr>
-            <a:endParaRPr kumimoji="0" lang="fr-FR" sz="2400" b="0" i="0" u="none" strike="noStrike" kern="1200" cap="none" spc="0" normalizeH="0" baseline="0" noProof="0" dirty="0">
-              <a:ln>
-                <a:noFill/>
-              </a:ln>
-              <a:solidFill>
-                <a:prstClr val="white"/>
-              </a:solidFill>
-              <a:effectLst/>
-              <a:uLnTx/>
-              <a:uFillTx/>
-              <a:latin typeface="Calibri"/>
-              <a:ea typeface="+mn-ea"/>
-              <a:cs typeface="+mn-cs"/>
-            </a:endParaRPr>
-          </a:p>
-        </p:txBody>
-      </p:sp>
-      <p:sp>
-        <p:nvSpPr>
-          <p:cNvPr id="109" name="Rectangle 108"/>
-          <p:cNvSpPr/>
-          <p:nvPr/>
-        </p:nvSpPr>
-        <p:spPr>
-          <a:xfrm>
-            <a:off x="6195909" y="5517318"/>
-            <a:ext cx="1994007" cy="400110"/>
-          </a:xfrm>
-          <a:prstGeom prst="rect">
-            <a:avLst/>
-          </a:prstGeom>
-        </p:spPr>
-        <p:txBody>
-          <a:bodyPr wrap="none">
-            <a:spAutoFit/>
-          </a:bodyPr>
-          <a:lstStyle/>
-          <a:p>
-            <a:pPr algn="ctr" fontAlgn="base">
-              <a:spcBef>
-                <a:spcPct val="0"/>
-              </a:spcBef>
-              <a:spcAft>
-                <a:spcPct val="0"/>
-              </a:spcAft>
-            </a:pPr>
-            <a:r>
-              <a:rPr lang="fr-FR" sz="2000" b="1" dirty="0">
-                <a:solidFill>
-                  <a:prstClr val="white"/>
-                </a:solidFill>
-                <a:cs typeface="Arial" panose="02080604020202020204" charset="0"/>
-              </a:rPr>
-              <a:t>Cache L2 </a:t>
-            </a:r>
-            <a:r>
-              <a:rPr lang="fr-FR" sz="2000" b="1" dirty="0" err="1" smtClean="0">
-                <a:solidFill>
-                  <a:prstClr val="white"/>
-                </a:solidFill>
-                <a:cs typeface="Arial" panose="02080604020202020204" charset="0"/>
-              </a:rPr>
-              <a:t>Shared</a:t>
-            </a:r>
-            <a:endParaRPr lang="fr-FR" sz="2000" b="1" dirty="0">
-              <a:solidFill>
-                <a:prstClr val="white"/>
-              </a:solidFill>
-              <a:cs typeface="Arial" panose="02080604020202020204" charset="0"/>
-            </a:endParaRPr>
-          </a:p>
-        </p:txBody>
-      </p:sp>
-      <p:sp>
-        <p:nvSpPr>
-          <p:cNvPr id="110" name="Rectangle 109"/>
-          <p:cNvSpPr/>
-          <p:nvPr/>
-        </p:nvSpPr>
-        <p:spPr>
-          <a:xfrm>
-            <a:off x="8364807" y="5355139"/>
-            <a:ext cx="1261597" cy="711593"/>
-          </a:xfrm>
-          <a:prstGeom prst="rect">
-            <a:avLst/>
-          </a:prstGeom>
-          <a:solidFill>
-            <a:srgbClr val="87000A">
-              <a:lumMod val="60000"/>
-              <a:lumOff val="40000"/>
-            </a:srgbClr>
-          </a:solidFill>
-          <a:ln w="25400" cap="flat" cmpd="sng" algn="ctr">
-            <a:solidFill>
-              <a:sysClr val="windowText" lastClr="000000"/>
-            </a:solidFill>
-            <a:prstDash val="solid"/>
-          </a:ln>
-          <a:effectLst/>
-        </p:spPr>
-        <p:txBody>
-          <a:bodyPr rtlCol="0" anchor="ctr"/>
-          <a:lstStyle/>
-          <a:p>
-            <a:pPr marL="0" marR="0" lvl="0" indent="0" algn="ctr" defTabSz="914400" eaLnBrk="1" fontAlgn="base" latinLnBrk="0" hangingPunct="1">
-              <a:lnSpc>
-                <a:spcPct val="100000"/>
-              </a:lnSpc>
-              <a:spcBef>
-                <a:spcPct val="0"/>
-              </a:spcBef>
-              <a:spcAft>
-                <a:spcPct val="0"/>
-              </a:spcAft>
-              <a:buClrTx/>
-              <a:buSzTx/>
-              <a:buFontTx/>
-              <a:buNone/>
-              <a:defRPr/>
-            </a:pPr>
-            <a:r>
-              <a:rPr kumimoji="0" lang="fr-FR" sz="1800" b="1" i="0" u="none" strike="noStrike" kern="0" cap="none" spc="0" normalizeH="0" baseline="0" noProof="0" dirty="0" smtClean="0">
-                <a:ln>
-                  <a:noFill/>
-                </a:ln>
-                <a:solidFill>
-                  <a:prstClr val="white"/>
-                </a:solidFill>
-                <a:effectLst/>
-                <a:uLnTx/>
-                <a:uFillTx/>
-                <a:latin typeface="Calibri"/>
-                <a:ea typeface="+mn-ea"/>
-                <a:cs typeface="+mn-cs"/>
-              </a:rPr>
-              <a:t>RO Cache</a:t>
-            </a:r>
-          </a:p>
-        </p:txBody>
-      </p:sp>
-      <p:sp>
-        <p:nvSpPr>
-          <p:cNvPr id="111" name="Rectangle à coins arrondis 110"/>
-          <p:cNvSpPr/>
-          <p:nvPr/>
-        </p:nvSpPr>
-        <p:spPr>
-          <a:xfrm>
-            <a:off x="6786133" y="3557883"/>
-            <a:ext cx="922788" cy="491651"/>
-          </a:xfrm>
-          <a:prstGeom prst="roundRect">
-            <a:avLst/>
-          </a:prstGeom>
-          <a:solidFill>
-            <a:srgbClr val="FFFFFF">
-              <a:lumMod val="25000"/>
-            </a:srgbClr>
-          </a:solidFill>
-          <a:ln w="25400" cap="flat" cmpd="sng" algn="ctr">
-            <a:solidFill>
-              <a:sysClr val="windowText" lastClr="000000"/>
-            </a:solidFill>
-            <a:prstDash val="solid"/>
-          </a:ln>
-          <a:effectLst/>
-        </p:spPr>
-        <p:txBody>
-          <a:bodyPr rtlCol="0" anchor="ctr"/>
-          <a:lstStyle>
-            <a:defPPr>
-              <a:defRPr lang="fr-FR"/>
-            </a:defPPr>
-            <a:lvl1pPr marL="0" algn="l" defTabSz="914400" rtl="0" eaLnBrk="1" latinLnBrk="0" hangingPunct="1">
-              <a:defRPr sz="1800" kern="1200">
-                <a:solidFill>
-                  <a:schemeClr val="lt1"/>
-                </a:solidFill>
-                <a:latin typeface="+mn-lt"/>
-                <a:ea typeface="+mn-ea"/>
-                <a:cs typeface="+mn-cs"/>
-              </a:defRPr>
-            </a:lvl1pPr>
-            <a:lvl2pPr marL="457200" algn="l" defTabSz="914400" rtl="0" eaLnBrk="1" latinLnBrk="0" hangingPunct="1">
-              <a:defRPr sz="1800" kern="1200">
-                <a:solidFill>
-                  <a:schemeClr val="lt1"/>
-                </a:solidFill>
-                <a:latin typeface="+mn-lt"/>
-                <a:ea typeface="+mn-ea"/>
-                <a:cs typeface="+mn-cs"/>
-              </a:defRPr>
-            </a:lvl2pPr>
-            <a:lvl3pPr marL="914400" algn="l" defTabSz="914400" rtl="0" eaLnBrk="1" latinLnBrk="0" hangingPunct="1">
-              <a:defRPr sz="1800" kern="1200">
-                <a:solidFill>
-                  <a:schemeClr val="lt1"/>
-                </a:solidFill>
-                <a:latin typeface="+mn-lt"/>
-                <a:ea typeface="+mn-ea"/>
-                <a:cs typeface="+mn-cs"/>
-              </a:defRPr>
-            </a:lvl3pPr>
-            <a:lvl4pPr marL="1371600" algn="l" defTabSz="914400" rtl="0" eaLnBrk="1" latinLnBrk="0" hangingPunct="1">
-              <a:defRPr sz="1800" kern="1200">
-                <a:solidFill>
-                  <a:schemeClr val="lt1"/>
-                </a:solidFill>
-                <a:latin typeface="+mn-lt"/>
-                <a:ea typeface="+mn-ea"/>
-                <a:cs typeface="+mn-cs"/>
-              </a:defRPr>
-            </a:lvl4pPr>
-            <a:lvl5pPr marL="1828800" algn="l" defTabSz="914400" rtl="0" eaLnBrk="1" latinLnBrk="0" hangingPunct="1">
-              <a:defRPr sz="1800" kern="1200">
-                <a:solidFill>
-                  <a:schemeClr val="lt1"/>
-                </a:solidFill>
-                <a:latin typeface="+mn-lt"/>
-                <a:ea typeface="+mn-ea"/>
-                <a:cs typeface="+mn-cs"/>
-              </a:defRPr>
-            </a:lvl5pPr>
-            <a:lvl6pPr marL="2286000" algn="l" defTabSz="914400" rtl="0" eaLnBrk="1" latinLnBrk="0" hangingPunct="1">
-              <a:defRPr sz="1800" kern="1200">
-                <a:solidFill>
-                  <a:schemeClr val="lt1"/>
-                </a:solidFill>
-                <a:latin typeface="+mn-lt"/>
-                <a:ea typeface="+mn-ea"/>
-                <a:cs typeface="+mn-cs"/>
-              </a:defRPr>
-            </a:lvl6pPr>
-            <a:lvl7pPr marL="2743200" algn="l" defTabSz="914400" rtl="0" eaLnBrk="1" latinLnBrk="0" hangingPunct="1">
-              <a:defRPr sz="1800" kern="1200">
-                <a:solidFill>
-                  <a:schemeClr val="lt1"/>
-                </a:solidFill>
-                <a:latin typeface="+mn-lt"/>
-                <a:ea typeface="+mn-ea"/>
-                <a:cs typeface="+mn-cs"/>
-              </a:defRPr>
-            </a:lvl7pPr>
-            <a:lvl8pPr marL="3200400" algn="l" defTabSz="914400" rtl="0" eaLnBrk="1" latinLnBrk="0" hangingPunct="1">
-              <a:defRPr sz="1800" kern="1200">
-                <a:solidFill>
-                  <a:schemeClr val="lt1"/>
-                </a:solidFill>
-                <a:latin typeface="+mn-lt"/>
-                <a:ea typeface="+mn-ea"/>
-                <a:cs typeface="+mn-cs"/>
-              </a:defRPr>
-            </a:lvl8pPr>
-            <a:lvl9pPr marL="3657600" algn="l" defTabSz="914400" rtl="0" eaLnBrk="1" latinLnBrk="0" hangingPunct="1">
-              <a:defRPr sz="1800" kern="1200">
-                <a:solidFill>
-                  <a:schemeClr val="lt1"/>
-                </a:solidFill>
-                <a:latin typeface="+mn-lt"/>
-                <a:ea typeface="+mn-ea"/>
-                <a:cs typeface="+mn-cs"/>
-              </a:defRPr>
-            </a:lvl9pPr>
-          </a:lstStyle>
-          <a:p>
-            <a:pPr marL="0" marR="0" lvl="0" indent="0" algn="ctr" defTabSz="914400" rtl="0" eaLnBrk="1" fontAlgn="base" latinLnBrk="0" hangingPunct="1">
-              <a:lnSpc>
-                <a:spcPct val="100000"/>
-              </a:lnSpc>
-              <a:spcBef>
-                <a:spcPct val="0"/>
-              </a:spcBef>
-              <a:spcAft>
-                <a:spcPct val="0"/>
-              </a:spcAft>
-              <a:buClrTx/>
-              <a:buSzTx/>
-              <a:buFontTx/>
-              <a:buNone/>
-              <a:defRPr/>
-            </a:pPr>
-            <a:r>
-              <a:rPr kumimoji="0" lang="fr-FR" sz="2400" b="1" i="0" u="none" strike="noStrike" kern="1200" cap="none" spc="0" normalizeH="0" baseline="0" noProof="0" dirty="0">
-                <a:ln>
-                  <a:noFill/>
-                </a:ln>
-                <a:solidFill>
-                  <a:prstClr val="white"/>
-                </a:solidFill>
-                <a:effectLst/>
-                <a:uLnTx/>
-                <a:uFillTx/>
-                <a:latin typeface="Calibri"/>
-                <a:ea typeface="+mn-ea"/>
-                <a:cs typeface="+mn-cs"/>
-              </a:rPr>
-              <a:t>P1</a:t>
-            </a:r>
-          </a:p>
-        </p:txBody>
-      </p:sp>
-      <p:sp>
-        <p:nvSpPr>
-          <p:cNvPr id="112" name="Rectangle à coins arrondis 111"/>
-          <p:cNvSpPr/>
-          <p:nvPr/>
-        </p:nvSpPr>
-        <p:spPr>
-          <a:xfrm>
-            <a:off x="8140969" y="3560218"/>
-            <a:ext cx="922788" cy="491651"/>
-          </a:xfrm>
-          <a:prstGeom prst="roundRect">
-            <a:avLst/>
-          </a:prstGeom>
-          <a:solidFill>
-            <a:srgbClr val="FFFFFF">
-              <a:lumMod val="25000"/>
-            </a:srgbClr>
-          </a:solidFill>
-          <a:ln w="25400" cap="flat" cmpd="sng" algn="ctr">
-            <a:solidFill>
-              <a:sysClr val="windowText" lastClr="000000"/>
-            </a:solidFill>
-            <a:prstDash val="solid"/>
-          </a:ln>
-          <a:effectLst/>
-        </p:spPr>
-        <p:txBody>
-          <a:bodyPr rtlCol="0" anchor="ctr"/>
-          <a:lstStyle>
-            <a:defPPr>
-              <a:defRPr lang="fr-FR"/>
-            </a:defPPr>
-            <a:lvl1pPr marL="0" algn="l" defTabSz="914400" rtl="0" eaLnBrk="1" latinLnBrk="0" hangingPunct="1">
-              <a:defRPr sz="1800" kern="1200">
-                <a:solidFill>
-                  <a:schemeClr val="lt1"/>
-                </a:solidFill>
-                <a:latin typeface="+mn-lt"/>
-                <a:ea typeface="+mn-ea"/>
-                <a:cs typeface="+mn-cs"/>
-              </a:defRPr>
-            </a:lvl1pPr>
-            <a:lvl2pPr marL="457200" algn="l" defTabSz="914400" rtl="0" eaLnBrk="1" latinLnBrk="0" hangingPunct="1">
-              <a:defRPr sz="1800" kern="1200">
-                <a:solidFill>
-                  <a:schemeClr val="lt1"/>
-                </a:solidFill>
-                <a:latin typeface="+mn-lt"/>
-                <a:ea typeface="+mn-ea"/>
-                <a:cs typeface="+mn-cs"/>
-              </a:defRPr>
-            </a:lvl2pPr>
-            <a:lvl3pPr marL="914400" algn="l" defTabSz="914400" rtl="0" eaLnBrk="1" latinLnBrk="0" hangingPunct="1">
-              <a:defRPr sz="1800" kern="1200">
-                <a:solidFill>
-                  <a:schemeClr val="lt1"/>
-                </a:solidFill>
-                <a:latin typeface="+mn-lt"/>
-                <a:ea typeface="+mn-ea"/>
-                <a:cs typeface="+mn-cs"/>
-              </a:defRPr>
-            </a:lvl3pPr>
-            <a:lvl4pPr marL="1371600" algn="l" defTabSz="914400" rtl="0" eaLnBrk="1" latinLnBrk="0" hangingPunct="1">
-              <a:defRPr sz="1800" kern="1200">
-                <a:solidFill>
-                  <a:schemeClr val="lt1"/>
-                </a:solidFill>
-                <a:latin typeface="+mn-lt"/>
-                <a:ea typeface="+mn-ea"/>
-                <a:cs typeface="+mn-cs"/>
-              </a:defRPr>
-            </a:lvl4pPr>
-            <a:lvl5pPr marL="1828800" algn="l" defTabSz="914400" rtl="0" eaLnBrk="1" latinLnBrk="0" hangingPunct="1">
-              <a:defRPr sz="1800" kern="1200">
-                <a:solidFill>
-                  <a:schemeClr val="lt1"/>
-                </a:solidFill>
-                <a:latin typeface="+mn-lt"/>
-                <a:ea typeface="+mn-ea"/>
-                <a:cs typeface="+mn-cs"/>
-              </a:defRPr>
-            </a:lvl5pPr>
-            <a:lvl6pPr marL="2286000" algn="l" defTabSz="914400" rtl="0" eaLnBrk="1" latinLnBrk="0" hangingPunct="1">
-              <a:defRPr sz="1800" kern="1200">
-                <a:solidFill>
-                  <a:schemeClr val="lt1"/>
-                </a:solidFill>
-                <a:latin typeface="+mn-lt"/>
-                <a:ea typeface="+mn-ea"/>
-                <a:cs typeface="+mn-cs"/>
-              </a:defRPr>
-            </a:lvl6pPr>
-            <a:lvl7pPr marL="2743200" algn="l" defTabSz="914400" rtl="0" eaLnBrk="1" latinLnBrk="0" hangingPunct="1">
-              <a:defRPr sz="1800" kern="1200">
-                <a:solidFill>
-                  <a:schemeClr val="lt1"/>
-                </a:solidFill>
-                <a:latin typeface="+mn-lt"/>
-                <a:ea typeface="+mn-ea"/>
-                <a:cs typeface="+mn-cs"/>
-              </a:defRPr>
-            </a:lvl7pPr>
-            <a:lvl8pPr marL="3200400" algn="l" defTabSz="914400" rtl="0" eaLnBrk="1" latinLnBrk="0" hangingPunct="1">
-              <a:defRPr sz="1800" kern="1200">
-                <a:solidFill>
-                  <a:schemeClr val="lt1"/>
-                </a:solidFill>
-                <a:latin typeface="+mn-lt"/>
-                <a:ea typeface="+mn-ea"/>
-                <a:cs typeface="+mn-cs"/>
-              </a:defRPr>
-            </a:lvl8pPr>
-            <a:lvl9pPr marL="3657600" algn="l" defTabSz="914400" rtl="0" eaLnBrk="1" latinLnBrk="0" hangingPunct="1">
-              <a:defRPr sz="1800" kern="1200">
-                <a:solidFill>
-                  <a:schemeClr val="lt1"/>
-                </a:solidFill>
-                <a:latin typeface="+mn-lt"/>
-                <a:ea typeface="+mn-ea"/>
-                <a:cs typeface="+mn-cs"/>
-              </a:defRPr>
-            </a:lvl9pPr>
-          </a:lstStyle>
-          <a:p>
-            <a:pPr marL="0" marR="0" lvl="0" indent="0" algn="ctr" defTabSz="914400" rtl="0" eaLnBrk="1" fontAlgn="base" latinLnBrk="0" hangingPunct="1">
-              <a:lnSpc>
-                <a:spcPct val="100000"/>
-              </a:lnSpc>
-              <a:spcBef>
-                <a:spcPct val="0"/>
-              </a:spcBef>
-              <a:spcAft>
-                <a:spcPct val="0"/>
-              </a:spcAft>
-              <a:buClrTx/>
-              <a:buSzTx/>
-              <a:buFontTx/>
-              <a:buNone/>
-              <a:defRPr/>
-            </a:pPr>
-            <a:r>
-              <a:rPr kumimoji="0" lang="fr-FR" sz="2400" b="1" i="0" u="none" strike="noStrike" kern="1200" cap="none" spc="0" normalizeH="0" baseline="0" noProof="0" dirty="0">
-                <a:ln>
-                  <a:noFill/>
-                </a:ln>
-                <a:solidFill>
-                  <a:prstClr val="white"/>
-                </a:solidFill>
-                <a:effectLst/>
-                <a:uLnTx/>
-                <a:uFillTx/>
-                <a:latin typeface="Calibri"/>
-                <a:ea typeface="+mn-ea"/>
-                <a:cs typeface="+mn-cs"/>
-              </a:rPr>
-              <a:t>P2</a:t>
-            </a:r>
-          </a:p>
-        </p:txBody>
-      </p:sp>
-      <p:cxnSp>
-        <p:nvCxnSpPr>
-          <p:cNvPr id="113" name="Connecteur droit 112"/>
-          <p:cNvCxnSpPr/>
-          <p:nvPr/>
-        </p:nvCxnSpPr>
-        <p:spPr>
-          <a:xfrm>
-            <a:off x="8674672" y="5111758"/>
-            <a:ext cx="0" cy="212217"/>
-          </a:xfrm>
-          <a:prstGeom prst="line">
-            <a:avLst/>
-          </a:prstGeom>
-          <a:noFill/>
-          <a:ln w="38100" cap="flat" cmpd="sng" algn="ctr">
-            <a:solidFill>
-              <a:sysClr val="windowText" lastClr="000000"/>
-            </a:solidFill>
-            <a:prstDash val="solid"/>
-          </a:ln>
-          <a:effectLst/>
-        </p:spPr>
-      </p:cxnSp>
-      <p:sp>
-        <p:nvSpPr>
           <p:cNvPr id="114" name="ZoneTexte 113"/>
           <p:cNvSpPr txBox="1"/>
           <p:nvPr/>
@@ -19271,93 +21390,6 @@
               </a:solidFill>
               <a:cs typeface="Arial" panose="02080604020202020204" charset="0"/>
             </a:endParaRPr>
-          </a:p>
-        </p:txBody>
-      </p:sp>
-      <p:sp>
-        <p:nvSpPr>
-          <p:cNvPr id="116" name="ZoneTexte 115"/>
-          <p:cNvSpPr txBox="1"/>
-          <p:nvPr/>
-        </p:nvSpPr>
-        <p:spPr>
-          <a:xfrm>
-            <a:off x="6450234" y="6066732"/>
-            <a:ext cx="3181508" cy="369332"/>
-          </a:xfrm>
-          <a:prstGeom prst="rect">
-            <a:avLst/>
-          </a:prstGeom>
-          <a:noFill/>
-        </p:spPr>
-        <p:txBody>
-          <a:bodyPr wrap="square" rtlCol="0">
-            <a:spAutoFit/>
-          </a:bodyPr>
-          <a:lstStyle/>
-          <a:p>
-            <a:pPr algn="ctr" fontAlgn="base">
-              <a:spcBef>
-                <a:spcPct val="0"/>
-              </a:spcBef>
-              <a:spcAft>
-                <a:spcPct val="0"/>
-              </a:spcAft>
-            </a:pPr>
-            <a:r>
-              <a:rPr lang="fr-FR" dirty="0">
-                <a:solidFill>
-                  <a:prstClr val="black"/>
-                </a:solidFill>
-                <a:cs typeface="Arial" panose="02080604020202020204" charset="0"/>
-              </a:rPr>
-              <a:t>Scenario </a:t>
-            </a:r>
-            <a:r>
-              <a:rPr lang="fr-FR" dirty="0" smtClean="0">
-                <a:solidFill>
-                  <a:prstClr val="black"/>
-                </a:solidFill>
-                <a:cs typeface="Arial" panose="02080604020202020204" charset="0"/>
-              </a:rPr>
-              <a:t>C </a:t>
-            </a:r>
-            <a:r>
-              <a:rPr lang="fr-FR" dirty="0">
-                <a:solidFill>
-                  <a:prstClr val="black"/>
-                </a:solidFill>
-                <a:cs typeface="Arial" panose="02080604020202020204" charset="0"/>
-              </a:rPr>
-              <a:t>: </a:t>
-            </a:r>
-            <a:r>
-              <a:rPr lang="fr-FR" dirty="0" err="1" smtClean="0">
-                <a:solidFill>
-                  <a:prstClr val="black"/>
-                </a:solidFill>
-                <a:cs typeface="Arial" panose="02080604020202020204" charset="0"/>
-              </a:rPr>
-              <a:t>Shared</a:t>
-            </a:r>
-            <a:r>
-              <a:rPr lang="fr-FR" dirty="0" smtClean="0">
-                <a:solidFill>
-                  <a:prstClr val="black"/>
-                </a:solidFill>
-                <a:cs typeface="Arial" panose="02080604020202020204" charset="0"/>
-              </a:rPr>
-              <a:t> L2 RO </a:t>
-            </a:r>
-            <a:r>
-              <a:rPr lang="fr-FR" dirty="0">
-                <a:solidFill>
-                  <a:prstClr val="black"/>
-                </a:solidFill>
-                <a:cs typeface="Arial" panose="02080604020202020204" charset="0"/>
-              </a:rPr>
-              <a:t>Cache</a:t>
-            </a:r>
           </a:p>
         </p:txBody>
       </p:sp>
@@ -19503,7 +21535,7 @@
               <a:defRPr/>
             </a:pPr>
             <a:r>
-              <a:rPr kumimoji="0" lang="fr-FR" sz="2400" b="1" i="0" u="none" strike="noStrike" kern="1200" cap="none" spc="0" normalizeH="0" baseline="0" noProof="0" dirty="0">
+              <a:rPr kumimoji="0" lang="x-none" sz="2400" b="1" i="0" u="none" strike="noStrike" kern="1200" cap="none" spc="0" normalizeH="0" baseline="0" noProof="0" dirty="0">
                 <a:ln>
                   <a:noFill/>
                 </a:ln>
@@ -19517,8 +21549,9 @@
                 <a:ea typeface="+mn-ea"/>
                 <a:cs typeface="+mn-cs"/>
               </a:rPr>
-              <a:t>L1D</a:t>
-            </a:r>
+              <a:t>RW Cache</a:t>
+            </a:r>
+            <a:endParaRPr lang="x-none"/>
           </a:p>
         </p:txBody>
       </p:sp>

--- a/figures.pptx
+++ b/figures.pptx
@@ -15,10 +15,12 @@
     <p:sldId id="262" r:id="rId10"/>
     <p:sldId id="264" r:id="rId11"/>
     <p:sldId id="266" r:id="rId12"/>
-    <p:sldId id="273" r:id="rId13"/>
-    <p:sldId id="274" r:id="rId14"/>
-    <p:sldId id="275" r:id="rId15"/>
-    <p:sldId id="276" r:id="rId16"/>
+    <p:sldId id="277" r:id="rId13"/>
+    <p:sldId id="273" r:id="rId14"/>
+    <p:sldId id="274" r:id="rId15"/>
+    <p:sldId id="275" r:id="rId16"/>
+    <p:sldId id="278" r:id="rId17"/>
+    <p:sldId id="276" r:id="rId18"/>
   </p:sldIdLst>
   <p:sldSz cx="12192000" cy="6858000"/>
   <p:notesSz cx="6858000" cy="9144000"/>
@@ -698,6 +700,880 @@
 </file>
 
 <file path=ppt/charts/chart10.xml><?xml version="1.0" encoding="utf-8"?>
+<c:chartSpace xmlns:c="http://schemas.openxmlformats.org/drawingml/2006/chart" xmlns:a="http://schemas.openxmlformats.org/drawingml/2006/main" xmlns:r="http://schemas.openxmlformats.org/officeDocument/2006/relationships">
+  <c:date1904 val="0"/>
+  <c:lang val="zh-CN"/>
+  <c:roundedCorners val="0"/>
+  <mc:AlternateContent xmlns:mc="http://schemas.openxmlformats.org/markup-compatibility/2006">
+    <mc:Choice xmlns:c14="http://schemas.microsoft.com/office/drawing/2007/8/2/chart" Requires="c14">
+      <c14:style val="102"/>
+    </mc:Choice>
+    <mc:Fallback>
+      <c:style val="2"/>
+    </mc:Fallback>
+  </mc:AlternateContent>
+  <c:chart>
+    <c:autoTitleDeleted val="1"/>
+    <c:plotArea>
+      <c:layout>
+        <c:manualLayout>
+          <c:layoutTarget val="inner"/>
+          <c:xMode val="edge"/>
+          <c:yMode val="edge"/>
+          <c:x val="0.186836650082919"/>
+          <c:y val="0.139460154241645"/>
+          <c:w val="0.810053897180763"/>
+          <c:h val="0.520008568980291"/>
+        </c:manualLayout>
+      </c:layout>
+      <c:barChart>
+        <c:barDir val="col"/>
+        <c:grouping val="clustered"/>
+        <c:varyColors val="0"/>
+        <c:ser>
+          <c:idx val="0"/>
+          <c:order val="0"/>
+          <c:tx>
+            <c:strRef>
+              <c:f>[CASES.xlsx]Energy!$B$17</c:f>
+              <c:strCache>
+                <c:ptCount val="1"/>
+                <c:pt idx="0">
+                  <c:v>MESI 32kB</c:v>
+                </c:pt>
+              </c:strCache>
+            </c:strRef>
+          </c:tx>
+          <c:spPr>
+            <a:solidFill>
+              <a:schemeClr val="bg2">
+                <a:lumMod val="10000"/>
+              </a:schemeClr>
+            </a:solidFill>
+            <a:ln>
+              <a:noFill/>
+            </a:ln>
+            <a:effectLst/>
+          </c:spPr>
+          <c:invertIfNegative val="0"/>
+          <c:cat>
+            <c:strRef>
+              <c:f>[CASES.xlsx]Energy!$A$18:$A$26</c:f>
+              <c:strCache>
+                <c:ptCount val="9"/>
+                <c:pt idx="0">
+                  <c:v>adi</c:v>
+                </c:pt>
+                <c:pt idx="1">
+                  <c:v>deriche</c:v>
+                </c:pt>
+                <c:pt idx="2">
+                  <c:v>jacobi</c:v>
+                </c:pt>
+                <c:pt idx="3">
+                  <c:v>mat_mult</c:v>
+                </c:pt>
+                <c:pt idx="4">
+                  <c:v>max33</c:v>
+                </c:pt>
+                <c:pt idx="5">
+                  <c:v>median33</c:v>
+                </c:pt>
+                <c:pt idx="6">
+                  <c:v>rotate</c:v>
+                </c:pt>
+                <c:pt idx="7">
+                  <c:v>wodcam</c:v>
+                </c:pt>
+                <c:pt idx="8">
+                  <c:v>Average</c:v>
+                </c:pt>
+              </c:strCache>
+            </c:strRef>
+          </c:cat>
+          <c:val>
+            <c:numRef>
+              <c:f>[CASES.xlsx]Energy!$B$18:$B$26</c:f>
+              <c:numCache>
+                <c:formatCode>0%</c:formatCode>
+                <c:ptCount val="9"/>
+                <c:pt idx="0">
+                  <c:v>1</c:v>
+                </c:pt>
+                <c:pt idx="1">
+                  <c:v>1</c:v>
+                </c:pt>
+                <c:pt idx="2">
+                  <c:v>1</c:v>
+                </c:pt>
+                <c:pt idx="3">
+                  <c:v>1</c:v>
+                </c:pt>
+                <c:pt idx="4">
+                  <c:v>1</c:v>
+                </c:pt>
+                <c:pt idx="5">
+                  <c:v>1</c:v>
+                </c:pt>
+                <c:pt idx="6">
+                  <c:v>1</c:v>
+                </c:pt>
+                <c:pt idx="7">
+                  <c:v>1</c:v>
+                </c:pt>
+                <c:pt idx="8">
+                  <c:v>1</c:v>
+                </c:pt>
+              </c:numCache>
+            </c:numRef>
+          </c:val>
+        </c:ser>
+        <c:ser>
+          <c:idx val="1"/>
+          <c:order val="1"/>
+          <c:tx>
+            <c:strRef>
+              <c:f>[CASES.xlsx]Energy!$C$17</c:f>
+              <c:strCache>
+                <c:ptCount val="1"/>
+                <c:pt idx="0">
+                  <c:v>MESI 64kB</c:v>
+                </c:pt>
+              </c:strCache>
+            </c:strRef>
+          </c:tx>
+          <c:spPr>
+            <a:solidFill>
+              <a:schemeClr val="bg1"/>
+            </a:solidFill>
+            <a:ln>
+              <a:solidFill>
+                <a:sysClr val="windowText" lastClr="000000"/>
+              </a:solidFill>
+            </a:ln>
+            <a:effectLst/>
+          </c:spPr>
+          <c:invertIfNegative val="0"/>
+          <c:cat>
+            <c:strRef>
+              <c:f>[CASES.xlsx]Energy!$A$18:$A$26</c:f>
+              <c:strCache>
+                <c:ptCount val="9"/>
+                <c:pt idx="0">
+                  <c:v>adi</c:v>
+                </c:pt>
+                <c:pt idx="1">
+                  <c:v>deriche</c:v>
+                </c:pt>
+                <c:pt idx="2">
+                  <c:v>jacobi</c:v>
+                </c:pt>
+                <c:pt idx="3">
+                  <c:v>mat_mult</c:v>
+                </c:pt>
+                <c:pt idx="4">
+                  <c:v>max33</c:v>
+                </c:pt>
+                <c:pt idx="5">
+                  <c:v>median33</c:v>
+                </c:pt>
+                <c:pt idx="6">
+                  <c:v>rotate</c:v>
+                </c:pt>
+                <c:pt idx="7">
+                  <c:v>wodcam</c:v>
+                </c:pt>
+                <c:pt idx="8">
+                  <c:v>Average</c:v>
+                </c:pt>
+              </c:strCache>
+            </c:strRef>
+          </c:cat>
+          <c:val>
+            <c:numRef>
+              <c:f>'[CASES.xlsx]Energy II'!$C$18:$C$26</c:f>
+              <c:numCache>
+                <c:formatCode>0%</c:formatCode>
+                <c:ptCount val="9"/>
+                <c:pt idx="0">
+                  <c:v>1.37128452029819</c:v>
+                </c:pt>
+                <c:pt idx="1">
+                  <c:v>1.15</c:v>
+                </c:pt>
+                <c:pt idx="2">
+                  <c:v>1.09</c:v>
+                </c:pt>
+                <c:pt idx="3">
+                  <c:v>0.974213024149946</c:v>
+                </c:pt>
+                <c:pt idx="4">
+                  <c:v>0.901867295573906</c:v>
+                </c:pt>
+                <c:pt idx="5">
+                  <c:v>1.14405977701907</c:v>
+                </c:pt>
+                <c:pt idx="6">
+                  <c:v>1.17184110150251</c:v>
+                </c:pt>
+                <c:pt idx="7">
+                  <c:v>1.24</c:v>
+                </c:pt>
+                <c:pt idx="8">
+                  <c:v>1.13040821481795</c:v>
+                </c:pt>
+              </c:numCache>
+            </c:numRef>
+          </c:val>
+        </c:ser>
+        <c:ser>
+          <c:idx val="2"/>
+          <c:order val="2"/>
+          <c:tx>
+            <c:strRef>
+              <c:f>'[CASES.xlsx]Energy II'!$D$17</c:f>
+              <c:strCache>
+                <c:ptCount val="1"/>
+                <c:pt idx="0">
+                  <c:v>Private RO 16kB</c:v>
+                </c:pt>
+              </c:strCache>
+            </c:strRef>
+          </c:tx>
+          <c:spPr>
+            <a:solidFill>
+              <a:schemeClr val="accent1">
+                <a:lumMod val="60000"/>
+                <a:lumOff val="40000"/>
+              </a:schemeClr>
+            </a:solidFill>
+            <a:ln>
+              <a:solidFill>
+                <a:sysClr val="windowText" lastClr="000000"/>
+              </a:solidFill>
+            </a:ln>
+            <a:effectLst/>
+          </c:spPr>
+          <c:invertIfNegative val="0"/>
+          <c:dLbls>
+            <c:numFmt formatCode="General" sourceLinked="1"/>
+            <c:txPr>
+              <a:bodyPr rot="0" spcFirstLastPara="0" vertOverflow="ellipsis" horzOverflow="overflow" vert="horz" wrap="square" anchor="ctr" anchorCtr="1"/>
+              <a:lstStyle/>
+              <a:p>
+                <a:pPr>
+                  <a:defRPr/>
+                </a:pPr>
+              </a:p>
+            </c:txPr>
+            <c:dLblPos val="outEnd"/>
+            <c:showLegendKey val="0"/>
+            <c:showVal val="0"/>
+            <c:showCatName val="0"/>
+            <c:showSerName val="0"/>
+            <c:showPercent val="0"/>
+            <c:showBubbleSize val="0"/>
+            <c:showLeaderLines val="0"/>
+            <c:extLst>
+              <c:ext xmlns:c15="http://schemas.microsoft.com/office/drawing/2012/chart" uri="{CE6537A1-D6FC-4f65-9D91-7224C49458BB}">
+                <c15:layout/>
+                <c15:showLeaderLines val="0"/>
+                <c15:leaderLines>
+                  <c:spPr>
+                    <a:ln>
+                      <a:noFill/>
+                    </a:ln>
+                    <a:effectLst/>
+                  </c:spPr>
+                </c15:leaderLines>
+              </c:ext>
+            </c:extLst>
+          </c:dLbls>
+          <c:cat>
+            <c:strRef>
+              <c:f>[CASES.xlsx]Energy!$A$18:$A$26</c:f>
+              <c:strCache>
+                <c:ptCount val="9"/>
+                <c:pt idx="0">
+                  <c:v>adi</c:v>
+                </c:pt>
+                <c:pt idx="1">
+                  <c:v>deriche</c:v>
+                </c:pt>
+                <c:pt idx="2">
+                  <c:v>jacobi</c:v>
+                </c:pt>
+                <c:pt idx="3">
+                  <c:v>mat_mult</c:v>
+                </c:pt>
+                <c:pt idx="4">
+                  <c:v>max33</c:v>
+                </c:pt>
+                <c:pt idx="5">
+                  <c:v>median33</c:v>
+                </c:pt>
+                <c:pt idx="6">
+                  <c:v>rotate</c:v>
+                </c:pt>
+                <c:pt idx="7">
+                  <c:v>wodcam</c:v>
+                </c:pt>
+                <c:pt idx="8">
+                  <c:v>Average</c:v>
+                </c:pt>
+              </c:strCache>
+            </c:strRef>
+          </c:cat>
+          <c:val>
+            <c:numRef>
+              <c:f>'[CASES.xlsx]Energy II'!$D$18:$D$26</c:f>
+              <c:numCache>
+                <c:formatCode>0.0%</c:formatCode>
+                <c:ptCount val="9"/>
+                <c:pt idx="0">
+                  <c:v>0.996080311790846</c:v>
+                </c:pt>
+                <c:pt idx="1">
+                  <c:v>0.940686745334797</c:v>
+                </c:pt>
+                <c:pt idx="2">
+                  <c:v>0.981303448275862</c:v>
+                </c:pt>
+                <c:pt idx="3">
+                  <c:v>0.911555328607473</c:v>
+                </c:pt>
+                <c:pt idx="4">
+                  <c:v>0.891581663082486</c:v>
+                </c:pt>
+                <c:pt idx="5">
+                  <c:v>0.949519248728082</c:v>
+                </c:pt>
+                <c:pt idx="6">
+                  <c:v>0.971492467280855</c:v>
+                </c:pt>
+                <c:pt idx="7">
+                  <c:v>0.950937220287602</c:v>
+                </c:pt>
+                <c:pt idx="8">
+                  <c:v>0.9491445541735</c:v>
+                </c:pt>
+              </c:numCache>
+            </c:numRef>
+          </c:val>
+        </c:ser>
+        <c:ser>
+          <c:idx val="3"/>
+          <c:order val="3"/>
+          <c:tx>
+            <c:strRef>
+              <c:f>'[CASES.xlsx]Energy II'!$E$17</c:f>
+              <c:strCache>
+                <c:ptCount val="1"/>
+                <c:pt idx="0">
+                  <c:v>Shared RO 32kB</c:v>
+                </c:pt>
+              </c:strCache>
+            </c:strRef>
+          </c:tx>
+          <c:spPr>
+            <a:solidFill>
+              <a:schemeClr val="accent6">
+                <a:lumMod val="60000"/>
+                <a:lumOff val="40000"/>
+              </a:schemeClr>
+            </a:solidFill>
+            <a:ln>
+              <a:solidFill>
+                <a:sysClr val="windowText" lastClr="000000"/>
+              </a:solidFill>
+            </a:ln>
+            <a:effectLst/>
+          </c:spPr>
+          <c:invertIfNegative val="0"/>
+          <c:dLbls>
+            <c:numFmt formatCode="General" sourceLinked="1"/>
+            <c:txPr>
+              <a:bodyPr rot="0" spcFirstLastPara="0" vertOverflow="ellipsis" horzOverflow="overflow" vert="horz" wrap="square" anchor="ctr" anchorCtr="1"/>
+              <a:lstStyle/>
+              <a:p>
+                <a:pPr>
+                  <a:defRPr/>
+                </a:pPr>
+              </a:p>
+            </c:txPr>
+            <c:dLblPos val="outEnd"/>
+            <c:showLegendKey val="0"/>
+            <c:showVal val="0"/>
+            <c:showCatName val="0"/>
+            <c:showSerName val="0"/>
+            <c:showPercent val="0"/>
+            <c:showBubbleSize val="0"/>
+            <c:showLeaderLines val="0"/>
+            <c:extLst>
+              <c:ext xmlns:c15="http://schemas.microsoft.com/office/drawing/2012/chart" uri="{CE6537A1-D6FC-4f65-9D91-7224C49458BB}">
+                <c15:layout/>
+                <c15:showLeaderLines val="0"/>
+                <c15:leaderLines>
+                  <c:spPr>
+                    <a:ln>
+                      <a:noFill/>
+                    </a:ln>
+                    <a:effectLst/>
+                  </c:spPr>
+                </c15:leaderLines>
+              </c:ext>
+            </c:extLst>
+          </c:dLbls>
+          <c:cat>
+            <c:strRef>
+              <c:f>[CASES.xlsx]Energy!$A$18:$A$26</c:f>
+              <c:strCache>
+                <c:ptCount val="9"/>
+                <c:pt idx="0">
+                  <c:v>adi</c:v>
+                </c:pt>
+                <c:pt idx="1">
+                  <c:v>deriche</c:v>
+                </c:pt>
+                <c:pt idx="2">
+                  <c:v>jacobi</c:v>
+                </c:pt>
+                <c:pt idx="3">
+                  <c:v>mat_mult</c:v>
+                </c:pt>
+                <c:pt idx="4">
+                  <c:v>max33</c:v>
+                </c:pt>
+                <c:pt idx="5">
+                  <c:v>median33</c:v>
+                </c:pt>
+                <c:pt idx="6">
+                  <c:v>rotate</c:v>
+                </c:pt>
+                <c:pt idx="7">
+                  <c:v>wodcam</c:v>
+                </c:pt>
+                <c:pt idx="8">
+                  <c:v>Average</c:v>
+                </c:pt>
+              </c:strCache>
+            </c:strRef>
+          </c:cat>
+          <c:val>
+            <c:numRef>
+              <c:f>'[CASES.xlsx]Energy II'!$E$18:$E$26</c:f>
+              <c:numCache>
+                <c:formatCode>0.0%</c:formatCode>
+                <c:ptCount val="9"/>
+                <c:pt idx="0">
+                  <c:v>0.651900463337255</c:v>
+                </c:pt>
+                <c:pt idx="1">
+                  <c:v>0.833908479692645</c:v>
+                </c:pt>
+                <c:pt idx="2">
+                  <c:v>0.885437931034483</c:v>
+                </c:pt>
+                <c:pt idx="3">
+                  <c:v>0.681620209059233</c:v>
+                </c:pt>
+                <c:pt idx="4">
+                  <c:v>0.979588915509902</c:v>
+                </c:pt>
+                <c:pt idx="5">
+                  <c:v>0.947647792727843</c:v>
+                </c:pt>
+                <c:pt idx="6">
+                  <c:v>0.902604413678974</c:v>
+                </c:pt>
+                <c:pt idx="7">
+                  <c:v>0.77499199655035</c:v>
+                </c:pt>
+                <c:pt idx="8">
+                  <c:v>0.832212525198836</c:v>
+                </c:pt>
+              </c:numCache>
+            </c:numRef>
+          </c:val>
+        </c:ser>
+        <c:dLbls>
+          <c:dLblPos val="outEnd"/>
+          <c:showLegendKey val="0"/>
+          <c:showVal val="0"/>
+          <c:showCatName val="0"/>
+          <c:showSerName val="0"/>
+          <c:showPercent val="0"/>
+          <c:showBubbleSize val="0"/>
+        </c:dLbls>
+        <c:gapWidth val="219"/>
+        <c:overlap val="0"/>
+        <c:axId val="61946380"/>
+        <c:axId val="668069432"/>
+      </c:barChart>
+      <c:catAx>
+        <c:axId val="61946380"/>
+        <c:scaling>
+          <c:orientation val="minMax"/>
+        </c:scaling>
+        <c:delete val="0"/>
+        <c:axPos val="b"/>
+        <c:numFmt formatCode="General" sourceLinked="1"/>
+        <c:majorTickMark val="none"/>
+        <c:minorTickMark val="none"/>
+        <c:tickLblPos val="nextTo"/>
+        <c:spPr>
+          <a:noFill/>
+          <a:ln w="9525" cap="flat" cmpd="sng" algn="ctr">
+            <a:solidFill>
+              <a:schemeClr val="tx1">
+                <a:lumMod val="15000"/>
+                <a:lumOff val="85000"/>
+              </a:schemeClr>
+            </a:solidFill>
+            <a:round/>
+          </a:ln>
+          <a:effectLst/>
+        </c:spPr>
+        <c:txPr>
+          <a:bodyPr rot="-60000000" spcFirstLastPara="0" vertOverflow="ellipsis" horzOverflow="overflow" vert="horz" wrap="square" anchor="ctr" anchorCtr="1"/>
+          <a:lstStyle/>
+          <a:p>
+            <a:pPr>
+              <a:defRPr sz="1400" kern="1200">
+                <a:solidFill>
+                  <a:schemeClr val="bg2">
+                    <a:lumMod val="10000"/>
+                  </a:schemeClr>
+                </a:solidFill>
+                <a:latin typeface="+mn-lt"/>
+                <a:ea typeface="+mn-ea"/>
+                <a:cs typeface="+mn-cs"/>
+              </a:defRPr>
+            </a:pPr>
+          </a:p>
+        </c:txPr>
+        <c:crossAx val="668069432"/>
+        <c:crosses val="autoZero"/>
+        <c:auto val="1"/>
+        <c:lblAlgn val="ctr"/>
+        <c:lblOffset val="100"/>
+        <c:tickMarkSkip val="1"/>
+        <c:noMultiLvlLbl val="0"/>
+      </c:catAx>
+      <c:valAx>
+        <c:axId val="668069432"/>
+        <c:scaling>
+          <c:orientation val="minMax"/>
+          <c:max val="1.4"/>
+        </c:scaling>
+        <c:delete val="0"/>
+        <c:axPos val="l"/>
+        <c:majorGridlines>
+          <c:spPr>
+            <a:noFill/>
+            <a:ln w="9525" cap="flat" cmpd="sng" algn="ctr">
+              <a:solidFill>
+                <a:schemeClr val="tx1">
+                  <a:lumMod val="15000"/>
+                  <a:lumOff val="85000"/>
+                </a:schemeClr>
+              </a:solidFill>
+              <a:round/>
+            </a:ln>
+            <a:effectLst/>
+          </c:spPr>
+        </c:majorGridlines>
+        <c:title>
+          <c:tx>
+            <c:rich>
+              <a:bodyPr vertOverflow="ellipsis" anchor="ctr" anchorCtr="1"/>
+              <a:lstStyle/>
+              <a:p>
+                <a:pPr algn="ctr" defTabSz="914400">
+                  <a:defRPr sz="1400" kern="1200">
+                    <a:solidFill>
+                      <a:schemeClr val="bg2">
+                        <a:lumMod val="10000"/>
+                      </a:schemeClr>
+                    </a:solidFill>
+                    <a:latin typeface="+mn-lt"/>
+                    <a:ea typeface="+mn-ea"/>
+                    <a:cs typeface="+mn-cs"/>
+                  </a:defRPr>
+                </a:pPr>
+                <a:r>
+                  <a:rPr lang="x-none" altLang="fr-FR" sz="1400" b="0" i="0" u="none" strike="noStrike" kern="1200" cap="none" normalizeH="0" baseline="0">
+                    <a:solidFill>
+                      <a:schemeClr val="bg2">
+                        <a:lumMod val="10000"/>
+                      </a:schemeClr>
+                    </a:solidFill>
+                    <a:effectLst/>
+                    <a:latin typeface="+mn-lt"/>
+                    <a:ea typeface="+mn-ea"/>
+                    <a:cs typeface="+mn-cs"/>
+                  </a:rPr>
+                  <a:t>Relative Energy </a:t>
+                </a:r>
+                <a:endParaRPr lang="x-none" altLang="fr-FR" sz="1400" b="0" i="0" u="none" strike="noStrike" kern="1200" cap="none" normalizeH="0" baseline="0">
+                  <a:solidFill>
+                    <a:schemeClr val="bg2">
+                      <a:lumMod val="10000"/>
+                    </a:schemeClr>
+                  </a:solidFill>
+                  <a:effectLst/>
+                  <a:latin typeface="+mn-lt"/>
+                  <a:ea typeface="+mn-ea"/>
+                  <a:cs typeface="+mn-cs"/>
+                </a:endParaRPr>
+              </a:p>
+              <a:p>
+                <a:pPr algn="ctr" defTabSz="914400">
+                  <a:defRPr sz="1400" kern="1200">
+                    <a:solidFill>
+                      <a:schemeClr val="bg2">
+                        <a:lumMod val="10000"/>
+                      </a:schemeClr>
+                    </a:solidFill>
+                    <a:latin typeface="+mn-lt"/>
+                    <a:ea typeface="+mn-ea"/>
+                    <a:cs typeface="+mn-cs"/>
+                  </a:defRPr>
+                </a:pPr>
+                <a:r>
+                  <a:rPr lang="x-none" altLang="fr-FR" sz="1400" b="0" i="0" u="none" strike="noStrike" kern="1200" cap="none" normalizeH="0" baseline="0">
+                    <a:solidFill>
+                      <a:schemeClr val="bg2">
+                        <a:lumMod val="10000"/>
+                      </a:schemeClr>
+                    </a:solidFill>
+                    <a:effectLst/>
+                    <a:latin typeface="+mn-lt"/>
+                    <a:ea typeface="+mn-ea"/>
+                    <a:cs typeface="+mn-cs"/>
+                  </a:rPr>
+                  <a:t>Consumption</a:t>
+                </a:r>
+                <a:endParaRPr lang="x-none" altLang="fr-FR" sz="1400" b="0" i="0" u="none" strike="noStrike" kern="1200" cap="none" normalizeH="0" baseline="0">
+                  <a:solidFill>
+                    <a:schemeClr val="bg2">
+                      <a:lumMod val="10000"/>
+                    </a:schemeClr>
+                  </a:solidFill>
+                  <a:effectLst/>
+                  <a:latin typeface="+mn-lt"/>
+                  <a:ea typeface="+mn-ea"/>
+                  <a:cs typeface="+mn-cs"/>
+                </a:endParaRPr>
+              </a:p>
+            </c:rich>
+          </c:tx>
+          <c:layout>
+            <c:manualLayout>
+              <c:xMode val="edge"/>
+              <c:yMode val="edge"/>
+              <c:x val="0.00633563908034578"/>
+              <c:y val="0.136991045579731"/>
+            </c:manualLayout>
+          </c:layout>
+          <c:overlay val="0"/>
+          <c:spPr>
+            <a:noFill/>
+            <a:ln>
+              <a:noFill/>
+            </a:ln>
+            <a:effectLst/>
+          </c:spPr>
+        </c:title>
+        <c:numFmt formatCode="0%" sourceLinked="1"/>
+        <c:majorTickMark val="none"/>
+        <c:minorTickMark val="none"/>
+        <c:tickLblPos val="nextTo"/>
+        <c:spPr>
+          <a:noFill/>
+          <a:ln>
+            <a:noFill/>
+          </a:ln>
+          <a:effectLst/>
+        </c:spPr>
+        <c:txPr>
+          <a:bodyPr rot="-60000000" spcFirstLastPara="0" vertOverflow="ellipsis" horzOverflow="overflow" vert="horz" wrap="square" anchor="ctr" anchorCtr="1"/>
+          <a:lstStyle/>
+          <a:p>
+            <a:pPr>
+              <a:defRPr sz="1400" kern="1200">
+                <a:solidFill>
+                  <a:schemeClr val="bg2">
+                    <a:lumMod val="10000"/>
+                  </a:schemeClr>
+                </a:solidFill>
+                <a:latin typeface="+mn-lt"/>
+                <a:ea typeface="+mn-ea"/>
+                <a:cs typeface="+mn-cs"/>
+              </a:defRPr>
+            </a:pPr>
+          </a:p>
+        </c:txPr>
+        <c:crossAx val="61946380"/>
+        <c:crosses val="autoZero"/>
+        <c:crossBetween val="between"/>
+      </c:valAx>
+      <c:spPr>
+        <a:noFill/>
+        <a:ln>
+          <a:noFill/>
+        </a:ln>
+        <a:effectLst/>
+      </c:spPr>
+    </c:plotArea>
+    <c:legend>
+      <c:legendPos val="r"/>
+      <c:legendEntry>
+        <c:idx val="0"/>
+        <c:txPr>
+          <a:bodyPr rot="0" spcFirstLastPara="0" vertOverflow="ellipsis" horzOverflow="overflow" vert="horz" wrap="square" anchor="ctr" anchorCtr="1"/>
+          <a:lstStyle/>
+          <a:p>
+            <a:pPr>
+              <a:defRPr sz="1200">
+                <a:solidFill>
+                  <a:schemeClr val="bg2">
+                    <a:lumMod val="10000"/>
+                  </a:schemeClr>
+                </a:solidFill>
+              </a:defRPr>
+            </a:pPr>
+          </a:p>
+        </c:txPr>
+      </c:legendEntry>
+      <c:legendEntry>
+        <c:idx val="1"/>
+        <c:txPr>
+          <a:bodyPr rot="0" spcFirstLastPara="0" vertOverflow="ellipsis" horzOverflow="overflow" vert="horz" wrap="square" anchor="ctr" anchorCtr="1"/>
+          <a:lstStyle/>
+          <a:p>
+            <a:pPr>
+              <a:defRPr sz="1200">
+                <a:solidFill>
+                  <a:schemeClr val="bg2">
+                    <a:lumMod val="10000"/>
+                  </a:schemeClr>
+                </a:solidFill>
+              </a:defRPr>
+            </a:pPr>
+          </a:p>
+        </c:txPr>
+      </c:legendEntry>
+      <c:legendEntry>
+        <c:idx val="2"/>
+        <c:txPr>
+          <a:bodyPr rot="0" spcFirstLastPara="0" vertOverflow="ellipsis" horzOverflow="overflow" vert="horz" wrap="square" anchor="ctr" anchorCtr="1"/>
+          <a:lstStyle/>
+          <a:p>
+            <a:pPr>
+              <a:defRPr sz="1200">
+                <a:solidFill>
+                  <a:schemeClr val="bg2">
+                    <a:lumMod val="10000"/>
+                  </a:schemeClr>
+                </a:solidFill>
+              </a:defRPr>
+            </a:pPr>
+          </a:p>
+        </c:txPr>
+      </c:legendEntry>
+      <c:legendEntry>
+        <c:idx val="3"/>
+        <c:txPr>
+          <a:bodyPr rot="0" spcFirstLastPara="0" vertOverflow="ellipsis" horzOverflow="overflow" vert="horz" wrap="square" anchor="ctr" anchorCtr="1"/>
+          <a:lstStyle/>
+          <a:p>
+            <a:pPr>
+              <a:defRPr sz="1200">
+                <a:solidFill>
+                  <a:schemeClr val="bg2">
+                    <a:lumMod val="10000"/>
+                  </a:schemeClr>
+                </a:solidFill>
+              </a:defRPr>
+            </a:pPr>
+          </a:p>
+        </c:txPr>
+      </c:legendEntry>
+      <c:layout>
+        <c:manualLayout>
+          <c:xMode val="edge"/>
+          <c:yMode val="edge"/>
+          <c:x val="0.300476782752902"/>
+          <c:y val="0.006426735218509"/>
+          <c:w val="0.52653399668325"/>
+          <c:h val="0.137103684661525"/>
+        </c:manualLayout>
+      </c:layout>
+      <c:overlay val="0"/>
+      <c:spPr>
+        <a:noFill/>
+        <a:ln>
+          <a:noFill/>
+        </a:ln>
+        <a:effectLst/>
+      </c:spPr>
+      <c:txPr>
+        <a:bodyPr rot="0" spcFirstLastPara="0" vertOverflow="ellipsis" horzOverflow="overflow" vert="horz" wrap="square" anchor="ctr" anchorCtr="1"/>
+        <a:lstStyle/>
+        <a:p>
+          <a:pPr>
+            <a:defRPr sz="1200" kern="1200">
+              <a:solidFill>
+                <a:schemeClr val="bg2">
+                  <a:lumMod val="10000"/>
+                </a:schemeClr>
+              </a:solidFill>
+              <a:latin typeface="+mn-lt"/>
+              <a:ea typeface="+mn-ea"/>
+              <a:cs typeface="+mn-cs"/>
+            </a:defRPr>
+          </a:pPr>
+        </a:p>
+      </c:txPr>
+    </c:legend>
+    <c:plotVisOnly val="1"/>
+    <c:dispBlanksAs val="gap"/>
+    <c:showDLblsOverMax val="0"/>
+  </c:chart>
+  <c:spPr>
+    <a:solidFill>
+      <a:schemeClr val="bg1"/>
+    </a:solidFill>
+    <a:ln w="9525" cap="flat" cmpd="sng" algn="ctr">
+      <a:noFill/>
+      <a:round/>
+    </a:ln>
+    <a:effectLst/>
+  </c:spPr>
+  <c:txPr>
+    <a:bodyPr rot="0" spcFirstLastPara="0" vertOverflow="ellipsis" horzOverflow="overflow" vert="horz" wrap="square" anchor="ctr" anchorCtr="1"/>
+    <a:lstStyle/>
+    <a:p>
+      <a:pPr>
+        <a:defRPr lang="fr-FR" sz="1400" kern="1200">
+          <a:solidFill>
+            <a:schemeClr val="tx1"/>
+          </a:solidFill>
+          <a:latin typeface="+mn-lt"/>
+          <a:ea typeface="+mn-ea"/>
+          <a:cs typeface="+mn-cs"/>
+        </a:defRPr>
+      </a:pPr>
+    </a:p>
+  </c:txPr>
+  <c:externalData r:id="rId1">
+    <c:autoUpdate val="0"/>
+  </c:externalData>
+</c:chartSpace>
+</file>
+
+<file path=ppt/charts/chart11.xml><?xml version="1.0" encoding="utf-8"?>
 <c:chartSpace xmlns:c="http://schemas.openxmlformats.org/drawingml/2006/chart" xmlns:a="http://schemas.openxmlformats.org/drawingml/2006/main" xmlns:r="http://schemas.openxmlformats.org/officeDocument/2006/relationships">
   <c:date1904 val="0"/>
   <c:lang val="zh-CN"/>
@@ -1422,7 +2298,766 @@
 </c:chartSpace>
 </file>
 
-<file path=ppt/charts/chart11.xml><?xml version="1.0" encoding="utf-8"?>
+<file path=ppt/charts/chart12.xml><?xml version="1.0" encoding="utf-8"?>
+<c:chartSpace xmlns:c="http://schemas.openxmlformats.org/drawingml/2006/chart" xmlns:a="http://schemas.openxmlformats.org/drawingml/2006/main" xmlns:r="http://schemas.openxmlformats.org/officeDocument/2006/relationships">
+  <c:date1904 val="0"/>
+  <c:lang val="zh-CN"/>
+  <c:roundedCorners val="0"/>
+  <mc:AlternateContent xmlns:mc="http://schemas.openxmlformats.org/markup-compatibility/2006">
+    <mc:Choice xmlns:c14="http://schemas.microsoft.com/office/drawing/2007/8/2/chart" Requires="c14">
+      <c14:style val="102"/>
+    </mc:Choice>
+    <mc:Fallback>
+      <c:style val="2"/>
+    </mc:Fallback>
+  </mc:AlternateContent>
+  <c:chart>
+    <c:autoTitleDeleted val="1"/>
+    <c:plotArea>
+      <c:layout>
+        <c:manualLayout>
+          <c:layoutTarget val="inner"/>
+          <c:xMode val="edge"/>
+          <c:yMode val="edge"/>
+          <c:x val="0.0864835683919293"/>
+          <c:y val="0.140436171690513"/>
+          <c:w val="0.911492003509009"/>
+          <c:h val="0.597638560911238"/>
+        </c:manualLayout>
+      </c:layout>
+      <c:barChart>
+        <c:barDir val="col"/>
+        <c:grouping val="clustered"/>
+        <c:varyColors val="0"/>
+        <c:ser>
+          <c:idx val="0"/>
+          <c:order val="0"/>
+          <c:tx>
+            <c:strRef>
+              <c:f>[CASES.xlsx]Misses!$B$18</c:f>
+              <c:strCache>
+                <c:ptCount val="1"/>
+                <c:pt idx="0">
+                  <c:v>MESI 32kB</c:v>
+                </c:pt>
+              </c:strCache>
+            </c:strRef>
+          </c:tx>
+          <c:spPr>
+            <a:solidFill>
+              <a:schemeClr val="tx1">
+                <a:lumMod val="50000"/>
+              </a:schemeClr>
+            </a:solidFill>
+            <a:ln>
+              <a:noFill/>
+            </a:ln>
+            <a:effectLst/>
+          </c:spPr>
+          <c:invertIfNegative val="0"/>
+          <c:cat>
+            <c:strRef>
+              <c:f>[CASES.xlsx]Misses!$A$19:$A$27</c:f>
+              <c:strCache>
+                <c:ptCount val="9"/>
+                <c:pt idx="0">
+                  <c:v>adi</c:v>
+                </c:pt>
+                <c:pt idx="1">
+                  <c:v>deriche</c:v>
+                </c:pt>
+                <c:pt idx="2">
+                  <c:v>jacobi</c:v>
+                </c:pt>
+                <c:pt idx="3">
+                  <c:v>mat_mult</c:v>
+                </c:pt>
+                <c:pt idx="4">
+                  <c:v>max33</c:v>
+                </c:pt>
+                <c:pt idx="5">
+                  <c:v>median33</c:v>
+                </c:pt>
+                <c:pt idx="6">
+                  <c:v>rotate</c:v>
+                </c:pt>
+                <c:pt idx="7">
+                  <c:v>wodcam</c:v>
+                </c:pt>
+                <c:pt idx="8">
+                  <c:v>Average</c:v>
+                </c:pt>
+              </c:strCache>
+            </c:strRef>
+          </c:cat>
+          <c:val>
+            <c:numRef>
+              <c:f>[CASES.xlsx]Misses!$B$19:$B$27</c:f>
+              <c:numCache>
+                <c:formatCode>General</c:formatCode>
+                <c:ptCount val="9"/>
+                <c:pt idx="0">
+                  <c:v>1</c:v>
+                </c:pt>
+                <c:pt idx="1">
+                  <c:v>1</c:v>
+                </c:pt>
+                <c:pt idx="2">
+                  <c:v>1</c:v>
+                </c:pt>
+                <c:pt idx="3">
+                  <c:v>1</c:v>
+                </c:pt>
+                <c:pt idx="4">
+                  <c:v>1</c:v>
+                </c:pt>
+                <c:pt idx="5">
+                  <c:v>1</c:v>
+                </c:pt>
+                <c:pt idx="6">
+                  <c:v>1</c:v>
+                </c:pt>
+                <c:pt idx="7">
+                  <c:v>1</c:v>
+                </c:pt>
+                <c:pt idx="8" c:formatCode="0%">
+                  <c:v>1</c:v>
+                </c:pt>
+              </c:numCache>
+            </c:numRef>
+          </c:val>
+        </c:ser>
+        <c:ser>
+          <c:idx val="1"/>
+          <c:order val="1"/>
+          <c:tx>
+            <c:strRef>
+              <c:f>[CASES.xlsx]Misses!$C$18</c:f>
+              <c:strCache>
+                <c:ptCount val="1"/>
+                <c:pt idx="0">
+                  <c:v>MESI 64kB</c:v>
+                </c:pt>
+              </c:strCache>
+            </c:strRef>
+          </c:tx>
+          <c:spPr>
+            <a:solidFill>
+              <a:schemeClr val="bg1"/>
+            </a:solidFill>
+            <a:ln>
+              <a:solidFill>
+                <a:sysClr val="windowText" lastClr="000000"/>
+              </a:solidFill>
+            </a:ln>
+            <a:effectLst/>
+          </c:spPr>
+          <c:invertIfNegative val="0"/>
+          <c:cat>
+            <c:strRef>
+              <c:f>[CASES.xlsx]Misses!$A$19:$A$27</c:f>
+              <c:strCache>
+                <c:ptCount val="9"/>
+                <c:pt idx="0">
+                  <c:v>adi</c:v>
+                </c:pt>
+                <c:pt idx="1">
+                  <c:v>deriche</c:v>
+                </c:pt>
+                <c:pt idx="2">
+                  <c:v>jacobi</c:v>
+                </c:pt>
+                <c:pt idx="3">
+                  <c:v>mat_mult</c:v>
+                </c:pt>
+                <c:pt idx="4">
+                  <c:v>max33</c:v>
+                </c:pt>
+                <c:pt idx="5">
+                  <c:v>median33</c:v>
+                </c:pt>
+                <c:pt idx="6">
+                  <c:v>rotate</c:v>
+                </c:pt>
+                <c:pt idx="7">
+                  <c:v>wodcam</c:v>
+                </c:pt>
+                <c:pt idx="8">
+                  <c:v>Average</c:v>
+                </c:pt>
+              </c:strCache>
+            </c:strRef>
+          </c:cat>
+          <c:val>
+            <c:numRef>
+              <c:f>[CASES.xlsx]Misses!$C$19:$C$27</c:f>
+              <c:numCache>
+                <c:formatCode>0%</c:formatCode>
+                <c:ptCount val="9"/>
+                <c:pt idx="0">
+                  <c:v>0.65</c:v>
+                </c:pt>
+                <c:pt idx="1">
+                  <c:v>0.64</c:v>
+                </c:pt>
+                <c:pt idx="2">
+                  <c:v>0.74</c:v>
+                </c:pt>
+                <c:pt idx="3">
+                  <c:v>0.65</c:v>
+                </c:pt>
+                <c:pt idx="4">
+                  <c:v>0.78</c:v>
+                </c:pt>
+                <c:pt idx="5">
+                  <c:v>0.65</c:v>
+                </c:pt>
+                <c:pt idx="6">
+                  <c:v>0.65</c:v>
+                </c:pt>
+                <c:pt idx="7">
+                  <c:v>0.69</c:v>
+                </c:pt>
+                <c:pt idx="8">
+                  <c:v>0.68125</c:v>
+                </c:pt>
+              </c:numCache>
+            </c:numRef>
+          </c:val>
+        </c:ser>
+        <c:ser>
+          <c:idx val="3"/>
+          <c:order val="2"/>
+          <c:tx>
+            <c:strRef>
+              <c:f>[CASES.xlsx]Misses!$E$18</c:f>
+              <c:strCache>
+                <c:ptCount val="1"/>
+                <c:pt idx="0">
+                  <c:v>Private RO 16kB</c:v>
+                </c:pt>
+              </c:strCache>
+            </c:strRef>
+          </c:tx>
+          <c:spPr>
+            <a:solidFill>
+              <a:schemeClr val="accent5">
+                <a:lumMod val="40000"/>
+                <a:lumOff val="60000"/>
+              </a:schemeClr>
+            </a:solidFill>
+            <a:ln>
+              <a:solidFill>
+                <a:sysClr val="windowText" lastClr="000000"/>
+              </a:solidFill>
+            </a:ln>
+            <a:effectLst/>
+          </c:spPr>
+          <c:invertIfNegative val="0"/>
+          <c:cat>
+            <c:strRef>
+              <c:f>[CASES.xlsx]Misses!$A$19:$A$27</c:f>
+              <c:strCache>
+                <c:ptCount val="9"/>
+                <c:pt idx="0">
+                  <c:v>adi</c:v>
+                </c:pt>
+                <c:pt idx="1">
+                  <c:v>deriche</c:v>
+                </c:pt>
+                <c:pt idx="2">
+                  <c:v>jacobi</c:v>
+                </c:pt>
+                <c:pt idx="3">
+                  <c:v>mat_mult</c:v>
+                </c:pt>
+                <c:pt idx="4">
+                  <c:v>max33</c:v>
+                </c:pt>
+                <c:pt idx="5">
+                  <c:v>median33</c:v>
+                </c:pt>
+                <c:pt idx="6">
+                  <c:v>rotate</c:v>
+                </c:pt>
+                <c:pt idx="7">
+                  <c:v>wodcam</c:v>
+                </c:pt>
+                <c:pt idx="8">
+                  <c:v>Average</c:v>
+                </c:pt>
+              </c:strCache>
+            </c:strRef>
+          </c:cat>
+          <c:val>
+            <c:numRef>
+              <c:f>[CASES.xlsx]Misses!$E$19:$E$27</c:f>
+              <c:numCache>
+                <c:formatCode>0%</c:formatCode>
+                <c:ptCount val="9"/>
+                <c:pt idx="0">
+                  <c:v>1.21006790194289</c:v>
+                </c:pt>
+                <c:pt idx="1">
+                  <c:v>1.0884344894027</c:v>
+                </c:pt>
+                <c:pt idx="2">
+                  <c:v>0.996637891867333</c:v>
+                </c:pt>
+                <c:pt idx="3">
+                  <c:v>0.946482819709387</c:v>
+                </c:pt>
+                <c:pt idx="4">
+                  <c:v>1.52431615446167</c:v>
+                </c:pt>
+                <c:pt idx="5">
+                  <c:v>1.32113508720071</c:v>
+                </c:pt>
+                <c:pt idx="6">
+                  <c:v>0.979680332568807</c:v>
+                </c:pt>
+                <c:pt idx="7">
+                  <c:v>1.00274161974561</c:v>
+                </c:pt>
+                <c:pt idx="8">
+                  <c:v>1.13368703711239</c:v>
+                </c:pt>
+              </c:numCache>
+            </c:numRef>
+          </c:val>
+        </c:ser>
+        <c:ser>
+          <c:idx val="5"/>
+          <c:order val="3"/>
+          <c:tx>
+            <c:strRef>
+              <c:f>[CASES.xlsx]Misses!$G$18</c:f>
+              <c:strCache>
+                <c:ptCount val="1"/>
+                <c:pt idx="0">
+                  <c:v>Shared RO 32kB</c:v>
+                </c:pt>
+              </c:strCache>
+            </c:strRef>
+          </c:tx>
+          <c:spPr>
+            <a:solidFill>
+              <a:schemeClr val="accent6">
+                <a:lumMod val="40000"/>
+                <a:lumOff val="60000"/>
+              </a:schemeClr>
+            </a:solidFill>
+            <a:ln>
+              <a:solidFill>
+                <a:sysClr val="windowText" lastClr="000000"/>
+              </a:solidFill>
+            </a:ln>
+            <a:effectLst/>
+          </c:spPr>
+          <c:invertIfNegative val="0"/>
+          <c:cat>
+            <c:strRef>
+              <c:f>[CASES.xlsx]Misses!$A$19:$A$27</c:f>
+              <c:strCache>
+                <c:ptCount val="9"/>
+                <c:pt idx="0">
+                  <c:v>adi</c:v>
+                </c:pt>
+                <c:pt idx="1">
+                  <c:v>deriche</c:v>
+                </c:pt>
+                <c:pt idx="2">
+                  <c:v>jacobi</c:v>
+                </c:pt>
+                <c:pt idx="3">
+                  <c:v>mat_mult</c:v>
+                </c:pt>
+                <c:pt idx="4">
+                  <c:v>max33</c:v>
+                </c:pt>
+                <c:pt idx="5">
+                  <c:v>median33</c:v>
+                </c:pt>
+                <c:pt idx="6">
+                  <c:v>rotate</c:v>
+                </c:pt>
+                <c:pt idx="7">
+                  <c:v>wodcam</c:v>
+                </c:pt>
+                <c:pt idx="8">
+                  <c:v>Average</c:v>
+                </c:pt>
+              </c:strCache>
+            </c:strRef>
+          </c:cat>
+          <c:val>
+            <c:numRef>
+              <c:f>[CASES.xlsx]Misses!$G$19:$G$27</c:f>
+              <c:numCache>
+                <c:formatCode>0%</c:formatCode>
+                <c:ptCount val="9"/>
+                <c:pt idx="0">
+                  <c:v>0.493966416952172</c:v>
+                </c:pt>
+                <c:pt idx="1">
+                  <c:v>0.610953757225434</c:v>
+                </c:pt>
+                <c:pt idx="2">
+                  <c:v>0.609961381190368</c:v>
+                </c:pt>
+                <c:pt idx="3">
+                  <c:v>0.55588821682606</c:v>
+                </c:pt>
+                <c:pt idx="4">
+                  <c:v>0.509646445188632</c:v>
+                </c:pt>
+                <c:pt idx="5">
+                  <c:v>0.511646467632279</c:v>
+                </c:pt>
+                <c:pt idx="6">
+                  <c:v>0.69183629587156</c:v>
+                </c:pt>
+                <c:pt idx="7">
+                  <c:v>0.0846904311400871</c:v>
+                </c:pt>
+                <c:pt idx="8">
+                  <c:v>0.508573676503324</c:v>
+                </c:pt>
+              </c:numCache>
+            </c:numRef>
+          </c:val>
+        </c:ser>
+        <c:dLbls>
+          <c:dLblPos val="outEnd"/>
+          <c:showLegendKey val="0"/>
+          <c:showVal val="0"/>
+          <c:showCatName val="0"/>
+          <c:showSerName val="0"/>
+          <c:showPercent val="0"/>
+          <c:showBubbleSize val="0"/>
+        </c:dLbls>
+        <c:gapWidth val="219"/>
+        <c:overlap val="0"/>
+        <c:axId val="199196432"/>
+        <c:axId val="885857667"/>
+      </c:barChart>
+      <c:catAx>
+        <c:axId val="199196432"/>
+        <c:scaling>
+          <c:orientation val="minMax"/>
+        </c:scaling>
+        <c:delete val="0"/>
+        <c:axPos val="b"/>
+        <c:numFmt formatCode="General" sourceLinked="1"/>
+        <c:majorTickMark val="none"/>
+        <c:minorTickMark val="none"/>
+        <c:tickLblPos val="nextTo"/>
+        <c:spPr>
+          <a:noFill/>
+          <a:ln w="9525" cap="flat" cmpd="sng" algn="ctr">
+            <a:solidFill>
+              <a:schemeClr val="tx1">
+                <a:lumMod val="15000"/>
+                <a:lumOff val="85000"/>
+              </a:schemeClr>
+            </a:solidFill>
+            <a:round/>
+          </a:ln>
+          <a:effectLst/>
+        </c:spPr>
+        <c:txPr>
+          <a:bodyPr rot="-60000000" spcFirstLastPara="0" vertOverflow="ellipsis" horzOverflow="overflow" vert="horz" wrap="square" anchor="ctr" anchorCtr="1"/>
+          <a:lstStyle/>
+          <a:p>
+            <a:pPr>
+              <a:defRPr sz="1400" kern="1200">
+                <a:solidFill>
+                  <a:schemeClr val="bg2">
+                    <a:lumMod val="10000"/>
+                  </a:schemeClr>
+                </a:solidFill>
+                <a:latin typeface="+mn-lt"/>
+                <a:ea typeface="+mn-ea"/>
+                <a:cs typeface="+mn-cs"/>
+              </a:defRPr>
+            </a:pPr>
+          </a:p>
+        </c:txPr>
+        <c:crossAx val="885857667"/>
+        <c:crosses val="autoZero"/>
+        <c:auto val="1"/>
+        <c:lblAlgn val="ctr"/>
+        <c:lblOffset val="100"/>
+        <c:tickMarkSkip val="1"/>
+        <c:noMultiLvlLbl val="0"/>
+      </c:catAx>
+      <c:valAx>
+        <c:axId val="885857667"/>
+        <c:scaling>
+          <c:orientation val="minMax"/>
+        </c:scaling>
+        <c:delete val="0"/>
+        <c:axPos val="l"/>
+        <c:majorGridlines>
+          <c:spPr>
+            <a:noFill/>
+            <a:ln w="9525" cap="flat" cmpd="sng" algn="ctr">
+              <a:solidFill>
+                <a:schemeClr val="tx1">
+                  <a:lumMod val="15000"/>
+                  <a:lumOff val="85000"/>
+                </a:schemeClr>
+              </a:solidFill>
+              <a:round/>
+            </a:ln>
+            <a:effectLst/>
+          </c:spPr>
+        </c:majorGridlines>
+        <c:title>
+          <c:tx>
+            <c:rich>
+              <a:bodyPr vertOverflow="ellipsis" anchor="ctr" anchorCtr="1"/>
+              <a:lstStyle/>
+              <a:p>
+                <a:pPr algn="ctr" defTabSz="914400">
+                  <a:defRPr sz="1800" kern="1200">
+                    <a:solidFill>
+                      <a:schemeClr val="bg2">
+                        <a:lumMod val="10000"/>
+                      </a:schemeClr>
+                    </a:solidFill>
+                    <a:latin typeface="+mn-lt"/>
+                    <a:ea typeface="+mn-ea"/>
+                    <a:cs typeface="+mn-cs"/>
+                  </a:defRPr>
+                </a:pPr>
+                <a:r>
+                  <a:rPr lang="x-none" altLang="fr-FR" sz="1800" b="0" i="0" u="none" strike="noStrike" kern="1200" cap="none" normalizeH="0" baseline="0">
+                    <a:solidFill>
+                      <a:schemeClr val="bg2">
+                        <a:lumMod val="10000"/>
+                      </a:schemeClr>
+                    </a:solidFill>
+                    <a:effectLst/>
+                    <a:latin typeface="+mn-lt"/>
+                    <a:ea typeface="+mn-ea"/>
+                    <a:cs typeface="+mn-cs"/>
+                  </a:rPr>
+                  <a:t>Normalized misses at L1-level </a:t>
+                </a:r>
+                <a:endParaRPr lang="x-none" altLang="fr-FR" sz="1800" b="0" i="0" u="none" strike="noStrike" kern="1200" cap="none" normalizeH="0" baseline="0">
+                  <a:solidFill>
+                    <a:schemeClr val="bg2">
+                      <a:lumMod val="10000"/>
+                    </a:schemeClr>
+                  </a:solidFill>
+                  <a:effectLst/>
+                  <a:latin typeface="+mn-lt"/>
+                  <a:ea typeface="+mn-ea"/>
+                  <a:cs typeface="+mn-cs"/>
+                </a:endParaRPr>
+              </a:p>
+            </c:rich>
+          </c:tx>
+          <c:layout/>
+          <c:overlay val="0"/>
+          <c:spPr>
+            <a:noFill/>
+            <a:ln>
+              <a:noFill/>
+            </a:ln>
+            <a:effectLst/>
+          </c:spPr>
+        </c:title>
+        <c:numFmt formatCode="General" sourceLinked="1"/>
+        <c:majorTickMark val="none"/>
+        <c:minorTickMark val="none"/>
+        <c:tickLblPos val="nextTo"/>
+        <c:spPr>
+          <a:noFill/>
+          <a:ln>
+            <a:noFill/>
+          </a:ln>
+          <a:effectLst/>
+        </c:spPr>
+        <c:txPr>
+          <a:bodyPr rot="-60000000" spcFirstLastPara="0" vertOverflow="ellipsis" horzOverflow="overflow" vert="horz" wrap="square" anchor="ctr" anchorCtr="1"/>
+          <a:lstStyle/>
+          <a:p>
+            <a:pPr>
+              <a:defRPr sz="1400" kern="1200">
+                <a:solidFill>
+                  <a:schemeClr val="bg2">
+                    <a:lumMod val="10000"/>
+                  </a:schemeClr>
+                </a:solidFill>
+                <a:latin typeface="+mn-lt"/>
+                <a:ea typeface="+mn-ea"/>
+                <a:cs typeface="+mn-cs"/>
+              </a:defRPr>
+            </a:pPr>
+          </a:p>
+        </c:txPr>
+        <c:crossAx val="199196432"/>
+        <c:crosses val="autoZero"/>
+        <c:crossBetween val="between"/>
+      </c:valAx>
+      <c:spPr>
+        <a:noFill/>
+        <a:ln>
+          <a:noFill/>
+        </a:ln>
+        <a:effectLst/>
+      </c:spPr>
+    </c:plotArea>
+    <c:legend>
+      <c:legendPos val="b"/>
+      <c:legendEntry>
+        <c:idx val="0"/>
+        <c:txPr>
+          <a:bodyPr rot="0" spcFirstLastPara="0" vertOverflow="ellipsis" horzOverflow="overflow" vert="horz" wrap="square" anchor="ctr" anchorCtr="1"/>
+          <a:lstStyle/>
+          <a:p>
+            <a:pPr>
+              <a:defRPr sz="1400">
+                <a:solidFill>
+                  <a:schemeClr val="bg2">
+                    <a:lumMod val="10000"/>
+                  </a:schemeClr>
+                </a:solidFill>
+              </a:defRPr>
+            </a:pPr>
+          </a:p>
+        </c:txPr>
+      </c:legendEntry>
+      <c:legendEntry>
+        <c:idx val="1"/>
+        <c:txPr>
+          <a:bodyPr rot="0" spcFirstLastPara="0" vertOverflow="ellipsis" horzOverflow="overflow" vert="horz" wrap="square" anchor="ctr" anchorCtr="1"/>
+          <a:lstStyle/>
+          <a:p>
+            <a:pPr>
+              <a:defRPr sz="1400">
+                <a:solidFill>
+                  <a:schemeClr val="bg2">
+                    <a:lumMod val="10000"/>
+                  </a:schemeClr>
+                </a:solidFill>
+              </a:defRPr>
+            </a:pPr>
+          </a:p>
+        </c:txPr>
+      </c:legendEntry>
+      <c:legendEntry>
+        <c:idx val="2"/>
+        <c:txPr>
+          <a:bodyPr rot="0" spcFirstLastPara="0" vertOverflow="ellipsis" horzOverflow="overflow" vert="horz" wrap="square" anchor="ctr" anchorCtr="1"/>
+          <a:lstStyle/>
+          <a:p>
+            <a:pPr>
+              <a:defRPr sz="1400">
+                <a:solidFill>
+                  <a:schemeClr val="bg2">
+                    <a:lumMod val="10000"/>
+                  </a:schemeClr>
+                </a:solidFill>
+              </a:defRPr>
+            </a:pPr>
+          </a:p>
+        </c:txPr>
+      </c:legendEntry>
+      <c:legendEntry>
+        <c:idx val="3"/>
+        <c:txPr>
+          <a:bodyPr rot="0" spcFirstLastPara="0" vertOverflow="ellipsis" horzOverflow="overflow" vert="horz" wrap="square" anchor="ctr" anchorCtr="1"/>
+          <a:lstStyle/>
+          <a:p>
+            <a:pPr>
+              <a:defRPr sz="1400">
+                <a:solidFill>
+                  <a:schemeClr val="bg2">
+                    <a:lumMod val="10000"/>
+                  </a:schemeClr>
+                </a:solidFill>
+              </a:defRPr>
+            </a:pPr>
+          </a:p>
+        </c:txPr>
+      </c:legendEntry>
+      <c:layout>
+        <c:manualLayout>
+          <c:xMode val="edge"/>
+          <c:yMode val="edge"/>
+          <c:x val="0.127770403006801"/>
+          <c:y val="0.00416724545075705"/>
+          <c:w val="0.404787592717465"/>
+          <c:h val="0.131612903225806"/>
+        </c:manualLayout>
+      </c:layout>
+      <c:overlay val="0"/>
+      <c:spPr>
+        <a:noFill/>
+        <a:ln>
+          <a:noFill/>
+        </a:ln>
+        <a:effectLst/>
+      </c:spPr>
+      <c:txPr>
+        <a:bodyPr rot="0" spcFirstLastPara="0" vertOverflow="ellipsis" horzOverflow="overflow" vert="horz" wrap="square" anchor="ctr" anchorCtr="1"/>
+        <a:lstStyle/>
+        <a:p>
+          <a:pPr>
+            <a:defRPr sz="1400" kern="1200">
+              <a:solidFill>
+                <a:schemeClr val="bg2">
+                  <a:lumMod val="10000"/>
+                </a:schemeClr>
+              </a:solidFill>
+              <a:latin typeface="+mn-lt"/>
+              <a:ea typeface="+mn-ea"/>
+              <a:cs typeface="+mn-cs"/>
+            </a:defRPr>
+          </a:pPr>
+        </a:p>
+      </c:txPr>
+    </c:legend>
+    <c:plotVisOnly val="1"/>
+    <c:dispBlanksAs val="gap"/>
+    <c:showDLblsOverMax val="0"/>
+  </c:chart>
+  <c:spPr>
+    <a:solidFill>
+      <a:schemeClr val="bg1"/>
+    </a:solidFill>
+    <a:ln w="9525" cap="flat" cmpd="sng" algn="ctr">
+      <a:noFill/>
+      <a:round/>
+    </a:ln>
+    <a:effectLst/>
+  </c:spPr>
+  <c:txPr>
+    <a:bodyPr rot="0" spcFirstLastPara="0" vertOverflow="ellipsis" horzOverflow="overflow" vert="horz" wrap="square" anchor="ctr" anchorCtr="1"/>
+    <a:lstStyle/>
+    <a:p>
+      <a:pPr>
+        <a:defRPr lang="fr-FR" sz="1400" kern="1200">
+          <a:solidFill>
+            <a:schemeClr val="tx1"/>
+          </a:solidFill>
+          <a:latin typeface="+mn-lt"/>
+          <a:ea typeface="+mn-ea"/>
+          <a:cs typeface="+mn-cs"/>
+        </a:defRPr>
+      </a:pPr>
+    </a:p>
+  </c:txPr>
+  <c:externalData r:id="rId1">
+    <c:autoUpdate val="0"/>
+  </c:externalData>
+</c:chartSpace>
+</file>
+
+<file path=ppt/charts/chart13.xml><?xml version="1.0" encoding="utf-8"?>
 <c:chartSpace xmlns:c="http://schemas.openxmlformats.org/drawingml/2006/chart" xmlns:a="http://schemas.openxmlformats.org/drawingml/2006/main" xmlns:r="http://schemas.openxmlformats.org/officeDocument/2006/relationships">
   <c:date1904 val="0"/>
   <c:lang val="zh-CN"/>
@@ -1622,7 +3257,7 @@
                   <c:v>0.792431198184875</c:v>
                 </c:pt>
                 <c:pt idx="2">
-                  <c:v>1.01134047645223</c:v>
+                  <c:v>0.850662584884439</c:v>
                 </c:pt>
                 <c:pt idx="3">
                   <c:v>0.698663586461374</c:v>
@@ -7191,6 +8826,86 @@
 </cs:colorStyle>
 </file>
 
+<file path=ppt/charts/colors12.xml><?xml version="1.0" encoding="utf-8"?>
+<cs:colorStyle xmlns:cs="http://schemas.microsoft.com/office/drawing/2012/chartStyle" xmlns:a="http://schemas.openxmlformats.org/drawingml/2006/main" meth="cycle" id="10">
+  <a:schemeClr val="accent1"/>
+  <a:schemeClr val="accent2"/>
+  <a:schemeClr val="accent3"/>
+  <a:schemeClr val="accent4"/>
+  <a:schemeClr val="accent5"/>
+  <a:schemeClr val="accent6"/>
+  <cs:variation/>
+  <cs:variation>
+    <a:lumMod val="60000"/>
+  </cs:variation>
+  <cs:variation>
+    <a:lumMod val="80000"/>
+    <a:lumOff val="20000"/>
+  </cs:variation>
+  <cs:variation>
+    <a:lumMod val="80000"/>
+  </cs:variation>
+  <cs:variation>
+    <a:lumMod val="60000"/>
+    <a:lumOff val="40000"/>
+  </cs:variation>
+  <cs:variation>
+    <a:lumMod val="50000"/>
+  </cs:variation>
+  <cs:variation>
+    <a:lumMod val="70000"/>
+    <a:lumOff val="30000"/>
+  </cs:variation>
+  <cs:variation>
+    <a:lumMod val="70000"/>
+  </cs:variation>
+  <cs:variation>
+    <a:lumMod val="50000"/>
+    <a:lumOff val="50000"/>
+  </cs:variation>
+</cs:colorStyle>
+</file>
+
+<file path=ppt/charts/colors13.xml><?xml version="1.0" encoding="utf-8"?>
+<cs:colorStyle xmlns:cs="http://schemas.microsoft.com/office/drawing/2012/chartStyle" xmlns:a="http://schemas.openxmlformats.org/drawingml/2006/main" meth="cycle" id="10">
+  <a:schemeClr val="accent1"/>
+  <a:schemeClr val="accent2"/>
+  <a:schemeClr val="accent3"/>
+  <a:schemeClr val="accent4"/>
+  <a:schemeClr val="accent5"/>
+  <a:schemeClr val="accent6"/>
+  <cs:variation/>
+  <cs:variation>
+    <a:lumMod val="60000"/>
+  </cs:variation>
+  <cs:variation>
+    <a:lumMod val="80000"/>
+    <a:lumOff val="20000"/>
+  </cs:variation>
+  <cs:variation>
+    <a:lumMod val="80000"/>
+  </cs:variation>
+  <cs:variation>
+    <a:lumMod val="60000"/>
+    <a:lumOff val="40000"/>
+  </cs:variation>
+  <cs:variation>
+    <a:lumMod val="50000"/>
+  </cs:variation>
+  <cs:variation>
+    <a:lumMod val="70000"/>
+    <a:lumOff val="30000"/>
+  </cs:variation>
+  <cs:variation>
+    <a:lumMod val="70000"/>
+  </cs:variation>
+  <cs:variation>
+    <a:lumMod val="50000"/>
+    <a:lumOff val="50000"/>
+  </cs:variation>
+</cs:colorStyle>
+</file>
+
 <file path=ppt/charts/colors2.xml><?xml version="1.0" encoding="utf-8"?>
 <cs:colorStyle xmlns:cs="http://schemas.microsoft.com/office/drawing/2012/chartStyle" xmlns:a="http://schemas.openxmlformats.org/drawingml/2006/main" meth="cycle" id="10">
   <a:schemeClr val="accent1"/>
@@ -8015,7 +9730,7 @@
 </file>
 
 <file path=ppt/charts/style10.xml><?xml version="1.0" encoding="utf-8"?>
-<cs:chartStyle xmlns:cs="http://schemas.microsoft.com/office/drawing/2012/chartStyle" xmlns:a="http://schemas.openxmlformats.org/drawingml/2006/main" id="297">
+<cs:chartStyle xmlns:cs="http://schemas.microsoft.com/office/drawing/2012/chartStyle" xmlns:a="http://schemas.openxmlformats.org/drawingml/2006/main" id="201">
   <cs:axisTitle>
     <cs:lnRef idx="0"/>
     <cs:fillRef idx="0"/>
@@ -8219,6 +9934,509 @@
     <cs:fillRef idx="0"/>
     <cs:effectRef idx="0"/>
     <cs:fontRef idx="minor">
+      <a:schemeClr val="dk1"/>
+    </cs:fontRef>
+    <cs:spPr>
+      <a:solidFill>
+        <a:schemeClr val="dk1">
+          <a:lumMod val="65000"/>
+          <a:lumOff val="35000"/>
+        </a:schemeClr>
+      </a:solidFill>
+      <a:ln w="9525">
+        <a:solidFill>
+          <a:schemeClr val="tx1">
+            <a:lumMod val="65000"/>
+            <a:lumOff val="35000"/>
+          </a:schemeClr>
+        </a:solidFill>
+      </a:ln>
+    </cs:spPr>
+  </cs:downBar>
+  <cs:dropLine>
+    <cs:lnRef idx="0"/>
+    <cs:fillRef idx="0"/>
+    <cs:effectRef idx="0"/>
+    <cs:fontRef idx="minor">
+      <a:schemeClr val="tx1"/>
+    </cs:fontRef>
+    <cs:spPr>
+      <a:ln w="9525" cap="flat" cmpd="sng" algn="ctr">
+        <a:solidFill>
+          <a:schemeClr val="tx1">
+            <a:lumMod val="35000"/>
+            <a:lumOff val="65000"/>
+          </a:schemeClr>
+        </a:solidFill>
+        <a:round/>
+      </a:ln>
+    </cs:spPr>
+  </cs:dropLine>
+  <cs:errorBar>
+    <cs:lnRef idx="0"/>
+    <cs:fillRef idx="0"/>
+    <cs:effectRef idx="0"/>
+    <cs:fontRef idx="minor">
+      <a:schemeClr val="tx1"/>
+    </cs:fontRef>
+    <cs:spPr>
+      <a:ln w="9525" cap="flat" cmpd="sng" algn="ctr">
+        <a:solidFill>
+          <a:schemeClr val="tx1">
+            <a:lumMod val="65000"/>
+            <a:lumOff val="35000"/>
+          </a:schemeClr>
+        </a:solidFill>
+        <a:round/>
+      </a:ln>
+    </cs:spPr>
+  </cs:errorBar>
+  <cs:floor>
+    <cs:lnRef idx="0"/>
+    <cs:fillRef idx="0"/>
+    <cs:effectRef idx="0"/>
+    <cs:fontRef idx="minor">
+      <a:schemeClr val="tx1"/>
+    </cs:fontRef>
+    <cs:spPr>
+      <a:noFill/>
+      <a:ln>
+        <a:noFill/>
+      </a:ln>
+    </cs:spPr>
+  </cs:floor>
+  <cs:gridlineMajor>
+    <cs:lnRef idx="0"/>
+    <cs:fillRef idx="0"/>
+    <cs:effectRef idx="0"/>
+    <cs:fontRef idx="minor">
+      <a:schemeClr val="tx1"/>
+    </cs:fontRef>
+    <cs:spPr>
+      <a:ln w="9525" cap="flat" cmpd="sng" algn="ctr">
+        <a:solidFill>
+          <a:schemeClr val="tx1">
+            <a:lumMod val="15000"/>
+            <a:lumOff val="85000"/>
+          </a:schemeClr>
+        </a:solidFill>
+        <a:round/>
+      </a:ln>
+    </cs:spPr>
+  </cs:gridlineMajor>
+  <cs:gridlineMinor>
+    <cs:lnRef idx="0"/>
+    <cs:fillRef idx="0"/>
+    <cs:effectRef idx="0"/>
+    <cs:fontRef idx="minor">
+      <a:schemeClr val="tx1"/>
+    </cs:fontRef>
+    <cs:spPr>
+      <a:ln w="9525" cap="flat" cmpd="sng" algn="ctr">
+        <a:solidFill>
+          <a:schemeClr val="tx1">
+            <a:lumMod val="5000"/>
+            <a:lumOff val="95000"/>
+          </a:schemeClr>
+        </a:solidFill>
+        <a:round/>
+      </a:ln>
+    </cs:spPr>
+  </cs:gridlineMinor>
+  <cs:hiLoLine>
+    <cs:lnRef idx="0"/>
+    <cs:fillRef idx="0"/>
+    <cs:effectRef idx="0"/>
+    <cs:fontRef idx="minor">
+      <a:schemeClr val="tx1"/>
+    </cs:fontRef>
+    <cs:spPr>
+      <a:ln w="9525" cap="flat" cmpd="sng" algn="ctr">
+        <a:solidFill>
+          <a:schemeClr val="tx1">
+            <a:lumMod val="75000"/>
+            <a:lumOff val="25000"/>
+          </a:schemeClr>
+        </a:solidFill>
+        <a:round/>
+      </a:ln>
+    </cs:spPr>
+  </cs:hiLoLine>
+  <cs:leaderLine>
+    <cs:lnRef idx="0"/>
+    <cs:fillRef idx="0"/>
+    <cs:effectRef idx="0"/>
+    <cs:fontRef idx="minor">
+      <a:schemeClr val="tx1"/>
+    </cs:fontRef>
+    <cs:spPr>
+      <a:ln w="9525" cap="flat" cmpd="sng" algn="ctr">
+        <a:solidFill>
+          <a:schemeClr val="tx1">
+            <a:lumMod val="35000"/>
+            <a:lumOff val="65000"/>
+          </a:schemeClr>
+        </a:solidFill>
+        <a:round/>
+      </a:ln>
+    </cs:spPr>
+  </cs:leaderLine>
+  <cs:legend>
+    <cs:lnRef idx="0"/>
+    <cs:fillRef idx="0"/>
+    <cs:effectRef idx="0"/>
+    <cs:fontRef idx="minor">
+      <a:schemeClr val="tx1">
+        <a:lumMod val="65000"/>
+        <a:lumOff val="35000"/>
+      </a:schemeClr>
+    </cs:fontRef>
+    <cs:defRPr sz="900" kern="1200"/>
+  </cs:legend>
+  <cs:plotArea mods="allowNoFillOverride allowNoLineOverride">
+    <cs:lnRef idx="0"/>
+    <cs:fillRef idx="0"/>
+    <cs:effectRef idx="0"/>
+    <cs:fontRef idx="minor">
+      <a:schemeClr val="tx1"/>
+    </cs:fontRef>
+  </cs:plotArea>
+  <cs:plotArea3D mods="allowNoFillOverride allowNoLineOverride">
+    <cs:lnRef idx="0"/>
+    <cs:fillRef idx="0"/>
+    <cs:effectRef idx="0"/>
+    <cs:fontRef idx="minor">
+      <a:schemeClr val="tx1"/>
+    </cs:fontRef>
+  </cs:plotArea3D>
+  <cs:seriesAxis>
+    <cs:lnRef idx="0"/>
+    <cs:fillRef idx="0"/>
+    <cs:effectRef idx="0"/>
+    <cs:fontRef idx="minor">
+      <a:schemeClr val="tx1">
+        <a:lumMod val="65000"/>
+        <a:lumOff val="35000"/>
+      </a:schemeClr>
+    </cs:fontRef>
+    <cs:defRPr sz="900" kern="1200"/>
+  </cs:seriesAxis>
+  <cs:seriesLine>
+    <cs:lnRef idx="0"/>
+    <cs:fillRef idx="0"/>
+    <cs:effectRef idx="0"/>
+    <cs:fontRef idx="minor">
+      <a:schemeClr val="tx1"/>
+    </cs:fontRef>
+    <cs:spPr>
+      <a:ln w="9525" cap="flat" cmpd="sng" algn="ctr">
+        <a:solidFill>
+          <a:schemeClr val="tx1">
+            <a:lumMod val="35000"/>
+            <a:lumOff val="65000"/>
+          </a:schemeClr>
+        </a:solidFill>
+        <a:round/>
+      </a:ln>
+    </cs:spPr>
+  </cs:seriesLine>
+  <cs:title>
+    <cs:lnRef idx="0"/>
+    <cs:fillRef idx="0"/>
+    <cs:effectRef idx="0"/>
+    <cs:fontRef idx="minor">
+      <a:schemeClr val="tx1">
+        <a:lumMod val="65000"/>
+        <a:lumOff val="35000"/>
+      </a:schemeClr>
+    </cs:fontRef>
+    <cs:defRPr sz="1400" b="0" kern="1200" spc="0" baseline="0"/>
+  </cs:title>
+  <cs:trendline>
+    <cs:lnRef idx="0">
+      <cs:styleClr val="auto"/>
+    </cs:lnRef>
+    <cs:fillRef idx="0"/>
+    <cs:effectRef idx="0"/>
+    <cs:fontRef idx="minor">
+      <a:schemeClr val="tx1"/>
+    </cs:fontRef>
+    <cs:spPr>
+      <a:ln w="19050" cap="rnd">
+        <a:solidFill>
+          <a:schemeClr val="phClr"/>
+        </a:solidFill>
+        <a:prstDash val="sysDot"/>
+      </a:ln>
+    </cs:spPr>
+  </cs:trendline>
+  <cs:trendlineLabel>
+    <cs:lnRef idx="0"/>
+    <cs:fillRef idx="0"/>
+    <cs:effectRef idx="0"/>
+    <cs:fontRef idx="minor">
+      <a:schemeClr val="tx1">
+        <a:lumMod val="65000"/>
+        <a:lumOff val="35000"/>
+      </a:schemeClr>
+    </cs:fontRef>
+    <cs:defRPr sz="900" kern="1200"/>
+  </cs:trendlineLabel>
+  <cs:upBar>
+    <cs:lnRef idx="0"/>
+    <cs:fillRef idx="0"/>
+    <cs:effectRef idx="0"/>
+    <cs:fontRef idx="minor">
+      <a:schemeClr val="dk1"/>
+    </cs:fontRef>
+    <cs:spPr>
+      <a:solidFill>
+        <a:schemeClr val="lt1"/>
+      </a:solidFill>
+      <a:ln w="9525">
+        <a:solidFill>
+          <a:schemeClr val="tx1">
+            <a:lumMod val="15000"/>
+            <a:lumOff val="85000"/>
+          </a:schemeClr>
+        </a:solidFill>
+      </a:ln>
+    </cs:spPr>
+  </cs:upBar>
+  <cs:valueAxis>
+    <cs:lnRef idx="0"/>
+    <cs:fillRef idx="0"/>
+    <cs:effectRef idx="0"/>
+    <cs:fontRef idx="minor">
+      <a:schemeClr val="tx1">
+        <a:lumMod val="65000"/>
+        <a:lumOff val="35000"/>
+      </a:schemeClr>
+    </cs:fontRef>
+    <cs:defRPr sz="900" kern="1200"/>
+  </cs:valueAxis>
+  <cs:wall>
+    <cs:lnRef idx="0"/>
+    <cs:fillRef idx="0"/>
+    <cs:effectRef idx="0"/>
+    <cs:fontRef idx="minor">
+      <a:schemeClr val="tx1"/>
+    </cs:fontRef>
+    <cs:spPr>
+      <a:noFill/>
+      <a:ln>
+        <a:noFill/>
+      </a:ln>
+    </cs:spPr>
+  </cs:wall>
+</cs:chartStyle>
+</file>
+
+<file path=ppt/charts/style11.xml><?xml version="1.0" encoding="utf-8"?>
+<cs:chartStyle xmlns:cs="http://schemas.microsoft.com/office/drawing/2012/chartStyle" xmlns:a="http://schemas.openxmlformats.org/drawingml/2006/main" id="297">
+  <cs:axisTitle>
+    <cs:lnRef idx="0"/>
+    <cs:fillRef idx="0"/>
+    <cs:effectRef idx="0"/>
+    <cs:fontRef idx="minor">
+      <a:schemeClr val="tx1">
+        <a:lumMod val="65000"/>
+        <a:lumOff val="35000"/>
+      </a:schemeClr>
+    </cs:fontRef>
+    <cs:defRPr sz="1000" kern="1200"/>
+  </cs:axisTitle>
+  <cs:categoryAxis>
+    <cs:lnRef idx="0"/>
+    <cs:fillRef idx="0"/>
+    <cs:effectRef idx="0"/>
+    <cs:fontRef idx="minor">
+      <a:schemeClr val="tx1">
+        <a:lumMod val="65000"/>
+        <a:lumOff val="35000"/>
+      </a:schemeClr>
+    </cs:fontRef>
+    <cs:spPr>
+      <a:ln w="9525" cap="flat" cmpd="sng" algn="ctr">
+        <a:solidFill>
+          <a:schemeClr val="tx1">
+            <a:lumMod val="15000"/>
+            <a:lumOff val="85000"/>
+          </a:schemeClr>
+        </a:solidFill>
+        <a:round/>
+      </a:ln>
+    </cs:spPr>
+    <cs:defRPr sz="900" kern="1200"/>
+  </cs:categoryAxis>
+  <cs:chartArea mods="allowNoFillOverride allowNoLineOverride">
+    <cs:lnRef idx="0"/>
+    <cs:fillRef idx="0"/>
+    <cs:effectRef idx="0"/>
+    <cs:fontRef idx="minor">
+      <a:schemeClr val="tx1"/>
+    </cs:fontRef>
+    <cs:spPr>
+      <a:solidFill>
+        <a:schemeClr val="bg1"/>
+      </a:solidFill>
+      <a:ln w="9525" cap="flat" cmpd="sng" algn="ctr">
+        <a:solidFill>
+          <a:schemeClr val="tx1">
+            <a:lumMod val="15000"/>
+            <a:lumOff val="85000"/>
+          </a:schemeClr>
+        </a:solidFill>
+        <a:round/>
+      </a:ln>
+    </cs:spPr>
+    <cs:defRPr sz="1000" kern="1200"/>
+  </cs:chartArea>
+  <cs:dataLabel>
+    <cs:lnRef idx="0"/>
+    <cs:fillRef idx="0"/>
+    <cs:effectRef idx="0"/>
+    <cs:fontRef idx="minor">
+      <a:schemeClr val="tx1">
+        <a:lumMod val="75000"/>
+        <a:lumOff val="25000"/>
+      </a:schemeClr>
+    </cs:fontRef>
+    <cs:defRPr sz="900" kern="1200"/>
+  </cs:dataLabel>
+  <cs:dataLabelCallout>
+    <cs:lnRef idx="0"/>
+    <cs:fillRef idx="0"/>
+    <cs:effectRef idx="0"/>
+    <cs:fontRef idx="minor">
+      <a:schemeClr val="dk1">
+        <a:lumMod val="65000"/>
+        <a:lumOff val="35000"/>
+      </a:schemeClr>
+    </cs:fontRef>
+    <cs:spPr>
+      <a:solidFill>
+        <a:schemeClr val="lt1"/>
+      </a:solidFill>
+      <a:ln>
+        <a:solidFill>
+          <a:schemeClr val="dk1">
+            <a:lumMod val="25000"/>
+            <a:lumOff val="75000"/>
+          </a:schemeClr>
+        </a:solidFill>
+      </a:ln>
+    </cs:spPr>
+    <cs:defRPr sz="900" kern="1200"/>
+    <cs:bodyPr rot="0" spcFirstLastPara="1" vertOverflow="clip" horzOverflow="clip" vert="horz" wrap="square" lIns="36576" tIns="18288" rIns="36576" bIns="18288" anchor="ctr" anchorCtr="1">
+      <a:spAutoFit/>
+    </cs:bodyPr>
+  </cs:dataLabelCallout>
+  <cs:dataPoint>
+    <cs:lnRef idx="0"/>
+    <cs:fillRef idx="1">
+      <cs:styleClr val="auto"/>
+    </cs:fillRef>
+    <cs:effectRef idx="0"/>
+    <cs:fontRef idx="minor">
+      <a:schemeClr val="tx1"/>
+    </cs:fontRef>
+  </cs:dataPoint>
+  <cs:dataPoint3D>
+    <cs:lnRef idx="0"/>
+    <cs:fillRef idx="1">
+      <cs:styleClr val="auto"/>
+    </cs:fillRef>
+    <cs:effectRef idx="0"/>
+    <cs:fontRef idx="minor">
+      <a:schemeClr val="tx1"/>
+    </cs:fontRef>
+  </cs:dataPoint3D>
+  <cs:dataPointLine>
+    <cs:lnRef idx="0">
+      <cs:styleClr val="auto"/>
+    </cs:lnRef>
+    <cs:fillRef idx="1"/>
+    <cs:effectRef idx="0"/>
+    <cs:fontRef idx="minor">
+      <a:schemeClr val="tx1"/>
+    </cs:fontRef>
+    <cs:spPr>
+      <a:ln w="28575" cap="rnd">
+        <a:solidFill>
+          <a:schemeClr val="phClr"/>
+        </a:solidFill>
+        <a:round/>
+      </a:ln>
+    </cs:spPr>
+  </cs:dataPointLine>
+  <cs:dataPointMarker>
+    <cs:lnRef idx="0">
+      <cs:styleClr val="auto"/>
+    </cs:lnRef>
+    <cs:fillRef idx="1">
+      <cs:styleClr val="auto"/>
+    </cs:fillRef>
+    <cs:effectRef idx="0"/>
+    <cs:fontRef idx="minor">
+      <a:schemeClr val="tx1"/>
+    </cs:fontRef>
+    <cs:spPr>
+      <a:ln w="9525">
+        <a:solidFill>
+          <a:schemeClr val="phClr"/>
+        </a:solidFill>
+      </a:ln>
+    </cs:spPr>
+  </cs:dataPointMarker>
+  <cs:dataPointMarkerLayout symbol="circle" size="5"/>
+  <cs:dataPointWireframe>
+    <cs:lnRef idx="0">
+      <cs:styleClr val="auto"/>
+    </cs:lnRef>
+    <cs:fillRef idx="1"/>
+    <cs:effectRef idx="0"/>
+    <cs:fontRef idx="minor">
+      <a:schemeClr val="tx1"/>
+    </cs:fontRef>
+    <cs:spPr>
+      <a:ln w="9525" cap="rnd">
+        <a:solidFill>
+          <a:schemeClr val="phClr"/>
+        </a:solidFill>
+        <a:round/>
+      </a:ln>
+    </cs:spPr>
+  </cs:dataPointWireframe>
+  <cs:dataTable>
+    <cs:lnRef idx="0"/>
+    <cs:fillRef idx="0"/>
+    <cs:effectRef idx="0"/>
+    <cs:fontRef idx="minor">
+      <a:schemeClr val="tx1">
+        <a:lumMod val="65000"/>
+        <a:lumOff val="35000"/>
+      </a:schemeClr>
+    </cs:fontRef>
+    <cs:spPr>
+      <a:noFill/>
+      <a:ln w="9525" cap="flat" cmpd="sng" algn="ctr">
+        <a:solidFill>
+          <a:schemeClr val="tx1">
+            <a:lumMod val="15000"/>
+            <a:lumOff val="85000"/>
+          </a:schemeClr>
+        </a:solidFill>
+        <a:round/>
+      </a:ln>
+    </cs:spPr>
+    <cs:defRPr sz="900" kern="1200"/>
+  </cs:dataTable>
+  <cs:downBar>
+    <cs:lnRef idx="0"/>
+    <cs:fillRef idx="0"/>
+    <cs:effectRef idx="0"/>
+    <cs:fontRef idx="minor">
       <a:schemeClr val="tx1"/>
     </cs:fontRef>
     <cs:spPr>
@@ -8519,7 +10737,510 @@
 </cs:chartStyle>
 </file>
 
-<file path=ppt/charts/style11.xml><?xml version="1.0" encoding="utf-8"?>
+<file path=ppt/charts/style12.xml><?xml version="1.0" encoding="utf-8"?>
+<cs:chartStyle xmlns:cs="http://schemas.microsoft.com/office/drawing/2012/chartStyle" xmlns:a="http://schemas.openxmlformats.org/drawingml/2006/main" id="201">
+  <cs:axisTitle>
+    <cs:lnRef idx="0"/>
+    <cs:fillRef idx="0"/>
+    <cs:effectRef idx="0"/>
+    <cs:fontRef idx="minor">
+      <a:schemeClr val="tx1">
+        <a:lumMod val="65000"/>
+        <a:lumOff val="35000"/>
+      </a:schemeClr>
+    </cs:fontRef>
+    <cs:defRPr sz="1000" kern="1200"/>
+  </cs:axisTitle>
+  <cs:categoryAxis>
+    <cs:lnRef idx="0"/>
+    <cs:fillRef idx="0"/>
+    <cs:effectRef idx="0"/>
+    <cs:fontRef idx="minor">
+      <a:schemeClr val="tx1">
+        <a:lumMod val="65000"/>
+        <a:lumOff val="35000"/>
+      </a:schemeClr>
+    </cs:fontRef>
+    <cs:spPr>
+      <a:ln w="9525" cap="flat" cmpd="sng" algn="ctr">
+        <a:solidFill>
+          <a:schemeClr val="tx1">
+            <a:lumMod val="15000"/>
+            <a:lumOff val="85000"/>
+          </a:schemeClr>
+        </a:solidFill>
+        <a:round/>
+      </a:ln>
+    </cs:spPr>
+    <cs:defRPr sz="900" kern="1200"/>
+  </cs:categoryAxis>
+  <cs:chartArea mods="allowNoFillOverride allowNoLineOverride">
+    <cs:lnRef idx="0"/>
+    <cs:fillRef idx="0"/>
+    <cs:effectRef idx="0"/>
+    <cs:fontRef idx="minor">
+      <a:schemeClr val="tx1"/>
+    </cs:fontRef>
+    <cs:spPr>
+      <a:solidFill>
+        <a:schemeClr val="bg1"/>
+      </a:solidFill>
+      <a:ln w="9525" cap="flat" cmpd="sng" algn="ctr">
+        <a:solidFill>
+          <a:schemeClr val="tx1">
+            <a:lumMod val="15000"/>
+            <a:lumOff val="85000"/>
+          </a:schemeClr>
+        </a:solidFill>
+        <a:round/>
+      </a:ln>
+    </cs:spPr>
+    <cs:defRPr sz="1000" kern="1200"/>
+  </cs:chartArea>
+  <cs:dataLabel>
+    <cs:lnRef idx="0"/>
+    <cs:fillRef idx="0"/>
+    <cs:effectRef idx="0"/>
+    <cs:fontRef idx="minor">
+      <a:schemeClr val="tx1">
+        <a:lumMod val="75000"/>
+        <a:lumOff val="25000"/>
+      </a:schemeClr>
+    </cs:fontRef>
+    <cs:defRPr sz="900" kern="1200"/>
+  </cs:dataLabel>
+  <cs:dataLabelCallout>
+    <cs:lnRef idx="0"/>
+    <cs:fillRef idx="0"/>
+    <cs:effectRef idx="0"/>
+    <cs:fontRef idx="minor">
+      <a:schemeClr val="dk1">
+        <a:lumMod val="65000"/>
+        <a:lumOff val="35000"/>
+      </a:schemeClr>
+    </cs:fontRef>
+    <cs:spPr>
+      <a:solidFill>
+        <a:schemeClr val="lt1"/>
+      </a:solidFill>
+      <a:ln>
+        <a:solidFill>
+          <a:schemeClr val="dk1">
+            <a:lumMod val="25000"/>
+            <a:lumOff val="75000"/>
+          </a:schemeClr>
+        </a:solidFill>
+      </a:ln>
+    </cs:spPr>
+    <cs:defRPr sz="900" kern="1200"/>
+    <cs:bodyPr rot="0" spcFirstLastPara="1" vertOverflow="clip" horzOverflow="clip" vert="horz" wrap="square" lIns="36576" tIns="18288" rIns="36576" bIns="18288" anchor="ctr" anchorCtr="1">
+      <a:spAutoFit/>
+    </cs:bodyPr>
+  </cs:dataLabelCallout>
+  <cs:dataPoint>
+    <cs:lnRef idx="0"/>
+    <cs:fillRef idx="1">
+      <cs:styleClr val="auto"/>
+    </cs:fillRef>
+    <cs:effectRef idx="0"/>
+    <cs:fontRef idx="minor">
+      <a:schemeClr val="tx1"/>
+    </cs:fontRef>
+  </cs:dataPoint>
+  <cs:dataPoint3D>
+    <cs:lnRef idx="0"/>
+    <cs:fillRef idx="1">
+      <cs:styleClr val="auto"/>
+    </cs:fillRef>
+    <cs:effectRef idx="0"/>
+    <cs:fontRef idx="minor">
+      <a:schemeClr val="tx1"/>
+    </cs:fontRef>
+  </cs:dataPoint3D>
+  <cs:dataPointLine>
+    <cs:lnRef idx="0">
+      <cs:styleClr val="auto"/>
+    </cs:lnRef>
+    <cs:fillRef idx="1"/>
+    <cs:effectRef idx="0"/>
+    <cs:fontRef idx="minor">
+      <a:schemeClr val="tx1"/>
+    </cs:fontRef>
+    <cs:spPr>
+      <a:ln w="28575" cap="rnd">
+        <a:solidFill>
+          <a:schemeClr val="phClr"/>
+        </a:solidFill>
+        <a:round/>
+      </a:ln>
+    </cs:spPr>
+  </cs:dataPointLine>
+  <cs:dataPointMarker>
+    <cs:lnRef idx="0">
+      <cs:styleClr val="auto"/>
+    </cs:lnRef>
+    <cs:fillRef idx="1">
+      <cs:styleClr val="auto"/>
+    </cs:fillRef>
+    <cs:effectRef idx="0"/>
+    <cs:fontRef idx="minor">
+      <a:schemeClr val="tx1"/>
+    </cs:fontRef>
+    <cs:spPr>
+      <a:ln w="9525">
+        <a:solidFill>
+          <a:schemeClr val="phClr"/>
+        </a:solidFill>
+      </a:ln>
+    </cs:spPr>
+  </cs:dataPointMarker>
+  <cs:dataPointMarkerLayout symbol="circle" size="5"/>
+  <cs:dataPointWireframe>
+    <cs:lnRef idx="0">
+      <cs:styleClr val="auto"/>
+    </cs:lnRef>
+    <cs:fillRef idx="1"/>
+    <cs:effectRef idx="0"/>
+    <cs:fontRef idx="minor">
+      <a:schemeClr val="tx1"/>
+    </cs:fontRef>
+    <cs:spPr>
+      <a:ln w="9525" cap="rnd">
+        <a:solidFill>
+          <a:schemeClr val="phClr"/>
+        </a:solidFill>
+        <a:round/>
+      </a:ln>
+    </cs:spPr>
+  </cs:dataPointWireframe>
+  <cs:dataTable>
+    <cs:lnRef idx="0"/>
+    <cs:fillRef idx="0"/>
+    <cs:effectRef idx="0"/>
+    <cs:fontRef idx="minor">
+      <a:schemeClr val="tx1">
+        <a:lumMod val="65000"/>
+        <a:lumOff val="35000"/>
+      </a:schemeClr>
+    </cs:fontRef>
+    <cs:spPr>
+      <a:noFill/>
+      <a:ln w="9525" cap="flat" cmpd="sng" algn="ctr">
+        <a:solidFill>
+          <a:schemeClr val="tx1">
+            <a:lumMod val="15000"/>
+            <a:lumOff val="85000"/>
+          </a:schemeClr>
+        </a:solidFill>
+        <a:round/>
+      </a:ln>
+    </cs:spPr>
+    <cs:defRPr sz="900" kern="1200"/>
+  </cs:dataTable>
+  <cs:downBar>
+    <cs:lnRef idx="0"/>
+    <cs:fillRef idx="0"/>
+    <cs:effectRef idx="0"/>
+    <cs:fontRef idx="minor">
+      <a:schemeClr val="dk1"/>
+    </cs:fontRef>
+    <cs:spPr>
+      <a:solidFill>
+        <a:schemeClr val="dk1">
+          <a:lumMod val="65000"/>
+          <a:lumOff val="35000"/>
+        </a:schemeClr>
+      </a:solidFill>
+      <a:ln w="9525">
+        <a:solidFill>
+          <a:schemeClr val="tx1">
+            <a:lumMod val="65000"/>
+            <a:lumOff val="35000"/>
+          </a:schemeClr>
+        </a:solidFill>
+      </a:ln>
+    </cs:spPr>
+  </cs:downBar>
+  <cs:dropLine>
+    <cs:lnRef idx="0"/>
+    <cs:fillRef idx="0"/>
+    <cs:effectRef idx="0"/>
+    <cs:fontRef idx="minor">
+      <a:schemeClr val="tx1"/>
+    </cs:fontRef>
+    <cs:spPr>
+      <a:ln w="9525" cap="flat" cmpd="sng" algn="ctr">
+        <a:solidFill>
+          <a:schemeClr val="tx1">
+            <a:lumMod val="35000"/>
+            <a:lumOff val="65000"/>
+          </a:schemeClr>
+        </a:solidFill>
+        <a:round/>
+      </a:ln>
+    </cs:spPr>
+  </cs:dropLine>
+  <cs:errorBar>
+    <cs:lnRef idx="0"/>
+    <cs:fillRef idx="0"/>
+    <cs:effectRef idx="0"/>
+    <cs:fontRef idx="minor">
+      <a:schemeClr val="tx1"/>
+    </cs:fontRef>
+    <cs:spPr>
+      <a:ln w="9525" cap="flat" cmpd="sng" algn="ctr">
+        <a:solidFill>
+          <a:schemeClr val="tx1">
+            <a:lumMod val="65000"/>
+            <a:lumOff val="35000"/>
+          </a:schemeClr>
+        </a:solidFill>
+        <a:round/>
+      </a:ln>
+    </cs:spPr>
+  </cs:errorBar>
+  <cs:floor>
+    <cs:lnRef idx="0"/>
+    <cs:fillRef idx="0"/>
+    <cs:effectRef idx="0"/>
+    <cs:fontRef idx="minor">
+      <a:schemeClr val="tx1"/>
+    </cs:fontRef>
+    <cs:spPr>
+      <a:noFill/>
+      <a:ln>
+        <a:noFill/>
+      </a:ln>
+    </cs:spPr>
+  </cs:floor>
+  <cs:gridlineMajor>
+    <cs:lnRef idx="0"/>
+    <cs:fillRef idx="0"/>
+    <cs:effectRef idx="0"/>
+    <cs:fontRef idx="minor">
+      <a:schemeClr val="tx1"/>
+    </cs:fontRef>
+    <cs:spPr>
+      <a:ln w="9525" cap="flat" cmpd="sng" algn="ctr">
+        <a:solidFill>
+          <a:schemeClr val="tx1">
+            <a:lumMod val="15000"/>
+            <a:lumOff val="85000"/>
+          </a:schemeClr>
+        </a:solidFill>
+        <a:round/>
+      </a:ln>
+    </cs:spPr>
+  </cs:gridlineMajor>
+  <cs:gridlineMinor>
+    <cs:lnRef idx="0"/>
+    <cs:fillRef idx="0"/>
+    <cs:effectRef idx="0"/>
+    <cs:fontRef idx="minor">
+      <a:schemeClr val="tx1"/>
+    </cs:fontRef>
+    <cs:spPr>
+      <a:ln w="9525" cap="flat" cmpd="sng" algn="ctr">
+        <a:solidFill>
+          <a:schemeClr val="tx1">
+            <a:lumMod val="5000"/>
+            <a:lumOff val="95000"/>
+          </a:schemeClr>
+        </a:solidFill>
+        <a:round/>
+      </a:ln>
+    </cs:spPr>
+  </cs:gridlineMinor>
+  <cs:hiLoLine>
+    <cs:lnRef idx="0"/>
+    <cs:fillRef idx="0"/>
+    <cs:effectRef idx="0"/>
+    <cs:fontRef idx="minor">
+      <a:schemeClr val="tx1"/>
+    </cs:fontRef>
+    <cs:spPr>
+      <a:ln w="9525" cap="flat" cmpd="sng" algn="ctr">
+        <a:solidFill>
+          <a:schemeClr val="tx1">
+            <a:lumMod val="75000"/>
+            <a:lumOff val="25000"/>
+          </a:schemeClr>
+        </a:solidFill>
+        <a:round/>
+      </a:ln>
+    </cs:spPr>
+  </cs:hiLoLine>
+  <cs:leaderLine>
+    <cs:lnRef idx="0"/>
+    <cs:fillRef idx="0"/>
+    <cs:effectRef idx="0"/>
+    <cs:fontRef idx="minor">
+      <a:schemeClr val="tx1"/>
+    </cs:fontRef>
+    <cs:spPr>
+      <a:ln w="9525" cap="flat" cmpd="sng" algn="ctr">
+        <a:solidFill>
+          <a:schemeClr val="tx1">
+            <a:lumMod val="35000"/>
+            <a:lumOff val="65000"/>
+          </a:schemeClr>
+        </a:solidFill>
+        <a:round/>
+      </a:ln>
+    </cs:spPr>
+  </cs:leaderLine>
+  <cs:legend>
+    <cs:lnRef idx="0"/>
+    <cs:fillRef idx="0"/>
+    <cs:effectRef idx="0"/>
+    <cs:fontRef idx="minor">
+      <a:schemeClr val="tx1">
+        <a:lumMod val="65000"/>
+        <a:lumOff val="35000"/>
+      </a:schemeClr>
+    </cs:fontRef>
+    <cs:defRPr sz="900" kern="1200"/>
+  </cs:legend>
+  <cs:plotArea mods="allowNoFillOverride allowNoLineOverride">
+    <cs:lnRef idx="0"/>
+    <cs:fillRef idx="0"/>
+    <cs:effectRef idx="0"/>
+    <cs:fontRef idx="minor">
+      <a:schemeClr val="tx1"/>
+    </cs:fontRef>
+  </cs:plotArea>
+  <cs:plotArea3D mods="allowNoFillOverride allowNoLineOverride">
+    <cs:lnRef idx="0"/>
+    <cs:fillRef idx="0"/>
+    <cs:effectRef idx="0"/>
+    <cs:fontRef idx="minor">
+      <a:schemeClr val="tx1"/>
+    </cs:fontRef>
+  </cs:plotArea3D>
+  <cs:seriesAxis>
+    <cs:lnRef idx="0"/>
+    <cs:fillRef idx="0"/>
+    <cs:effectRef idx="0"/>
+    <cs:fontRef idx="minor">
+      <a:schemeClr val="tx1">
+        <a:lumMod val="65000"/>
+        <a:lumOff val="35000"/>
+      </a:schemeClr>
+    </cs:fontRef>
+    <cs:defRPr sz="900" kern="1200"/>
+  </cs:seriesAxis>
+  <cs:seriesLine>
+    <cs:lnRef idx="0"/>
+    <cs:fillRef idx="0"/>
+    <cs:effectRef idx="0"/>
+    <cs:fontRef idx="minor">
+      <a:schemeClr val="tx1"/>
+    </cs:fontRef>
+    <cs:spPr>
+      <a:ln w="9525" cap="flat" cmpd="sng" algn="ctr">
+        <a:solidFill>
+          <a:schemeClr val="tx1">
+            <a:lumMod val="35000"/>
+            <a:lumOff val="65000"/>
+          </a:schemeClr>
+        </a:solidFill>
+        <a:round/>
+      </a:ln>
+    </cs:spPr>
+  </cs:seriesLine>
+  <cs:title>
+    <cs:lnRef idx="0"/>
+    <cs:fillRef idx="0"/>
+    <cs:effectRef idx="0"/>
+    <cs:fontRef idx="minor">
+      <a:schemeClr val="tx1">
+        <a:lumMod val="65000"/>
+        <a:lumOff val="35000"/>
+      </a:schemeClr>
+    </cs:fontRef>
+    <cs:defRPr sz="1400" b="0" kern="1200" spc="0" baseline="0"/>
+  </cs:title>
+  <cs:trendline>
+    <cs:lnRef idx="0">
+      <cs:styleClr val="auto"/>
+    </cs:lnRef>
+    <cs:fillRef idx="0"/>
+    <cs:effectRef idx="0"/>
+    <cs:fontRef idx="minor">
+      <a:schemeClr val="tx1"/>
+    </cs:fontRef>
+    <cs:spPr>
+      <a:ln w="19050" cap="rnd">
+        <a:solidFill>
+          <a:schemeClr val="phClr"/>
+        </a:solidFill>
+        <a:prstDash val="sysDot"/>
+      </a:ln>
+    </cs:spPr>
+  </cs:trendline>
+  <cs:trendlineLabel>
+    <cs:lnRef idx="0"/>
+    <cs:fillRef idx="0"/>
+    <cs:effectRef idx="0"/>
+    <cs:fontRef idx="minor">
+      <a:schemeClr val="tx1">
+        <a:lumMod val="65000"/>
+        <a:lumOff val="35000"/>
+      </a:schemeClr>
+    </cs:fontRef>
+    <cs:defRPr sz="900" kern="1200"/>
+  </cs:trendlineLabel>
+  <cs:upBar>
+    <cs:lnRef idx="0"/>
+    <cs:fillRef idx="0"/>
+    <cs:effectRef idx="0"/>
+    <cs:fontRef idx="minor">
+      <a:schemeClr val="dk1"/>
+    </cs:fontRef>
+    <cs:spPr>
+      <a:solidFill>
+        <a:schemeClr val="lt1"/>
+      </a:solidFill>
+      <a:ln w="9525">
+        <a:solidFill>
+          <a:schemeClr val="tx1">
+            <a:lumMod val="15000"/>
+            <a:lumOff val="85000"/>
+          </a:schemeClr>
+        </a:solidFill>
+      </a:ln>
+    </cs:spPr>
+  </cs:upBar>
+  <cs:valueAxis>
+    <cs:lnRef idx="0"/>
+    <cs:fillRef idx="0"/>
+    <cs:effectRef idx="0"/>
+    <cs:fontRef idx="minor">
+      <a:schemeClr val="tx1">
+        <a:lumMod val="65000"/>
+        <a:lumOff val="35000"/>
+      </a:schemeClr>
+    </cs:fontRef>
+    <cs:defRPr sz="900" kern="1200"/>
+  </cs:valueAxis>
+  <cs:wall>
+    <cs:lnRef idx="0"/>
+    <cs:fillRef idx="0"/>
+    <cs:effectRef idx="0"/>
+    <cs:fontRef idx="minor">
+      <a:schemeClr val="tx1"/>
+    </cs:fontRef>
+    <cs:spPr>
+      <a:noFill/>
+      <a:ln>
+        <a:noFill/>
+      </a:ln>
+    </cs:spPr>
+  </cs:wall>
+</cs:chartStyle>
+</file>
+
+<file path=ppt/charts/style13.xml><?xml version="1.0" encoding="utf-8"?>
 <cs:chartStyle xmlns:cs="http://schemas.microsoft.com/office/drawing/2012/chartStyle" xmlns:a="http://schemas.openxmlformats.org/drawingml/2006/main" id="201">
   <cs:axisTitle>
     <cs:lnRef idx="0"/>
@@ -16060,6 +18781,40 @@
         <p:nvPr/>
       </p:nvGrpSpPr>
       <p:grpSpPr/>
+      <p:graphicFrame>
+        <p:nvGraphicFramePr>
+          <p:cNvPr id="4" name="Chart 3"/>
+          <p:cNvGraphicFramePr/>
+          <p:nvPr/>
+        </p:nvGraphicFramePr>
+        <p:xfrm>
+          <a:off x="3032760" y="1946910"/>
+          <a:ext cx="6126480" cy="2964180"/>
+        </p:xfrm>
+        <a:graphic>
+          <a:graphicData uri="http://schemas.openxmlformats.org/drawingml/2006/chart">
+            <c:chart xmlns:c="http://schemas.openxmlformats.org/drawingml/2006/chart" xmlns:r="http://schemas.openxmlformats.org/officeDocument/2006/relationships" r:id="rId1"/>
+          </a:graphicData>
+        </a:graphic>
+      </p:graphicFrame>
+    </p:spTree>
+  </p:cSld>
+  <p:clrMapOvr>
+    <a:masterClrMapping/>
+  </p:clrMapOvr>
+</p:sld>
+</file>
+
+<file path=ppt/slides/slide12.xml><?xml version="1.0" encoding="utf-8"?>
+<p:sld xmlns:a="http://schemas.openxmlformats.org/drawingml/2006/main" xmlns:r="http://schemas.openxmlformats.org/officeDocument/2006/relationships" xmlns:p="http://schemas.openxmlformats.org/presentationml/2006/main">
+  <p:cSld>
+    <p:spTree>
+      <p:nvGrpSpPr>
+        <p:cNvPr id="1" name=""/>
+        <p:cNvGrpSpPr/>
+        <p:nvPr/>
+      </p:nvGrpSpPr>
+      <p:grpSpPr/>
       <p:pic>
         <p:nvPicPr>
           <p:cNvPr id="11" name="Picture 10"/>
@@ -16183,7 +18938,7 @@
 </p:sld>
 </file>
 
-<file path=ppt/slides/slide12.xml><?xml version="1.0" encoding="utf-8"?>
+<file path=ppt/slides/slide13.xml><?xml version="1.0" encoding="utf-8"?>
 <p:sld xmlns:a="http://schemas.openxmlformats.org/drawingml/2006/main" xmlns:r="http://schemas.openxmlformats.org/officeDocument/2006/relationships" xmlns:p="http://schemas.openxmlformats.org/presentationml/2006/main">
   <p:cSld>
     <p:spTree>
@@ -16915,7 +19670,7 @@
 </p:sld>
 </file>
 
-<file path=ppt/slides/slide13.xml><?xml version="1.0" encoding="utf-8"?>
+<file path=ppt/slides/slide14.xml><?xml version="1.0" encoding="utf-8"?>
 <p:sld xmlns:a="http://schemas.openxmlformats.org/drawingml/2006/main" xmlns:r="http://schemas.openxmlformats.org/officeDocument/2006/relationships" xmlns:p="http://schemas.openxmlformats.org/presentationml/2006/main">
   <p:cSld>
     <p:spTree>
@@ -16949,7 +19704,7 @@
 </p:sld>
 </file>
 
-<file path=ppt/slides/slide14.xml><?xml version="1.0" encoding="utf-8"?>
+<file path=ppt/slides/slide15.xml><?xml version="1.0" encoding="utf-8"?>
 <p:sld xmlns:a="http://schemas.openxmlformats.org/drawingml/2006/main" xmlns:r="http://schemas.openxmlformats.org/officeDocument/2006/relationships" xmlns:p="http://schemas.openxmlformats.org/presentationml/2006/main">
   <p:cSld>
     <p:spTree>
@@ -16961,12 +19716,46 @@
       <p:grpSpPr/>
       <p:graphicFrame>
         <p:nvGraphicFramePr>
-          <p:cNvPr id="5" name="Chart 4"/>
+          <p:cNvPr id="4" name="Chart 3"/>
           <p:cNvGraphicFramePr/>
           <p:nvPr/>
         </p:nvGraphicFramePr>
         <p:xfrm>
-          <a:off x="3819525" y="2047875"/>
+          <a:off x="1371918" y="1114743"/>
+          <a:ext cx="9410065" cy="4571365"/>
+        </p:xfrm>
+        <a:graphic>
+          <a:graphicData uri="http://schemas.openxmlformats.org/drawingml/2006/chart">
+            <c:chart xmlns:c="http://schemas.openxmlformats.org/drawingml/2006/chart" xmlns:r="http://schemas.openxmlformats.org/officeDocument/2006/relationships" r:id="rId1"/>
+          </a:graphicData>
+        </a:graphic>
+      </p:graphicFrame>
+    </p:spTree>
+  </p:cSld>
+  <p:clrMapOvr>
+    <a:masterClrMapping/>
+  </p:clrMapOvr>
+</p:sld>
+</file>
+
+<file path=ppt/slides/slide16.xml><?xml version="1.0" encoding="utf-8"?>
+<p:sld xmlns:a="http://schemas.openxmlformats.org/drawingml/2006/main" xmlns:r="http://schemas.openxmlformats.org/officeDocument/2006/relationships" xmlns:p="http://schemas.openxmlformats.org/presentationml/2006/main">
+  <p:cSld>
+    <p:spTree>
+      <p:nvGrpSpPr>
+        <p:cNvPr id="1" name=""/>
+        <p:cNvGrpSpPr/>
+        <p:nvPr/>
+      </p:nvGrpSpPr>
+      <p:grpSpPr/>
+      <p:graphicFrame>
+        <p:nvGraphicFramePr>
+          <p:cNvPr id="6" name="Chart 5"/>
+          <p:cNvGraphicFramePr/>
+          <p:nvPr/>
+        </p:nvGraphicFramePr>
+        <p:xfrm>
+          <a:off x="3810000" y="2057400"/>
           <a:ext cx="4572000" cy="2743200"/>
         </p:xfrm>
         <a:graphic>

--- a/figures.pptx
+++ b/figures.pptx
@@ -4,6 +4,9 @@
   <p:sldMasterIdLst>
     <p:sldMasterId id="2147483648" r:id="rId1"/>
   </p:sldMasterIdLst>
+  <p:notesMasterIdLst>
+    <p:notesMasterId r:id="rId20"/>
+  </p:notesMasterIdLst>
   <p:sldIdLst>
     <p:sldId id="256" r:id="rId3"/>
     <p:sldId id="263" r:id="rId4"/>
@@ -21,6 +24,7 @@
     <p:sldId id="275" r:id="rId16"/>
     <p:sldId id="278" r:id="rId17"/>
     <p:sldId id="276" r:id="rId18"/>
+    <p:sldId id="283" r:id="rId19"/>
   </p:sldIdLst>
   <p:sldSz cx="12192000" cy="6858000"/>
   <p:notesSz cx="6858000" cy="9144000"/>
@@ -15767,6 +15771,418 @@
 </cs:chartStyle>
 </file>
 
+<file path=ppt/notesMasters/notesMaster1.xml><?xml version="1.0" encoding="utf-8"?>
+<p:notesMaster xmlns:a="http://schemas.openxmlformats.org/drawingml/2006/main" xmlns:r="http://schemas.openxmlformats.org/officeDocument/2006/relationships" xmlns:p="http://schemas.openxmlformats.org/presentationml/2006/main">
+  <p:cSld>
+    <p:bg>
+      <p:bgRef idx="1001">
+        <a:schemeClr val="bg1"/>
+      </p:bgRef>
+    </p:bg>
+    <p:spTree>
+      <p:nvGrpSpPr>
+        <p:cNvPr id="1" name=""/>
+        <p:cNvGrpSpPr/>
+        <p:nvPr/>
+      </p:nvGrpSpPr>
+      <p:grpSpPr>
+        <a:xfrm>
+          <a:off x="0" y="0"/>
+          <a:ext cx="0" cy="0"/>
+          <a:chOff x="0" y="0"/>
+          <a:chExt cx="0" cy="0"/>
+        </a:xfrm>
+      </p:grpSpPr>
+      <p:sp>
+        <p:nvSpPr>
+          <p:cNvPr id="2" name="Header Placeholder 1"/>
+          <p:cNvSpPr>
+            <a:spLocks noGrp="1"/>
+          </p:cNvSpPr>
+          <p:nvPr>
+            <p:ph type="hdr" sz="quarter"/>
+          </p:nvPr>
+        </p:nvSpPr>
+        <p:spPr>
+          <a:xfrm>
+            <a:off x="0" y="0"/>
+            <a:ext cx="2971800" cy="458788"/>
+          </a:xfrm>
+          <a:prstGeom prst="rect">
+            <a:avLst/>
+          </a:prstGeom>
+        </p:spPr>
+        <p:txBody>
+          <a:bodyPr vert="horz" lIns="91440" tIns="45720" rIns="91440" bIns="45720" rtlCol="0"/>
+          <a:lstStyle>
+            <a:lvl1pPr algn="l">
+              <a:defRPr sz="1200"/>
+            </a:lvl1pPr>
+          </a:lstStyle>
+          <a:p>
+            <a:endParaRPr lang="en-US"/>
+          </a:p>
+        </p:txBody>
+      </p:sp>
+      <p:sp>
+        <p:nvSpPr>
+          <p:cNvPr id="3" name="Date Placeholder 2"/>
+          <p:cNvSpPr>
+            <a:spLocks noGrp="1"/>
+          </p:cNvSpPr>
+          <p:nvPr>
+            <p:ph type="dt" idx="1"/>
+          </p:nvPr>
+        </p:nvSpPr>
+        <p:spPr>
+          <a:xfrm>
+            <a:off x="3884613" y="0"/>
+            <a:ext cx="2971800" cy="458788"/>
+          </a:xfrm>
+          <a:prstGeom prst="rect">
+            <a:avLst/>
+          </a:prstGeom>
+        </p:spPr>
+        <p:txBody>
+          <a:bodyPr vert="horz" lIns="91440" tIns="45720" rIns="91440" bIns="45720" rtlCol="0"/>
+          <a:lstStyle>
+            <a:lvl1pPr algn="r">
+              <a:defRPr sz="1200"/>
+            </a:lvl1pPr>
+          </a:lstStyle>
+          <a:p>
+            <a:fld id="{3EFD42F7-718C-4B98-AAEC-167E6DDD60A7}" type="datetimeFigureOut">
+              <a:rPr lang="en-US" smtClean="0"/>
+            </a:fld>
+            <a:endParaRPr lang="en-US"/>
+          </a:p>
+        </p:txBody>
+      </p:sp>
+      <p:sp>
+        <p:nvSpPr>
+          <p:cNvPr id="4" name="Slide Image Placeholder 3"/>
+          <p:cNvSpPr>
+            <a:spLocks noGrp="1" noRot="1" noChangeAspect="1"/>
+          </p:cNvSpPr>
+          <p:nvPr>
+            <p:ph type="sldImg" idx="2"/>
+          </p:nvPr>
+        </p:nvSpPr>
+        <p:spPr>
+          <a:xfrm>
+            <a:off x="685800" y="1143000"/>
+            <a:ext cx="5486400" cy="3086100"/>
+          </a:xfrm>
+          <a:prstGeom prst="rect">
+            <a:avLst/>
+          </a:prstGeom>
+          <a:noFill/>
+          <a:ln w="12700">
+            <a:solidFill>
+              <a:prstClr val="black"/>
+            </a:solidFill>
+          </a:ln>
+        </p:spPr>
+        <p:txBody>
+          <a:bodyPr vert="horz" lIns="91440" tIns="45720" rIns="91440" bIns="45720" rtlCol="0" anchor="ctr"/>
+          <a:lstStyle/>
+          <a:p>
+            <a:endParaRPr lang="en-US"/>
+          </a:p>
+        </p:txBody>
+      </p:sp>
+      <p:sp>
+        <p:nvSpPr>
+          <p:cNvPr id="5" name="Notes Placeholder 4"/>
+          <p:cNvSpPr>
+            <a:spLocks noGrp="1"/>
+          </p:cNvSpPr>
+          <p:nvPr>
+            <p:ph type="body" sz="quarter" idx="3"/>
+          </p:nvPr>
+        </p:nvSpPr>
+        <p:spPr>
+          <a:xfrm>
+            <a:off x="685800" y="4400550"/>
+            <a:ext cx="5486400" cy="3600450"/>
+          </a:xfrm>
+          <a:prstGeom prst="rect">
+            <a:avLst/>
+          </a:prstGeom>
+        </p:spPr>
+        <p:txBody>
+          <a:bodyPr vert="horz" lIns="91440" tIns="45720" rIns="91440" bIns="45720" rtlCol="0"/>
+          <a:lstStyle/>
+          <a:p>
+            <a:pPr lvl="0"/>
+            <a:r>
+              <a:rPr lang="en-US" smtClean="0"/>
+              <a:t>Click to edit Master text styles</a:t>
+            </a:r>
+            <a:endParaRPr lang="en-US" smtClean="0"/>
+          </a:p>
+          <a:p>
+            <a:pPr lvl="1"/>
+            <a:r>
+              <a:rPr lang="en-US" smtClean="0"/>
+              <a:t>Second level</a:t>
+            </a:r>
+            <a:endParaRPr lang="en-US" smtClean="0"/>
+          </a:p>
+          <a:p>
+            <a:pPr lvl="2"/>
+            <a:r>
+              <a:rPr lang="en-US" smtClean="0"/>
+              <a:t>Third level</a:t>
+            </a:r>
+            <a:endParaRPr lang="en-US" smtClean="0"/>
+          </a:p>
+          <a:p>
+            <a:pPr lvl="3"/>
+            <a:r>
+              <a:rPr lang="en-US" smtClean="0"/>
+              <a:t>Fourth level</a:t>
+            </a:r>
+            <a:endParaRPr lang="en-US" smtClean="0"/>
+          </a:p>
+          <a:p>
+            <a:pPr lvl="4"/>
+            <a:r>
+              <a:rPr lang="en-US" smtClean="0"/>
+              <a:t>Fifth level</a:t>
+            </a:r>
+            <a:endParaRPr lang="en-US"/>
+          </a:p>
+        </p:txBody>
+      </p:sp>
+      <p:sp>
+        <p:nvSpPr>
+          <p:cNvPr id="6" name="Footer Placeholder 5"/>
+          <p:cNvSpPr>
+            <a:spLocks noGrp="1"/>
+          </p:cNvSpPr>
+          <p:nvPr>
+            <p:ph type="ftr" sz="quarter" idx="4"/>
+          </p:nvPr>
+        </p:nvSpPr>
+        <p:spPr>
+          <a:xfrm>
+            <a:off x="0" y="8685213"/>
+            <a:ext cx="2971800" cy="458787"/>
+          </a:xfrm>
+          <a:prstGeom prst="rect">
+            <a:avLst/>
+          </a:prstGeom>
+        </p:spPr>
+        <p:txBody>
+          <a:bodyPr vert="horz" lIns="91440" tIns="45720" rIns="91440" bIns="45720" rtlCol="0" anchor="b"/>
+          <a:lstStyle>
+            <a:lvl1pPr algn="l">
+              <a:defRPr sz="1200"/>
+            </a:lvl1pPr>
+          </a:lstStyle>
+          <a:p>
+            <a:endParaRPr lang="en-US"/>
+          </a:p>
+        </p:txBody>
+      </p:sp>
+      <p:sp>
+        <p:nvSpPr>
+          <p:cNvPr id="7" name="Slide Number Placeholder 6"/>
+          <p:cNvSpPr>
+            <a:spLocks noGrp="1"/>
+          </p:cNvSpPr>
+          <p:nvPr>
+            <p:ph type="sldNum" sz="quarter" idx="5"/>
+          </p:nvPr>
+        </p:nvSpPr>
+        <p:spPr>
+          <a:xfrm>
+            <a:off x="3884613" y="8685213"/>
+            <a:ext cx="2971800" cy="458787"/>
+          </a:xfrm>
+          <a:prstGeom prst="rect">
+            <a:avLst/>
+          </a:prstGeom>
+        </p:spPr>
+        <p:txBody>
+          <a:bodyPr vert="horz" lIns="91440" tIns="45720" rIns="91440" bIns="45720" rtlCol="0" anchor="b"/>
+          <a:lstStyle>
+            <a:lvl1pPr algn="r">
+              <a:defRPr sz="1200"/>
+            </a:lvl1pPr>
+          </a:lstStyle>
+          <a:p>
+            <a:fld id="{21B2AA4F-B828-4D7C-AFD3-893933DAFCB4}" type="slidenum">
+              <a:rPr lang="en-US" smtClean="0"/>
+            </a:fld>
+            <a:endParaRPr lang="en-US"/>
+          </a:p>
+        </p:txBody>
+      </p:sp>
+    </p:spTree>
+  </p:cSld>
+  <p:clrMap bg1="lt1" tx1="dk1" bg2="lt2" tx2="dk2" accent1="accent1" accent2="accent2" accent3="accent3" accent4="accent4" accent5="accent5" accent6="accent6" hlink="hlink" folHlink="folHlink"/>
+  <p:notesStyle>
+    <a:lvl1pPr marL="0" algn="l" defTabSz="914400" rtl="0" eaLnBrk="1" latinLnBrk="0" hangingPunct="1">
+      <a:defRPr sz="1200" kern="1200">
+        <a:solidFill>
+          <a:schemeClr val="tx1"/>
+        </a:solidFill>
+        <a:latin typeface="+mn-lt"/>
+        <a:ea typeface="+mn-ea"/>
+        <a:cs typeface="+mn-cs"/>
+      </a:defRPr>
+    </a:lvl1pPr>
+    <a:lvl2pPr marL="457200" algn="l" defTabSz="914400" rtl="0" eaLnBrk="1" latinLnBrk="0" hangingPunct="1">
+      <a:defRPr sz="1200" kern="1200">
+        <a:solidFill>
+          <a:schemeClr val="tx1"/>
+        </a:solidFill>
+        <a:latin typeface="+mn-lt"/>
+        <a:ea typeface="+mn-ea"/>
+        <a:cs typeface="+mn-cs"/>
+      </a:defRPr>
+    </a:lvl2pPr>
+    <a:lvl3pPr marL="914400" algn="l" defTabSz="914400" rtl="0" eaLnBrk="1" latinLnBrk="0" hangingPunct="1">
+      <a:defRPr sz="1200" kern="1200">
+        <a:solidFill>
+          <a:schemeClr val="tx1"/>
+        </a:solidFill>
+        <a:latin typeface="+mn-lt"/>
+        <a:ea typeface="+mn-ea"/>
+        <a:cs typeface="+mn-cs"/>
+      </a:defRPr>
+    </a:lvl3pPr>
+    <a:lvl4pPr marL="1371600" algn="l" defTabSz="914400" rtl="0" eaLnBrk="1" latinLnBrk="0" hangingPunct="1">
+      <a:defRPr sz="1200" kern="1200">
+        <a:solidFill>
+          <a:schemeClr val="tx1"/>
+        </a:solidFill>
+        <a:latin typeface="+mn-lt"/>
+        <a:ea typeface="+mn-ea"/>
+        <a:cs typeface="+mn-cs"/>
+      </a:defRPr>
+    </a:lvl4pPr>
+    <a:lvl5pPr marL="1828800" algn="l" defTabSz="914400" rtl="0" eaLnBrk="1" latinLnBrk="0" hangingPunct="1">
+      <a:defRPr sz="1200" kern="1200">
+        <a:solidFill>
+          <a:schemeClr val="tx1"/>
+        </a:solidFill>
+        <a:latin typeface="+mn-lt"/>
+        <a:ea typeface="+mn-ea"/>
+        <a:cs typeface="+mn-cs"/>
+      </a:defRPr>
+    </a:lvl5pPr>
+    <a:lvl6pPr marL="2286000" algn="l" defTabSz="914400" rtl="0" eaLnBrk="1" latinLnBrk="0" hangingPunct="1">
+      <a:defRPr sz="1200" kern="1200">
+        <a:solidFill>
+          <a:schemeClr val="tx1"/>
+        </a:solidFill>
+        <a:latin typeface="+mn-lt"/>
+        <a:ea typeface="+mn-ea"/>
+        <a:cs typeface="+mn-cs"/>
+      </a:defRPr>
+    </a:lvl6pPr>
+    <a:lvl7pPr marL="2743200" algn="l" defTabSz="914400" rtl="0" eaLnBrk="1" latinLnBrk="0" hangingPunct="1">
+      <a:defRPr sz="1200" kern="1200">
+        <a:solidFill>
+          <a:schemeClr val="tx1"/>
+        </a:solidFill>
+        <a:latin typeface="+mn-lt"/>
+        <a:ea typeface="+mn-ea"/>
+        <a:cs typeface="+mn-cs"/>
+      </a:defRPr>
+    </a:lvl7pPr>
+    <a:lvl8pPr marL="3200400" algn="l" defTabSz="914400" rtl="0" eaLnBrk="1" latinLnBrk="0" hangingPunct="1">
+      <a:defRPr sz="1200" kern="1200">
+        <a:solidFill>
+          <a:schemeClr val="tx1"/>
+        </a:solidFill>
+        <a:latin typeface="+mn-lt"/>
+        <a:ea typeface="+mn-ea"/>
+        <a:cs typeface="+mn-cs"/>
+      </a:defRPr>
+    </a:lvl8pPr>
+    <a:lvl9pPr marL="3657600" algn="l" defTabSz="914400" rtl="0" eaLnBrk="1" latinLnBrk="0" hangingPunct="1">
+      <a:defRPr sz="1200" kern="1200">
+        <a:solidFill>
+          <a:schemeClr val="tx1"/>
+        </a:solidFill>
+        <a:latin typeface="+mn-lt"/>
+        <a:ea typeface="+mn-ea"/>
+        <a:cs typeface="+mn-cs"/>
+      </a:defRPr>
+    </a:lvl9pPr>
+  </p:notesStyle>
+</p:notesMaster>
+</file>
+
+<file path=ppt/notesSlides/notesSlide1.xml><?xml version="1.0" encoding="utf-8"?>
+<p:notes xmlns:a="http://schemas.openxmlformats.org/drawingml/2006/main" xmlns:r="http://schemas.openxmlformats.org/officeDocument/2006/relationships" xmlns:p="http://schemas.openxmlformats.org/presentationml/2006/main">
+  <p:cSld>
+    <p:spTree>
+      <p:nvGrpSpPr>
+        <p:cNvPr id="1" name=""/>
+        <p:cNvGrpSpPr/>
+        <p:nvPr/>
+      </p:nvGrpSpPr>
+      <p:grpSpPr/>
+      <p:sp>
+        <p:nvSpPr>
+          <p:cNvPr id="2" name="Slide Image Placeholder 1"/>
+          <p:cNvSpPr/>
+          <p:nvPr>
+            <p:ph type="sldImg" idx="2"/>
+          </p:nvPr>
+        </p:nvSpPr>
+        <p:spPr/>
+      </p:sp>
+      <p:sp>
+        <p:nvSpPr>
+          <p:cNvPr id="3" name="Text Placeholder 2"/>
+          <p:cNvSpPr/>
+          <p:nvPr>
+            <p:ph type="body" idx="3"/>
+          </p:nvPr>
+        </p:nvSpPr>
+        <p:spPr/>
+        <p:txBody>
+          <a:bodyPr/>
+          <a:p>
+            <a:endParaRPr lang="fr-FR" altLang="en-US"/>
+          </a:p>
+        </p:txBody>
+      </p:sp>
+      <p:sp>
+        <p:nvSpPr>
+          <p:cNvPr id="4" name="Slide Number Placeholder 3"/>
+          <p:cNvSpPr>
+            <a:spLocks noGrp="1"/>
+          </p:cNvSpPr>
+          <p:nvPr>
+            <p:ph type="sldNum" sz="quarter" idx="5"/>
+          </p:nvPr>
+        </p:nvSpPr>
+        <p:spPr/>
+        <p:txBody>
+          <a:bodyPr/>
+          <a:p>
+            <a:fld id="{21B2AA4F-B828-4D7C-AFD3-893933DAFCB4}" type="slidenum">
+              <a:rPr lang="en-US" smtClean="0"/>
+            </a:fld>
+            <a:endParaRPr lang="en-US"/>
+          </a:p>
+        </p:txBody>
+      </p:sp>
+    </p:spTree>
+  </p:cSld>
+  <p:clrMapOvr>
+    <a:masterClrMapping/>
+  </p:clrMapOvr>
+</p:notes>
+</file>
+
 <file path=ppt/slideLayouts/slideLayout1.xml><?xml version="1.0" encoding="utf-8"?>
 <p:sldLayout xmlns:a="http://schemas.openxmlformats.org/drawingml/2006/main" xmlns:r="http://schemas.openxmlformats.org/officeDocument/2006/relationships" xmlns:p="http://schemas.openxmlformats.org/presentationml/2006/main" type="title" preserve="1">
   <p:cSld name="Diapositive de titre">
@@ -18817,7 +19233,7 @@
       <p:grpSpPr/>
       <p:pic>
         <p:nvPicPr>
-          <p:cNvPr id="11" name="Picture 10"/>
+          <p:cNvPr id="5" name="Picture 4"/>
           <p:cNvPicPr>
             <a:picLocks noChangeAspect="1"/>
           </p:cNvPicPr>
@@ -18831,105 +19247,14 @@
         </p:blipFill>
         <p:spPr>
           <a:xfrm>
-            <a:off x="1699895" y="971550"/>
-            <a:ext cx="6276340" cy="4058920"/>
+            <a:off x="2924175" y="2052955"/>
+            <a:ext cx="6343015" cy="2752090"/>
           </a:xfrm>
           <a:prstGeom prst="rect">
             <a:avLst/>
           </a:prstGeom>
         </p:spPr>
       </p:pic>
-      <p:pic>
-        <p:nvPicPr>
-          <p:cNvPr id="12" name="Picture 11"/>
-          <p:cNvPicPr>
-            <a:picLocks noChangeAspect="1"/>
-          </p:cNvPicPr>
-          <p:nvPr/>
-        </p:nvPicPr>
-        <p:blipFill>
-          <a:blip r:embed="rId2"/>
-          <a:srcRect l="22496" t="29331" r="15311" b="11835"/>
-          <a:stretch>
-            <a:fillRect/>
-          </a:stretch>
-        </p:blipFill>
-        <p:spPr>
-          <a:xfrm>
-            <a:off x="1258570" y="381635"/>
-            <a:ext cx="9518015" cy="5678805"/>
-          </a:xfrm>
-          <a:prstGeom prst="rect">
-            <a:avLst/>
-          </a:prstGeom>
-        </p:spPr>
-      </p:pic>
-      <p:sp>
-        <p:nvSpPr>
-          <p:cNvPr id="13" name="TextBox 12"/>
-          <p:cNvSpPr txBox="1"/>
-          <p:nvPr/>
-        </p:nvSpPr>
-        <p:spPr>
-          <a:xfrm rot="16200000">
-            <a:off x="-1316990" y="2367280"/>
-            <a:ext cx="4282440" cy="822960"/>
-          </a:xfrm>
-          <a:prstGeom prst="rect">
-            <a:avLst/>
-          </a:prstGeom>
-          <a:noFill/>
-        </p:spPr>
-        <p:txBody>
-          <a:bodyPr wrap="square" rtlCol="0">
-            <a:spAutoFit/>
-          </a:bodyPr>
-          <a:p>
-            <a:pPr algn="ctr"/>
-            <a:r>
-              <a:rPr lang="x-none" altLang="fr-FR" sz="2400">
-                <a:solidFill>
-                  <a:schemeClr val="bg1">
-                    <a:lumMod val="50000"/>
-                  </a:schemeClr>
-                </a:solidFill>
-                <a:latin typeface="Calibri"/>
-              </a:rPr>
-              <a:t>Normalized AMAT </a:t>
-            </a:r>
-            <a:endParaRPr lang="x-none" altLang="fr-FR" sz="2400">
-              <a:solidFill>
-                <a:schemeClr val="bg1">
-                  <a:lumMod val="50000"/>
-                </a:schemeClr>
-              </a:solidFill>
-              <a:latin typeface="Calibri"/>
-            </a:endParaRPr>
-          </a:p>
-          <a:p>
-            <a:pPr algn="ctr"/>
-            <a:r>
-              <a:rPr lang="x-none" altLang="fr-FR" sz="2400">
-                <a:solidFill>
-                  <a:schemeClr val="bg1">
-                    <a:lumMod val="50000"/>
-                  </a:schemeClr>
-                </a:solidFill>
-                <a:latin typeface="Calibri"/>
-              </a:rPr>
-              <a:t>relatively to Baseline </a:t>
-            </a:r>
-            <a:endParaRPr lang="x-none" altLang="fr-FR" sz="2400">
-              <a:solidFill>
-                <a:schemeClr val="bg1">
-                  <a:lumMod val="50000"/>
-                </a:schemeClr>
-              </a:solidFill>
-              <a:latin typeface="Calibri"/>
-            </a:endParaRPr>
-          </a:p>
-        </p:txBody>
-      </p:sp>
     </p:spTree>
   </p:cSld>
   <p:clrMapOvr>
@@ -19772,6 +20097,48 @@
 </p:sld>
 </file>
 
+<file path=ppt/slides/slide17.xml><?xml version="1.0" encoding="utf-8"?>
+<p:sld xmlns:a="http://schemas.openxmlformats.org/drawingml/2006/main" xmlns:r="http://schemas.openxmlformats.org/officeDocument/2006/relationships" xmlns:p="http://schemas.openxmlformats.org/presentationml/2006/main">
+  <p:cSld>
+    <p:spTree>
+      <p:nvGrpSpPr>
+        <p:cNvPr id="1" name=""/>
+        <p:cNvGrpSpPr/>
+        <p:nvPr/>
+      </p:nvGrpSpPr>
+      <p:grpSpPr/>
+      <p:pic>
+        <p:nvPicPr>
+          <p:cNvPr id="17" name="Picture 16"/>
+          <p:cNvPicPr>
+            <a:picLocks noChangeAspect="1"/>
+          </p:cNvPicPr>
+          <p:nvPr/>
+        </p:nvPicPr>
+        <p:blipFill>
+          <a:blip r:embed="rId1"/>
+          <a:stretch>
+            <a:fillRect/>
+          </a:stretch>
+        </p:blipFill>
+        <p:spPr>
+          <a:xfrm>
+            <a:off x="1249045" y="1724025"/>
+            <a:ext cx="9714230" cy="3409315"/>
+          </a:xfrm>
+          <a:prstGeom prst="rect">
+            <a:avLst/>
+          </a:prstGeom>
+        </p:spPr>
+      </p:pic>
+    </p:spTree>
+  </p:cSld>
+  <p:clrMapOvr>
+    <a:masterClrMapping/>
+  </p:clrMapOvr>
+</p:sld>
+</file>
+
 <file path=ppt/slides/slide2.xml><?xml version="1.0" encoding="utf-8"?>
 <p:sld xmlns:a="http://schemas.openxmlformats.org/drawingml/2006/main" xmlns:r="http://schemas.openxmlformats.org/officeDocument/2006/relationships" xmlns:p="http://schemas.openxmlformats.org/presentationml/2006/main">
   <p:cSld>
@@ -28924,4 +29291,265 @@
     </a:ext>
   </a:extLst>
 </a:theme>
+</file>
+
+<file path=ppt/theme/theme2.xml><?xml version="1.0" encoding="utf-8"?>
+<a:theme xmlns:a="http://schemas.openxmlformats.org/drawingml/2006/main" name="Office Theme">
+  <a:themeElements>
+    <a:clrScheme name="Office">
+      <a:dk1>
+        <a:sysClr val="windowText" lastClr="000000"/>
+      </a:dk1>
+      <a:lt1>
+        <a:sysClr val="window" lastClr="FFFFFF"/>
+      </a:lt1>
+      <a:dk2>
+        <a:srgbClr val="44546A"/>
+      </a:dk2>
+      <a:lt2>
+        <a:srgbClr val="E7E6E6"/>
+      </a:lt2>
+      <a:accent1>
+        <a:srgbClr val="5B9BD5"/>
+      </a:accent1>
+      <a:accent2>
+        <a:srgbClr val="ED7D31"/>
+      </a:accent2>
+      <a:accent3>
+        <a:srgbClr val="A5A5A5"/>
+      </a:accent3>
+      <a:accent4>
+        <a:srgbClr val="FFC000"/>
+      </a:accent4>
+      <a:accent5>
+        <a:srgbClr val="4472C4"/>
+      </a:accent5>
+      <a:accent6>
+        <a:srgbClr val="70AD47"/>
+      </a:accent6>
+      <a:hlink>
+        <a:srgbClr val="0563C1"/>
+      </a:hlink>
+      <a:folHlink>
+        <a:srgbClr val="954F72"/>
+      </a:folHlink>
+    </a:clrScheme>
+    <a:fontScheme name="Office">
+      <a:majorFont>
+        <a:latin typeface="Calibri Light"/>
+        <a:ea typeface=""/>
+        <a:cs typeface=""/>
+        <a:font script="Jpan" typeface="ＭＳ Ｐゴシック"/>
+        <a:font script="Hang" typeface="맑은 고딕"/>
+        <a:font script="Hans" typeface="宋体"/>
+        <a:font script="Hant" typeface="新細明體"/>
+        <a:font script="Arab" typeface="Times New Roman"/>
+        <a:font script="Hebr" typeface="Times New Roman"/>
+        <a:font script="Thai" typeface="Angsana New"/>
+        <a:font script="Ethi" typeface="Nyala"/>
+        <a:font script="Beng" typeface="Vrinda"/>
+        <a:font script="Gujr" typeface="Shruti"/>
+        <a:font script="Khmr" typeface="MoolBoran"/>
+        <a:font script="Knda" typeface="Tunga"/>
+        <a:font script="Guru" typeface="Raavi"/>
+        <a:font script="Cans" typeface="Euphemia"/>
+        <a:font script="Cher" typeface="Plantagenet Cherokee"/>
+        <a:font script="Yiii" typeface="Microsoft Yi Baiti"/>
+        <a:font script="Tibt" typeface="Microsoft Himalaya"/>
+        <a:font script="Thaa" typeface="MV Boli"/>
+        <a:font script="Deva" typeface="Mangal"/>
+        <a:font script="Telu" typeface="Gautami"/>
+        <a:font script="Taml" typeface="Latha"/>
+        <a:font script="Syrc" typeface="Estrangelo Edessa"/>
+        <a:font script="Orya" typeface="Kalinga"/>
+        <a:font script="Mlym" typeface="Kartika"/>
+        <a:font script="Laoo" typeface="DokChampa"/>
+        <a:font script="Sinh" typeface="Iskoola Pota"/>
+        <a:font script="Mong" typeface="Mongolian Baiti"/>
+        <a:font script="Viet" typeface="Times New Roman"/>
+        <a:font script="Uigh" typeface="Microsoft Uighur"/>
+        <a:font script="Geor" typeface="Sylfaen"/>
+      </a:majorFont>
+      <a:minorFont>
+        <a:latin typeface="Calibri"/>
+        <a:ea typeface=""/>
+        <a:cs typeface=""/>
+        <a:font script="Jpan" typeface="ＭＳ Ｐゴシック"/>
+        <a:font script="Hang" typeface="맑은 고딕"/>
+        <a:font script="Hans" typeface="宋体"/>
+        <a:font script="Hant" typeface="新細明體"/>
+        <a:font script="Arab" typeface="Arial"/>
+        <a:font script="Hebr" typeface="Arial"/>
+        <a:font script="Thai" typeface="Cordia New"/>
+        <a:font script="Ethi" typeface="Nyala"/>
+        <a:font script="Beng" typeface="Vrinda"/>
+        <a:font script="Gujr" typeface="Shruti"/>
+        <a:font script="Khmr" typeface="DaunPenh"/>
+        <a:font script="Knda" typeface="Tunga"/>
+        <a:font script="Guru" typeface="Raavi"/>
+        <a:font script="Cans" typeface="Euphemia"/>
+        <a:font script="Cher" typeface="Plantagenet Cherokee"/>
+        <a:font script="Yiii" typeface="Microsoft Yi Baiti"/>
+        <a:font script="Tibt" typeface="Microsoft Himalaya"/>
+        <a:font script="Thaa" typeface="MV Boli"/>
+        <a:font script="Deva" typeface="Mangal"/>
+        <a:font script="Telu" typeface="Gautami"/>
+        <a:font script="Taml" typeface="Latha"/>
+        <a:font script="Syrc" typeface="Estrangelo Edessa"/>
+        <a:font script="Orya" typeface="Kalinga"/>
+        <a:font script="Mlym" typeface="Kartika"/>
+        <a:font script="Laoo" typeface="DokChampa"/>
+        <a:font script="Sinh" typeface="Iskoola Pota"/>
+        <a:font script="Mong" typeface="Mongolian Baiti"/>
+        <a:font script="Viet" typeface="Arial"/>
+        <a:font script="Uigh" typeface="Microsoft Uighur"/>
+        <a:font script="Geor" typeface="Sylfaen"/>
+      </a:minorFont>
+    </a:fontScheme>
+    <a:fmtScheme name="Office">
+      <a:fillStyleLst>
+        <a:solidFill>
+          <a:schemeClr val="phClr"/>
+        </a:solidFill>
+        <a:gradFill rotWithShape="1">
+          <a:gsLst>
+            <a:gs pos="0">
+              <a:schemeClr val="phClr">
+                <a:lumMod val="110000"/>
+                <a:satMod val="105000"/>
+                <a:tint val="67000"/>
+              </a:schemeClr>
+            </a:gs>
+            <a:gs pos="50000">
+              <a:schemeClr val="phClr">
+                <a:lumMod val="105000"/>
+                <a:satMod val="103000"/>
+                <a:tint val="73000"/>
+              </a:schemeClr>
+            </a:gs>
+            <a:gs pos="100000">
+              <a:schemeClr val="phClr">
+                <a:lumMod val="105000"/>
+                <a:satMod val="109000"/>
+                <a:tint val="81000"/>
+              </a:schemeClr>
+            </a:gs>
+          </a:gsLst>
+          <a:lin ang="5400000" scaled="0"/>
+        </a:gradFill>
+        <a:gradFill rotWithShape="1">
+          <a:gsLst>
+            <a:gs pos="0">
+              <a:schemeClr val="phClr">
+                <a:satMod val="103000"/>
+                <a:lumMod val="102000"/>
+                <a:tint val="94000"/>
+              </a:schemeClr>
+            </a:gs>
+            <a:gs pos="50000">
+              <a:schemeClr val="phClr">
+                <a:satMod val="110000"/>
+                <a:lumMod val="100000"/>
+                <a:shade val="100000"/>
+              </a:schemeClr>
+            </a:gs>
+            <a:gs pos="100000">
+              <a:schemeClr val="phClr">
+                <a:lumMod val="99000"/>
+                <a:satMod val="120000"/>
+                <a:shade val="78000"/>
+              </a:schemeClr>
+            </a:gs>
+          </a:gsLst>
+          <a:lin ang="5400000" scaled="0"/>
+        </a:gradFill>
+      </a:fillStyleLst>
+      <a:lnStyleLst>
+        <a:ln w="6350" cap="flat" cmpd="sng" algn="ctr">
+          <a:solidFill>
+            <a:schemeClr val="phClr"/>
+          </a:solidFill>
+          <a:prstDash val="solid"/>
+          <a:miter lim="800000"/>
+        </a:ln>
+        <a:ln w="12700" cap="flat" cmpd="sng" algn="ctr">
+          <a:solidFill>
+            <a:schemeClr val="phClr"/>
+          </a:solidFill>
+          <a:prstDash val="solid"/>
+          <a:miter lim="800000"/>
+        </a:ln>
+        <a:ln w="19050" cap="flat" cmpd="sng" algn="ctr">
+          <a:solidFill>
+            <a:schemeClr val="phClr"/>
+          </a:solidFill>
+          <a:prstDash val="solid"/>
+          <a:miter lim="800000"/>
+        </a:ln>
+      </a:lnStyleLst>
+      <a:effectStyleLst>
+        <a:effectStyle>
+          <a:effectLst/>
+        </a:effectStyle>
+        <a:effectStyle>
+          <a:effectLst/>
+        </a:effectStyle>
+        <a:effectStyle>
+          <a:effectLst>
+            <a:outerShdw blurRad="57150" dist="19050" dir="5400000" algn="ctr" rotWithShape="0">
+              <a:srgbClr val="000000">
+                <a:alpha val="63000"/>
+              </a:srgbClr>
+            </a:outerShdw>
+          </a:effectLst>
+        </a:effectStyle>
+      </a:effectStyleLst>
+      <a:bgFillStyleLst>
+        <a:solidFill>
+          <a:schemeClr val="phClr"/>
+        </a:solidFill>
+        <a:solidFill>
+          <a:schemeClr val="phClr">
+            <a:tint val="95000"/>
+            <a:satMod val="170000"/>
+          </a:schemeClr>
+        </a:solidFill>
+        <a:gradFill rotWithShape="1">
+          <a:gsLst>
+            <a:gs pos="0">
+              <a:schemeClr val="phClr">
+                <a:tint val="93000"/>
+                <a:satMod val="150000"/>
+                <a:shade val="98000"/>
+                <a:lumMod val="102000"/>
+              </a:schemeClr>
+            </a:gs>
+            <a:gs pos="50000">
+              <a:schemeClr val="phClr">
+                <a:tint val="98000"/>
+                <a:satMod val="130000"/>
+                <a:shade val="90000"/>
+                <a:lumMod val="103000"/>
+              </a:schemeClr>
+            </a:gs>
+            <a:gs pos="100000">
+              <a:schemeClr val="phClr">
+                <a:shade val="63000"/>
+                <a:satMod val="120000"/>
+              </a:schemeClr>
+            </a:gs>
+          </a:gsLst>
+          <a:lin ang="5400000" scaled="0"/>
+        </a:gradFill>
+      </a:bgFillStyleLst>
+    </a:fmtScheme>
+  </a:themeElements>
+  <a:objectDefaults/>
+  <a:extraClrSchemeLst/>
+  <a:extLst>
+    <a:ext uri="{05A4C25C-085E-4340-85A3-A5531E510DB2}">
+      <thm15:themeFamily xmlns:thm15="http://schemas.microsoft.com/office/thememl/2012/main" name="Office Theme" id="{62F939B6-93AF-4DB8-9C6B-D6C7DFDC589F}" vid="{4A3C46E8-61CC-4603-A589-7422A47A8E4A}"/>
+    </a:ext>
+  </a:extLst>
+</a:theme>
 </file>